--- a/MSBI.Lecture.07/MSBI.Dev.S20E07.pptx
+++ b/MSBI.Lecture.07/MSBI.Dev.S20E07.pptx
@@ -23,26 +23,26 @@
     <p:sldId id="550" r:id="rId14"/>
     <p:sldId id="549" r:id="rId15"/>
     <p:sldId id="551" r:id="rId16"/>
-    <p:sldId id="552" r:id="rId17"/>
-    <p:sldId id="623" r:id="rId18"/>
-    <p:sldId id="605" r:id="rId19"/>
-    <p:sldId id="606" r:id="rId20"/>
-    <p:sldId id="607" r:id="rId21"/>
-    <p:sldId id="608" r:id="rId22"/>
-    <p:sldId id="609" r:id="rId23"/>
-    <p:sldId id="611" r:id="rId24"/>
-    <p:sldId id="610" r:id="rId25"/>
-    <p:sldId id="612" r:id="rId26"/>
-    <p:sldId id="586" r:id="rId27"/>
-    <p:sldId id="553" r:id="rId28"/>
-    <p:sldId id="585" r:id="rId29"/>
-    <p:sldId id="556" r:id="rId30"/>
-    <p:sldId id="558" r:id="rId31"/>
-    <p:sldId id="559" r:id="rId32"/>
-    <p:sldId id="560" r:id="rId33"/>
-    <p:sldId id="591" r:id="rId34"/>
-    <p:sldId id="624" r:id="rId35"/>
-    <p:sldId id="589" r:id="rId36"/>
+    <p:sldId id="623" r:id="rId17"/>
+    <p:sldId id="605" r:id="rId18"/>
+    <p:sldId id="606" r:id="rId19"/>
+    <p:sldId id="607" r:id="rId20"/>
+    <p:sldId id="608" r:id="rId21"/>
+    <p:sldId id="609" r:id="rId22"/>
+    <p:sldId id="611" r:id="rId23"/>
+    <p:sldId id="610" r:id="rId24"/>
+    <p:sldId id="612" r:id="rId25"/>
+    <p:sldId id="586" r:id="rId26"/>
+    <p:sldId id="553" r:id="rId27"/>
+    <p:sldId id="585" r:id="rId28"/>
+    <p:sldId id="556" r:id="rId29"/>
+    <p:sldId id="558" r:id="rId30"/>
+    <p:sldId id="559" r:id="rId31"/>
+    <p:sldId id="560" r:id="rId32"/>
+    <p:sldId id="591" r:id="rId33"/>
+    <p:sldId id="624" r:id="rId34"/>
+    <p:sldId id="589" r:id="rId35"/>
+    <p:sldId id="625" r:id="rId36"/>
     <p:sldId id="590" r:id="rId37"/>
   </p:sldIdLst>
   <p:sldSz cx="9144000" cy="5143500" type="screen16x9"/>
@@ -413,7 +413,7 @@
           <a:p>
             <a:fld id="{7F5E9BF7-95E4-A242-BA1D-05FDCF603BE6}" type="datetime1">
               <a:rPr lang="en-US" smtClean="0"/>
-              <a:t>12/3/2019</a:t>
+              <a:t>12/7/2019</a:t>
             </a:fld>
             <a:endParaRPr lang="en-US"/>
           </a:p>
@@ -579,7 +579,7 @@
           <a:p>
             <a:fld id="{165DBCB1-0306-AD41-9452-11E7C08D5C04}" type="datetime1">
               <a:rPr lang="en-US" smtClean="0"/>
-              <a:t>12/3/2019</a:t>
+              <a:t>12/7/2019</a:t>
             </a:fld>
             <a:endParaRPr lang="en-US"/>
           </a:p>
@@ -1176,14 +1176,7 @@
           <a:bodyPr/>
           <a:lstStyle/>
           <a:p>
-            <a:endParaRPr lang="en-US" sz="900" kern="1200" dirty="0">
-              <a:solidFill>
-                <a:schemeClr val="tx1"/>
-              </a:solidFill>
-              <a:latin typeface="+mn-lt"/>
-              <a:ea typeface="+mn-ea"/>
-              <a:cs typeface="+mn-cs"/>
-            </a:endParaRPr>
+            <a:endParaRPr lang="en-US" dirty="0"/>
           </a:p>
         </p:txBody>
       </p:sp>
@@ -1204,7 +1197,7 @@
           <a:p>
             <a:fld id="{7AE90029-A909-AD4E-9775-A0D64990AD22}" type="slidenum">
               <a:rPr lang="en-US" smtClean="0"/>
-              <a:t>13</a:t>
+              <a:t>14</a:t>
             </a:fld>
             <a:endParaRPr lang="en-US"/>
           </a:p>
@@ -1213,7 +1206,7 @@
     </p:spTree>
     <p:extLst>
       <p:ext uri="{BB962C8B-B14F-4D97-AF65-F5344CB8AC3E}">
-        <p14:creationId xmlns:p14="http://schemas.microsoft.com/office/powerpoint/2010/main" val="3994693284"/>
+        <p14:creationId xmlns:p14="http://schemas.microsoft.com/office/powerpoint/2010/main" val="341238092"/>
       </p:ext>
     </p:extLst>
   </p:cSld>
@@ -1302,7 +1295,7 @@
     </p:spTree>
     <p:extLst>
       <p:ext uri="{BB962C8B-B14F-4D97-AF65-F5344CB8AC3E}">
-        <p14:creationId xmlns:p14="http://schemas.microsoft.com/office/powerpoint/2010/main" val="341238092"/>
+        <p14:creationId xmlns:p14="http://schemas.microsoft.com/office/powerpoint/2010/main" val="3794554599"/>
       </p:ext>
     </p:extLst>
   </p:cSld>
@@ -1391,7 +1384,7 @@
     </p:spTree>
     <p:extLst>
       <p:ext uri="{BB962C8B-B14F-4D97-AF65-F5344CB8AC3E}">
-        <p14:creationId xmlns:p14="http://schemas.microsoft.com/office/powerpoint/2010/main" val="3794554599"/>
+        <p14:creationId xmlns:p14="http://schemas.microsoft.com/office/powerpoint/2010/main" val="4071379185"/>
       </p:ext>
     </p:extLst>
   </p:cSld>
@@ -1480,7 +1473,7 @@
     </p:spTree>
     <p:extLst>
       <p:ext uri="{BB962C8B-B14F-4D97-AF65-F5344CB8AC3E}">
-        <p14:creationId xmlns:p14="http://schemas.microsoft.com/office/powerpoint/2010/main" val="4071379185"/>
+        <p14:creationId xmlns:p14="http://schemas.microsoft.com/office/powerpoint/2010/main" val="3870054185"/>
       </p:ext>
     </p:extLst>
   </p:cSld>
@@ -1569,7 +1562,7 @@
     </p:spTree>
     <p:extLst>
       <p:ext uri="{BB962C8B-B14F-4D97-AF65-F5344CB8AC3E}">
-        <p14:creationId xmlns:p14="http://schemas.microsoft.com/office/powerpoint/2010/main" val="3870054185"/>
+        <p14:creationId xmlns:p14="http://schemas.microsoft.com/office/powerpoint/2010/main" val="1911861927"/>
       </p:ext>
     </p:extLst>
   </p:cSld>
@@ -1658,7 +1651,7 @@
     </p:spTree>
     <p:extLst>
       <p:ext uri="{BB962C8B-B14F-4D97-AF65-F5344CB8AC3E}">
-        <p14:creationId xmlns:p14="http://schemas.microsoft.com/office/powerpoint/2010/main" val="1911861927"/>
+        <p14:creationId xmlns:p14="http://schemas.microsoft.com/office/powerpoint/2010/main" val="521140544"/>
       </p:ext>
     </p:extLst>
   </p:cSld>
@@ -1747,7 +1740,7 @@
     </p:spTree>
     <p:extLst>
       <p:ext uri="{BB962C8B-B14F-4D97-AF65-F5344CB8AC3E}">
-        <p14:creationId xmlns:p14="http://schemas.microsoft.com/office/powerpoint/2010/main" val="521140544"/>
+        <p14:creationId xmlns:p14="http://schemas.microsoft.com/office/powerpoint/2010/main" val="2791070929"/>
       </p:ext>
     </p:extLst>
   </p:cSld>
@@ -1836,7 +1829,7 @@
     </p:spTree>
     <p:extLst>
       <p:ext uri="{BB962C8B-B14F-4D97-AF65-F5344CB8AC3E}">
-        <p14:creationId xmlns:p14="http://schemas.microsoft.com/office/powerpoint/2010/main" val="2791070929"/>
+        <p14:creationId xmlns:p14="http://schemas.microsoft.com/office/powerpoint/2010/main" val="2355887791"/>
       </p:ext>
     </p:extLst>
   </p:cSld>
@@ -1986,7 +1979,14 @@
           <a:bodyPr/>
           <a:lstStyle/>
           <a:p>
-            <a:endParaRPr lang="en-US" dirty="0"/>
+            <a:endParaRPr lang="en-US" sz="900" kern="1200" dirty="0">
+              <a:solidFill>
+                <a:schemeClr val="tx1"/>
+              </a:solidFill>
+              <a:latin typeface="+mn-lt"/>
+              <a:ea typeface="+mn-ea"/>
+              <a:cs typeface="+mn-cs"/>
+            </a:endParaRPr>
           </a:p>
         </p:txBody>
       </p:sp>
@@ -2007,7 +2007,7 @@
           <a:p>
             <a:fld id="{7AE90029-A909-AD4E-9775-A0D64990AD22}" type="slidenum">
               <a:rPr lang="en-US" smtClean="0"/>
-              <a:t>22</a:t>
+              <a:t>23</a:t>
             </a:fld>
             <a:endParaRPr lang="en-US"/>
           </a:p>
@@ -2016,7 +2016,7 @@
     </p:spTree>
     <p:extLst>
       <p:ext uri="{BB962C8B-B14F-4D97-AF65-F5344CB8AC3E}">
-        <p14:creationId xmlns:p14="http://schemas.microsoft.com/office/powerpoint/2010/main" val="2355887791"/>
+        <p14:creationId xmlns:p14="http://schemas.microsoft.com/office/powerpoint/2010/main" val="224306032"/>
       </p:ext>
     </p:extLst>
   </p:cSld>
@@ -2103,7 +2103,7 @@
           <a:p>
             <a:fld id="{7AE90029-A909-AD4E-9775-A0D64990AD22}" type="slidenum">
               <a:rPr lang="en-US" smtClean="0"/>
-              <a:t>24</a:t>
+              <a:t>25</a:t>
             </a:fld>
             <a:endParaRPr lang="en-US"/>
           </a:p>
@@ -2112,7 +2112,7 @@
     </p:spTree>
     <p:extLst>
       <p:ext uri="{BB962C8B-B14F-4D97-AF65-F5344CB8AC3E}">
-        <p14:creationId xmlns:p14="http://schemas.microsoft.com/office/powerpoint/2010/main" val="224306032"/>
+        <p14:creationId xmlns:p14="http://schemas.microsoft.com/office/powerpoint/2010/main" val="3861453312"/>
       </p:ext>
     </p:extLst>
   </p:cSld>
@@ -2208,7 +2208,7 @@
     </p:spTree>
     <p:extLst>
       <p:ext uri="{BB962C8B-B14F-4D97-AF65-F5344CB8AC3E}">
-        <p14:creationId xmlns:p14="http://schemas.microsoft.com/office/powerpoint/2010/main" val="3861453312"/>
+        <p14:creationId xmlns:p14="http://schemas.microsoft.com/office/powerpoint/2010/main" val="1802434736"/>
       </p:ext>
     </p:extLst>
   </p:cSld>
@@ -2304,7 +2304,7 @@
     </p:spTree>
     <p:extLst>
       <p:ext uri="{BB962C8B-B14F-4D97-AF65-F5344CB8AC3E}">
-        <p14:creationId xmlns:p14="http://schemas.microsoft.com/office/powerpoint/2010/main" val="1802434736"/>
+        <p14:creationId xmlns:p14="http://schemas.microsoft.com/office/powerpoint/2010/main" val="6864352"/>
       </p:ext>
     </p:extLst>
   </p:cSld>
@@ -2400,7 +2400,7 @@
     </p:spTree>
     <p:extLst>
       <p:ext uri="{BB962C8B-B14F-4D97-AF65-F5344CB8AC3E}">
-        <p14:creationId xmlns:p14="http://schemas.microsoft.com/office/powerpoint/2010/main" val="6864352"/>
+        <p14:creationId xmlns:p14="http://schemas.microsoft.com/office/powerpoint/2010/main" val="3633211113"/>
       </p:ext>
     </p:extLst>
   </p:cSld>
@@ -2437,12 +2437,7 @@
             <p:ph type="sldImg"/>
           </p:nvPr>
         </p:nvSpPr>
-        <p:spPr>
-          <a:xfrm>
-            <a:off x="381000" y="685800"/>
-            <a:ext cx="6096000" cy="3429000"/>
-          </a:xfrm>
-        </p:spPr>
+        <p:spPr/>
       </p:sp>
       <p:sp>
         <p:nvSpPr>
@@ -2459,14 +2454,14 @@
           <a:bodyPr/>
           <a:lstStyle/>
           <a:p>
-            <a:endParaRPr lang="en-US" sz="900" kern="1200" dirty="0">
-              <a:solidFill>
-                <a:schemeClr val="tx1"/>
-              </a:solidFill>
-              <a:latin typeface="+mn-lt"/>
-              <a:ea typeface="+mn-ea"/>
-              <a:cs typeface="+mn-cs"/>
-            </a:endParaRPr>
+            <a:pPr marL="0" indent="0">
+              <a:buFontTx/>
+              <a:buNone/>
+            </a:pPr>
+            <a:r>
+              <a:rPr lang="en-US" baseline="0" dirty="0"/>
+              <a:t>Appendix includes recent awards, please visit elements.epam.com for all 2016-2017 awards</a:t>
+            </a:r>
           </a:p>
         </p:txBody>
       </p:sp>
@@ -2487,16 +2482,16 @@
           <a:p>
             <a:fld id="{7AE90029-A909-AD4E-9775-A0D64990AD22}" type="slidenum">
               <a:rPr lang="en-US" smtClean="0"/>
-              <a:t>29</a:t>
+              <a:t>31</a:t>
             </a:fld>
-            <a:endParaRPr lang="en-US"/>
+            <a:endParaRPr lang="en-US" dirty="0"/>
           </a:p>
         </p:txBody>
       </p:sp>
     </p:spTree>
     <p:extLst>
       <p:ext uri="{BB962C8B-B14F-4D97-AF65-F5344CB8AC3E}">
-        <p14:creationId xmlns:p14="http://schemas.microsoft.com/office/powerpoint/2010/main" val="3633211113"/>
+        <p14:creationId xmlns:p14="http://schemas.microsoft.com/office/powerpoint/2010/main" val="3357827408"/>
       </p:ext>
     </p:extLst>
   </p:cSld>
@@ -2587,7 +2582,7 @@
     </p:spTree>
     <p:extLst>
       <p:ext uri="{BB962C8B-B14F-4D97-AF65-F5344CB8AC3E}">
-        <p14:creationId xmlns:p14="http://schemas.microsoft.com/office/powerpoint/2010/main" val="3357827408"/>
+        <p14:creationId xmlns:p14="http://schemas.microsoft.com/office/powerpoint/2010/main" val="1901472285"/>
       </p:ext>
     </p:extLst>
   </p:cSld>
@@ -5960,7 +5955,7 @@
             </a:pPr>
             <a:r>
               <a:rPr lang="en-US" b="1" dirty="0"/>
-              <a:t>Designing and Creating Views, Inline Functions, and Synonyms</a:t>
+              <a:t>Designing and Creating Views</a:t>
             </a:r>
           </a:p>
         </p:txBody>
@@ -6411,7 +6406,7 @@
             </a:pPr>
             <a:r>
               <a:rPr lang="en-US" b="1" dirty="0"/>
-              <a:t>Designing and Creating Views, Inline Functions, and Synonyms</a:t>
+              <a:t>Designing and Creating Views</a:t>
             </a:r>
           </a:p>
         </p:txBody>
@@ -6836,7 +6831,7 @@
             </a:pPr>
             <a:r>
               <a:rPr lang="en-US" b="1" dirty="0"/>
-              <a:t>Designing and Creating Views, Inline Functions, and Synonyms</a:t>
+              <a:t>Designing and Creating Views</a:t>
             </a:r>
           </a:p>
         </p:txBody>
@@ -7220,484 +7215,6 @@
 </file>
 
 <file path=ppt/slides/slide13.xml><?xml version="1.0" encoding="utf-8"?>
-<p:sld xmlns:a="http://schemas.openxmlformats.org/drawingml/2006/main" xmlns:r="http://schemas.openxmlformats.org/officeDocument/2006/relationships" xmlns:p="http://schemas.openxmlformats.org/presentationml/2006/main">
-  <p:cSld>
-    <p:spTree>
-      <p:nvGrpSpPr>
-        <p:cNvPr id="1" name=""/>
-        <p:cNvGrpSpPr/>
-        <p:nvPr/>
-      </p:nvGrpSpPr>
-      <p:grpSpPr>
-        <a:xfrm>
-          <a:off x="0" y="0"/>
-          <a:ext cx="0" cy="0"/>
-          <a:chOff x="0" y="0"/>
-          <a:chExt cx="0" cy="0"/>
-        </a:xfrm>
-      </p:grpSpPr>
-      <p:sp>
-        <p:nvSpPr>
-          <p:cNvPr id="13" name="Text Placeholder 12"/>
-          <p:cNvSpPr>
-            <a:spLocks noGrp="1"/>
-          </p:cNvSpPr>
-          <p:nvPr>
-            <p:ph type="body" sz="quarter" idx="10"/>
-          </p:nvPr>
-        </p:nvSpPr>
-        <p:spPr/>
-        <p:txBody>
-          <a:bodyPr>
-            <a:normAutofit/>
-          </a:bodyPr>
-          <a:lstStyle/>
-          <a:p>
-            <a:pPr>
-              <a:buClr>
-                <a:schemeClr val="bg1"/>
-              </a:buClr>
-              <a:buSzPct val="140000"/>
-            </a:pPr>
-            <a:r>
-              <a:rPr lang="en-US" b="1" dirty="0"/>
-              <a:t>Designing and Creating Views, Inline Functions, and Synonyms</a:t>
-            </a:r>
-          </a:p>
-        </p:txBody>
-      </p:sp>
-      <p:sp>
-        <p:nvSpPr>
-          <p:cNvPr id="25" name="Text Placeholder 4"/>
-          <p:cNvSpPr txBox="1">
-            <a:spLocks/>
-          </p:cNvSpPr>
-          <p:nvPr/>
-        </p:nvSpPr>
-        <p:spPr>
-          <a:xfrm>
-            <a:off x="236117" y="953764"/>
-            <a:ext cx="1489831" cy="295466"/>
-          </a:xfrm>
-          <a:prstGeom prst="rect">
-            <a:avLst/>
-          </a:prstGeom>
-          <a:solidFill>
-            <a:srgbClr val="39C2D7"/>
-          </a:solidFill>
-          <a:ln>
-            <a:noFill/>
-          </a:ln>
-        </p:spPr>
-        <p:txBody>
-          <a:bodyPr wrap="none" lIns="68580" tIns="54864" rIns="68580" bIns="54864" anchor="ctr" anchorCtr="0">
-            <a:spAutoFit/>
-          </a:bodyPr>
-          <a:lstStyle>
-            <a:lvl1pPr marL="0" indent="0" algn="l" defTabSz="457200" rtl="0" eaLnBrk="1" latinLnBrk="0" hangingPunct="1">
-              <a:spcBef>
-                <a:spcPts val="0"/>
-              </a:spcBef>
-              <a:buClr>
-                <a:schemeClr val="accent2"/>
-              </a:buClr>
-              <a:buFont typeface="Arial"/>
-              <a:buNone/>
-              <a:defRPr sz="1200" kern="1200">
-                <a:solidFill>
-                  <a:schemeClr val="bg1"/>
-                </a:solidFill>
-                <a:latin typeface="Arial Black"/>
-                <a:ea typeface="+mn-ea"/>
-                <a:cs typeface="Arial Black"/>
-              </a:defRPr>
-            </a:lvl1pPr>
-            <a:lvl2pPr marL="742950" indent="-285750" algn="l" defTabSz="457200" rtl="0" eaLnBrk="1" latinLnBrk="0" hangingPunct="1">
-              <a:spcBef>
-                <a:spcPct val="20000"/>
-              </a:spcBef>
-              <a:buFont typeface="Arial"/>
-              <a:buChar char="–"/>
-              <a:defRPr sz="1800" kern="1200">
-                <a:solidFill>
-                  <a:schemeClr val="tx1"/>
-                </a:solidFill>
-                <a:latin typeface="Trebuchet MS"/>
-                <a:ea typeface="+mn-ea"/>
-                <a:cs typeface="Trebuchet MS"/>
-              </a:defRPr>
-            </a:lvl2pPr>
-            <a:lvl3pPr marL="1143000" indent="-228600" algn="l" defTabSz="457200" rtl="0" eaLnBrk="1" latinLnBrk="0" hangingPunct="1">
-              <a:spcBef>
-                <a:spcPct val="20000"/>
-              </a:spcBef>
-              <a:buFont typeface="Arial"/>
-              <a:buChar char="•"/>
-              <a:defRPr sz="1600" kern="1200">
-                <a:solidFill>
-                  <a:schemeClr val="tx1"/>
-                </a:solidFill>
-                <a:latin typeface="Trebuchet MS"/>
-                <a:ea typeface="+mn-ea"/>
-                <a:cs typeface="Trebuchet MS"/>
-              </a:defRPr>
-            </a:lvl3pPr>
-            <a:lvl4pPr marL="1600200" indent="-228600" algn="l" defTabSz="457200" rtl="0" eaLnBrk="1" latinLnBrk="0" hangingPunct="1">
-              <a:spcBef>
-                <a:spcPct val="20000"/>
-              </a:spcBef>
-              <a:buFont typeface="Arial"/>
-              <a:buChar char="–"/>
-              <a:defRPr sz="1300" kern="1200">
-                <a:solidFill>
-                  <a:schemeClr val="tx1"/>
-                </a:solidFill>
-                <a:latin typeface="Trebuchet MS"/>
-                <a:ea typeface="+mn-ea"/>
-                <a:cs typeface="Trebuchet MS"/>
-              </a:defRPr>
-            </a:lvl4pPr>
-            <a:lvl5pPr marL="2057400" indent="-228600" algn="l" defTabSz="457200" rtl="0" eaLnBrk="1" latinLnBrk="0" hangingPunct="1">
-              <a:spcBef>
-                <a:spcPct val="20000"/>
-              </a:spcBef>
-              <a:buFont typeface="Arial"/>
-              <a:buChar char="»"/>
-              <a:defRPr sz="1100" kern="1200">
-                <a:solidFill>
-                  <a:schemeClr val="tx1"/>
-                </a:solidFill>
-                <a:latin typeface="Trebuchet MS"/>
-                <a:ea typeface="+mn-ea"/>
-                <a:cs typeface="Trebuchet MS"/>
-              </a:defRPr>
-            </a:lvl5pPr>
-            <a:lvl6pPr marL="2514600" indent="-228600" algn="l" defTabSz="457200" rtl="0" eaLnBrk="1" latinLnBrk="0" hangingPunct="1">
-              <a:spcBef>
-                <a:spcPct val="20000"/>
-              </a:spcBef>
-              <a:buFont typeface="Arial"/>
-              <a:buChar char="•"/>
-              <a:defRPr sz="2000" kern="1200">
-                <a:solidFill>
-                  <a:schemeClr val="tx1"/>
-                </a:solidFill>
-                <a:latin typeface="+mn-lt"/>
-                <a:ea typeface="+mn-ea"/>
-                <a:cs typeface="+mn-cs"/>
-              </a:defRPr>
-            </a:lvl6pPr>
-            <a:lvl7pPr marL="2971800" indent="-228600" algn="l" defTabSz="457200" rtl="0" eaLnBrk="1" latinLnBrk="0" hangingPunct="1">
-              <a:spcBef>
-                <a:spcPct val="20000"/>
-              </a:spcBef>
-              <a:buFont typeface="Arial"/>
-              <a:buChar char="•"/>
-              <a:defRPr sz="2000" kern="1200">
-                <a:solidFill>
-                  <a:schemeClr val="tx1"/>
-                </a:solidFill>
-                <a:latin typeface="+mn-lt"/>
-                <a:ea typeface="+mn-ea"/>
-                <a:cs typeface="+mn-cs"/>
-              </a:defRPr>
-            </a:lvl7pPr>
-            <a:lvl8pPr marL="3429000" indent="-228600" algn="l" defTabSz="457200" rtl="0" eaLnBrk="1" latinLnBrk="0" hangingPunct="1">
-              <a:spcBef>
-                <a:spcPct val="20000"/>
-              </a:spcBef>
-              <a:buFont typeface="Arial"/>
-              <a:buChar char="•"/>
-              <a:defRPr sz="2000" kern="1200">
-                <a:solidFill>
-                  <a:schemeClr val="tx1"/>
-                </a:solidFill>
-                <a:latin typeface="+mn-lt"/>
-                <a:ea typeface="+mn-ea"/>
-                <a:cs typeface="+mn-cs"/>
-              </a:defRPr>
-            </a:lvl8pPr>
-            <a:lvl9pPr marL="3886200" indent="-228600" algn="l" defTabSz="457200" rtl="0" eaLnBrk="1" latinLnBrk="0" hangingPunct="1">
-              <a:spcBef>
-                <a:spcPct val="20000"/>
-              </a:spcBef>
-              <a:buFont typeface="Arial"/>
-              <a:buChar char="•"/>
-              <a:defRPr sz="2000" kern="1200">
-                <a:solidFill>
-                  <a:schemeClr val="tx1"/>
-                </a:solidFill>
-                <a:latin typeface="+mn-lt"/>
-                <a:ea typeface="+mn-ea"/>
-                <a:cs typeface="+mn-cs"/>
-              </a:defRPr>
-            </a:lvl9pPr>
-          </a:lstStyle>
-          <a:p>
-            <a:pPr>
-              <a:buClr>
-                <a:schemeClr val="bg1"/>
-              </a:buClr>
-              <a:buSzPct val="140000"/>
-            </a:pPr>
-            <a:r>
-              <a:rPr lang="en-US" dirty="0"/>
-              <a:t>Inline Functions</a:t>
-            </a:r>
-            <a:endParaRPr lang="en-US" b="1" dirty="0"/>
-          </a:p>
-        </p:txBody>
-      </p:sp>
-      <p:sp>
-        <p:nvSpPr>
-          <p:cNvPr id="11" name="Content Placeholder 2"/>
-          <p:cNvSpPr txBox="1">
-            <a:spLocks/>
-          </p:cNvSpPr>
-          <p:nvPr/>
-        </p:nvSpPr>
-        <p:spPr>
-          <a:xfrm>
-            <a:off x="386227" y="1503470"/>
-            <a:ext cx="4103580" cy="3287972"/>
-          </a:xfrm>
-          <a:prstGeom prst="rect">
-            <a:avLst/>
-          </a:prstGeom>
-        </p:spPr>
-        <p:txBody>
-          <a:bodyPr/>
-          <a:lstStyle>
-            <a:lvl1pPr marL="257175" indent="-257175" algn="l" defTabSz="342900" rtl="0" eaLnBrk="1" latinLnBrk="0" hangingPunct="1">
-              <a:spcBef>
-                <a:spcPct val="20000"/>
-              </a:spcBef>
-              <a:buFont typeface="Arial"/>
-              <a:buChar char="•"/>
-              <a:defRPr sz="2400" kern="1200">
-                <a:solidFill>
-                  <a:schemeClr val="tx1"/>
-                </a:solidFill>
-                <a:latin typeface="+mn-lt"/>
-                <a:ea typeface="+mn-ea"/>
-                <a:cs typeface="+mn-cs"/>
-              </a:defRPr>
-            </a:lvl1pPr>
-            <a:lvl2pPr marL="557213" indent="-214313" algn="l" defTabSz="342900" rtl="0" eaLnBrk="1" latinLnBrk="0" hangingPunct="1">
-              <a:spcBef>
-                <a:spcPct val="20000"/>
-              </a:spcBef>
-              <a:buFont typeface="Arial"/>
-              <a:buChar char="–"/>
-              <a:defRPr sz="2100" kern="1200">
-                <a:solidFill>
-                  <a:schemeClr val="tx1"/>
-                </a:solidFill>
-                <a:latin typeface="+mn-lt"/>
-                <a:ea typeface="+mn-ea"/>
-                <a:cs typeface="+mn-cs"/>
-              </a:defRPr>
-            </a:lvl2pPr>
-            <a:lvl3pPr marL="857250" indent="-171450" algn="l" defTabSz="342900" rtl="0" eaLnBrk="1" latinLnBrk="0" hangingPunct="1">
-              <a:spcBef>
-                <a:spcPct val="20000"/>
-              </a:spcBef>
-              <a:buFont typeface="Arial"/>
-              <a:buChar char="•"/>
-              <a:defRPr sz="1800" kern="1200">
-                <a:solidFill>
-                  <a:schemeClr val="tx1"/>
-                </a:solidFill>
-                <a:latin typeface="+mn-lt"/>
-                <a:ea typeface="+mn-ea"/>
-                <a:cs typeface="+mn-cs"/>
-              </a:defRPr>
-            </a:lvl3pPr>
-            <a:lvl4pPr marL="1200150" indent="-171450" algn="l" defTabSz="342900" rtl="0" eaLnBrk="1" latinLnBrk="0" hangingPunct="1">
-              <a:spcBef>
-                <a:spcPct val="20000"/>
-              </a:spcBef>
-              <a:buFont typeface="Arial"/>
-              <a:buChar char="–"/>
-              <a:defRPr sz="1500" kern="1200">
-                <a:solidFill>
-                  <a:schemeClr val="tx1"/>
-                </a:solidFill>
-                <a:latin typeface="+mn-lt"/>
-                <a:ea typeface="+mn-ea"/>
-                <a:cs typeface="+mn-cs"/>
-              </a:defRPr>
-            </a:lvl4pPr>
-            <a:lvl5pPr marL="1543050" indent="-171450" algn="l" defTabSz="342900" rtl="0" eaLnBrk="1" latinLnBrk="0" hangingPunct="1">
-              <a:spcBef>
-                <a:spcPct val="20000"/>
-              </a:spcBef>
-              <a:buFont typeface="Arial"/>
-              <a:buChar char="»"/>
-              <a:defRPr sz="1500" kern="1200">
-                <a:solidFill>
-                  <a:schemeClr val="tx1"/>
-                </a:solidFill>
-                <a:latin typeface="+mn-lt"/>
-                <a:ea typeface="+mn-ea"/>
-                <a:cs typeface="+mn-cs"/>
-              </a:defRPr>
-            </a:lvl5pPr>
-            <a:lvl6pPr marL="1885950" indent="-171450" algn="l" defTabSz="342900" rtl="0" eaLnBrk="1" latinLnBrk="0" hangingPunct="1">
-              <a:spcBef>
-                <a:spcPct val="20000"/>
-              </a:spcBef>
-              <a:buFont typeface="Arial"/>
-              <a:buChar char="•"/>
-              <a:defRPr sz="1500" kern="1200">
-                <a:solidFill>
-                  <a:schemeClr val="tx1"/>
-                </a:solidFill>
-                <a:latin typeface="+mn-lt"/>
-                <a:ea typeface="+mn-ea"/>
-                <a:cs typeface="+mn-cs"/>
-              </a:defRPr>
-            </a:lvl6pPr>
-            <a:lvl7pPr marL="2228850" indent="-171450" algn="l" defTabSz="342900" rtl="0" eaLnBrk="1" latinLnBrk="0" hangingPunct="1">
-              <a:spcBef>
-                <a:spcPct val="20000"/>
-              </a:spcBef>
-              <a:buFont typeface="Arial"/>
-              <a:buChar char="•"/>
-              <a:defRPr sz="1500" kern="1200">
-                <a:solidFill>
-                  <a:schemeClr val="tx1"/>
-                </a:solidFill>
-                <a:latin typeface="+mn-lt"/>
-                <a:ea typeface="+mn-ea"/>
-                <a:cs typeface="+mn-cs"/>
-              </a:defRPr>
-            </a:lvl7pPr>
-            <a:lvl8pPr marL="2571750" indent="-171450" algn="l" defTabSz="342900" rtl="0" eaLnBrk="1" latinLnBrk="0" hangingPunct="1">
-              <a:spcBef>
-                <a:spcPct val="20000"/>
-              </a:spcBef>
-              <a:buFont typeface="Arial"/>
-              <a:buChar char="•"/>
-              <a:defRPr sz="1500" kern="1200">
-                <a:solidFill>
-                  <a:schemeClr val="tx1"/>
-                </a:solidFill>
-                <a:latin typeface="+mn-lt"/>
-                <a:ea typeface="+mn-ea"/>
-                <a:cs typeface="+mn-cs"/>
-              </a:defRPr>
-            </a:lvl8pPr>
-            <a:lvl9pPr marL="2914650" indent="-171450" algn="l" defTabSz="342900" rtl="0" eaLnBrk="1" latinLnBrk="0" hangingPunct="1">
-              <a:spcBef>
-                <a:spcPct val="20000"/>
-              </a:spcBef>
-              <a:buFont typeface="Arial"/>
-              <a:buChar char="•"/>
-              <a:defRPr sz="1500" kern="1200">
-                <a:solidFill>
-                  <a:schemeClr val="tx1"/>
-                </a:solidFill>
-                <a:latin typeface="+mn-lt"/>
-                <a:ea typeface="+mn-ea"/>
-                <a:cs typeface="+mn-cs"/>
-              </a:defRPr>
-            </a:lvl9pPr>
-          </a:lstStyle>
-          <a:p>
-            <a:pPr marL="173736" lvl="2" indent="-173736">
-              <a:lnSpc>
-                <a:spcPct val="110000"/>
-              </a:lnSpc>
-              <a:spcBef>
-                <a:spcPts val="0"/>
-              </a:spcBef>
-              <a:spcAft>
-                <a:spcPts val="1300"/>
-              </a:spcAft>
-              <a:buClr>
-                <a:srgbClr val="2FC2D9"/>
-              </a:buClr>
-              <a:defRPr/>
-            </a:pPr>
-            <a:r>
-              <a:rPr lang="en-US" sz="1600" b="1" dirty="0">
-                <a:solidFill>
-                  <a:srgbClr val="444444"/>
-                </a:solidFill>
-                <a:ea typeface="ＭＳ Ｐゴシック" pitchFamily="34" charset="-128"/>
-              </a:rPr>
-              <a:t>the body of the function can only be a SELECT statement</a:t>
-            </a:r>
-          </a:p>
-          <a:p>
-            <a:pPr marL="173736" lvl="2" indent="-173736">
-              <a:lnSpc>
-                <a:spcPct val="110000"/>
-              </a:lnSpc>
-              <a:spcBef>
-                <a:spcPts val="0"/>
-              </a:spcBef>
-              <a:spcAft>
-                <a:spcPts val="1300"/>
-              </a:spcAft>
-              <a:buClr>
-                <a:srgbClr val="2FC2D9"/>
-              </a:buClr>
-              <a:defRPr/>
-            </a:pPr>
-            <a:r>
-              <a:rPr lang="en-US" sz="1600" b="1" dirty="0">
-                <a:solidFill>
-                  <a:srgbClr val="444444"/>
-                </a:solidFill>
-                <a:ea typeface="ＭＳ Ｐゴシック" pitchFamily="34" charset="-128"/>
-              </a:rPr>
-              <a:t>WITH ENCRYPTION</a:t>
-            </a:r>
-          </a:p>
-          <a:p>
-            <a:pPr marL="173736" lvl="2" indent="-173736">
-              <a:lnSpc>
-                <a:spcPct val="110000"/>
-              </a:lnSpc>
-              <a:spcBef>
-                <a:spcPts val="0"/>
-              </a:spcBef>
-              <a:spcAft>
-                <a:spcPts val="1300"/>
-              </a:spcAft>
-              <a:buClr>
-                <a:srgbClr val="2FC2D9"/>
-              </a:buClr>
-              <a:defRPr/>
-            </a:pPr>
-            <a:r>
-              <a:rPr lang="en-US" sz="1600" b="1" dirty="0">
-                <a:solidFill>
-                  <a:srgbClr val="444444"/>
-                </a:solidFill>
-                <a:ea typeface="ＭＳ Ｐゴシック" pitchFamily="34" charset="-128"/>
-              </a:rPr>
-              <a:t>WITH SCHEMABINDING</a:t>
-            </a:r>
-          </a:p>
-        </p:txBody>
-      </p:sp>
-    </p:spTree>
-    <p:extLst>
-      <p:ext uri="{BB962C8B-B14F-4D97-AF65-F5344CB8AC3E}">
-        <p14:creationId xmlns:p14="http://schemas.microsoft.com/office/powerpoint/2010/main" val="2146984462"/>
-      </p:ext>
-    </p:extLst>
-  </p:cSld>
-  <p:clrMapOvr>
-    <a:masterClrMapping/>
-  </p:clrMapOvr>
-</p:sld>
-</file>
-
-<file path=ppt/slides/slide14.xml><?xml version="1.0" encoding="utf-8"?>
 <p:sld xmlns:a="http://schemas.openxmlformats.org/drawingml/2006/main" xmlns:r="http://schemas.openxmlformats.org/officeDocument/2006/relationships" xmlns:p="http://schemas.openxmlformats.org/presentationml/2006/main">
   <p:cSld>
     <p:spTree>
@@ -8018,6 +7535,813 @@
 </p:sld>
 </file>
 
+<file path=ppt/slides/slide14.xml><?xml version="1.0" encoding="utf-8"?>
+<p:sld xmlns:a="http://schemas.openxmlformats.org/drawingml/2006/main" xmlns:r="http://schemas.openxmlformats.org/officeDocument/2006/relationships" xmlns:p="http://schemas.openxmlformats.org/presentationml/2006/main">
+  <p:cSld>
+    <p:spTree>
+      <p:nvGrpSpPr>
+        <p:cNvPr id="1" name=""/>
+        <p:cNvGrpSpPr/>
+        <p:nvPr/>
+      </p:nvGrpSpPr>
+      <p:grpSpPr>
+        <a:xfrm>
+          <a:off x="0" y="0"/>
+          <a:ext cx="0" cy="0"/>
+          <a:chOff x="0" y="0"/>
+          <a:chExt cx="0" cy="0"/>
+        </a:xfrm>
+      </p:grpSpPr>
+      <p:sp>
+        <p:nvSpPr>
+          <p:cNvPr id="13" name="Text Placeholder 12"/>
+          <p:cNvSpPr>
+            <a:spLocks noGrp="1"/>
+          </p:cNvSpPr>
+          <p:nvPr>
+            <p:ph type="body" sz="quarter" idx="10"/>
+          </p:nvPr>
+        </p:nvSpPr>
+        <p:spPr/>
+        <p:txBody>
+          <a:bodyPr>
+            <a:normAutofit/>
+          </a:bodyPr>
+          <a:lstStyle/>
+          <a:p>
+            <a:pPr>
+              <a:buClr>
+                <a:schemeClr val="bg1"/>
+              </a:buClr>
+              <a:buSzPct val="140000"/>
+            </a:pPr>
+            <a:r>
+              <a:rPr lang="en-US" b="1" dirty="0"/>
+              <a:t>Implementing User-Defined Functions</a:t>
+            </a:r>
+          </a:p>
+        </p:txBody>
+      </p:sp>
+      <p:sp>
+        <p:nvSpPr>
+          <p:cNvPr id="25" name="Text Placeholder 4"/>
+          <p:cNvSpPr txBox="1">
+            <a:spLocks/>
+          </p:cNvSpPr>
+          <p:nvPr/>
+        </p:nvSpPr>
+        <p:spPr>
+          <a:xfrm>
+            <a:off x="236117" y="907598"/>
+            <a:ext cx="5017399" cy="387798"/>
+          </a:xfrm>
+          <a:prstGeom prst="rect">
+            <a:avLst/>
+          </a:prstGeom>
+          <a:solidFill>
+            <a:srgbClr val="39C2D7"/>
+          </a:solidFill>
+          <a:ln>
+            <a:noFill/>
+          </a:ln>
+        </p:spPr>
+        <p:txBody>
+          <a:bodyPr wrap="none" lIns="68580" tIns="54864" rIns="68580" bIns="54864" anchor="ctr" anchorCtr="0">
+            <a:spAutoFit/>
+          </a:bodyPr>
+          <a:lstStyle>
+            <a:lvl1pPr marL="0" indent="0" algn="l" defTabSz="457200" rtl="0" eaLnBrk="1" latinLnBrk="0" hangingPunct="1">
+              <a:spcBef>
+                <a:spcPts val="0"/>
+              </a:spcBef>
+              <a:buClr>
+                <a:schemeClr val="accent2"/>
+              </a:buClr>
+              <a:buFont typeface="Arial"/>
+              <a:buNone/>
+              <a:defRPr sz="1200" kern="1200">
+                <a:solidFill>
+                  <a:schemeClr val="bg1"/>
+                </a:solidFill>
+                <a:latin typeface="Arial Black"/>
+                <a:ea typeface="+mn-ea"/>
+                <a:cs typeface="Arial Black"/>
+              </a:defRPr>
+            </a:lvl1pPr>
+            <a:lvl2pPr marL="742950" indent="-285750" algn="l" defTabSz="457200" rtl="0" eaLnBrk="1" latinLnBrk="0" hangingPunct="1">
+              <a:spcBef>
+                <a:spcPct val="20000"/>
+              </a:spcBef>
+              <a:buFont typeface="Arial"/>
+              <a:buChar char="–"/>
+              <a:defRPr sz="1800" kern="1200">
+                <a:solidFill>
+                  <a:schemeClr val="tx1"/>
+                </a:solidFill>
+                <a:latin typeface="Trebuchet MS"/>
+                <a:ea typeface="+mn-ea"/>
+                <a:cs typeface="Trebuchet MS"/>
+              </a:defRPr>
+            </a:lvl2pPr>
+            <a:lvl3pPr marL="1143000" indent="-228600" algn="l" defTabSz="457200" rtl="0" eaLnBrk="1" latinLnBrk="0" hangingPunct="1">
+              <a:spcBef>
+                <a:spcPct val="20000"/>
+              </a:spcBef>
+              <a:buFont typeface="Arial"/>
+              <a:buChar char="•"/>
+              <a:defRPr sz="1600" kern="1200">
+                <a:solidFill>
+                  <a:schemeClr val="tx1"/>
+                </a:solidFill>
+                <a:latin typeface="Trebuchet MS"/>
+                <a:ea typeface="+mn-ea"/>
+                <a:cs typeface="Trebuchet MS"/>
+              </a:defRPr>
+            </a:lvl3pPr>
+            <a:lvl4pPr marL="1600200" indent="-228600" algn="l" defTabSz="457200" rtl="0" eaLnBrk="1" latinLnBrk="0" hangingPunct="1">
+              <a:spcBef>
+                <a:spcPct val="20000"/>
+              </a:spcBef>
+              <a:buFont typeface="Arial"/>
+              <a:buChar char="–"/>
+              <a:defRPr sz="1300" kern="1200">
+                <a:solidFill>
+                  <a:schemeClr val="tx1"/>
+                </a:solidFill>
+                <a:latin typeface="Trebuchet MS"/>
+                <a:ea typeface="+mn-ea"/>
+                <a:cs typeface="Trebuchet MS"/>
+              </a:defRPr>
+            </a:lvl4pPr>
+            <a:lvl5pPr marL="2057400" indent="-228600" algn="l" defTabSz="457200" rtl="0" eaLnBrk="1" latinLnBrk="0" hangingPunct="1">
+              <a:spcBef>
+                <a:spcPct val="20000"/>
+              </a:spcBef>
+              <a:buFont typeface="Arial"/>
+              <a:buChar char="»"/>
+              <a:defRPr sz="1100" kern="1200">
+                <a:solidFill>
+                  <a:schemeClr val="tx1"/>
+                </a:solidFill>
+                <a:latin typeface="Trebuchet MS"/>
+                <a:ea typeface="+mn-ea"/>
+                <a:cs typeface="Trebuchet MS"/>
+              </a:defRPr>
+            </a:lvl5pPr>
+            <a:lvl6pPr marL="2514600" indent="-228600" algn="l" defTabSz="457200" rtl="0" eaLnBrk="1" latinLnBrk="0" hangingPunct="1">
+              <a:spcBef>
+                <a:spcPct val="20000"/>
+              </a:spcBef>
+              <a:buFont typeface="Arial"/>
+              <a:buChar char="•"/>
+              <a:defRPr sz="2000" kern="1200">
+                <a:solidFill>
+                  <a:schemeClr val="tx1"/>
+                </a:solidFill>
+                <a:latin typeface="+mn-lt"/>
+                <a:ea typeface="+mn-ea"/>
+                <a:cs typeface="+mn-cs"/>
+              </a:defRPr>
+            </a:lvl6pPr>
+            <a:lvl7pPr marL="2971800" indent="-228600" algn="l" defTabSz="457200" rtl="0" eaLnBrk="1" latinLnBrk="0" hangingPunct="1">
+              <a:spcBef>
+                <a:spcPct val="20000"/>
+              </a:spcBef>
+              <a:buFont typeface="Arial"/>
+              <a:buChar char="•"/>
+              <a:defRPr sz="2000" kern="1200">
+                <a:solidFill>
+                  <a:schemeClr val="tx1"/>
+                </a:solidFill>
+                <a:latin typeface="+mn-lt"/>
+                <a:ea typeface="+mn-ea"/>
+                <a:cs typeface="+mn-cs"/>
+              </a:defRPr>
+            </a:lvl7pPr>
+            <a:lvl8pPr marL="3429000" indent="-228600" algn="l" defTabSz="457200" rtl="0" eaLnBrk="1" latinLnBrk="0" hangingPunct="1">
+              <a:spcBef>
+                <a:spcPct val="20000"/>
+              </a:spcBef>
+              <a:buFont typeface="Arial"/>
+              <a:buChar char="•"/>
+              <a:defRPr sz="2000" kern="1200">
+                <a:solidFill>
+                  <a:schemeClr val="tx1"/>
+                </a:solidFill>
+                <a:latin typeface="+mn-lt"/>
+                <a:ea typeface="+mn-ea"/>
+                <a:cs typeface="+mn-cs"/>
+              </a:defRPr>
+            </a:lvl8pPr>
+            <a:lvl9pPr marL="3886200" indent="-228600" algn="l" defTabSz="457200" rtl="0" eaLnBrk="1" latinLnBrk="0" hangingPunct="1">
+              <a:spcBef>
+                <a:spcPct val="20000"/>
+              </a:spcBef>
+              <a:buFont typeface="Arial"/>
+              <a:buChar char="•"/>
+              <a:defRPr sz="2000" kern="1200">
+                <a:solidFill>
+                  <a:schemeClr val="tx1"/>
+                </a:solidFill>
+                <a:latin typeface="+mn-lt"/>
+                <a:ea typeface="+mn-ea"/>
+                <a:cs typeface="+mn-cs"/>
+              </a:defRPr>
+            </a:lvl9pPr>
+          </a:lstStyle>
+          <a:p>
+            <a:pPr>
+              <a:buClr>
+                <a:schemeClr val="bg1"/>
+              </a:buClr>
+              <a:buSzPct val="140000"/>
+            </a:pPr>
+            <a:r>
+              <a:rPr lang="en-US" sz="1800" dirty="0"/>
+              <a:t>Understanding User-Defined Functions</a:t>
+            </a:r>
+            <a:endParaRPr lang="en-US" sz="1800" b="1" dirty="0"/>
+          </a:p>
+        </p:txBody>
+      </p:sp>
+      <p:sp>
+        <p:nvSpPr>
+          <p:cNvPr id="4" name="Content Placeholder 2"/>
+          <p:cNvSpPr txBox="1">
+            <a:spLocks/>
+          </p:cNvSpPr>
+          <p:nvPr/>
+        </p:nvSpPr>
+        <p:spPr>
+          <a:xfrm>
+            <a:off x="386226" y="1503470"/>
+            <a:ext cx="8194437" cy="3287972"/>
+          </a:xfrm>
+          <a:prstGeom prst="rect">
+            <a:avLst/>
+          </a:prstGeom>
+        </p:spPr>
+        <p:txBody>
+          <a:bodyPr/>
+          <a:lstStyle>
+            <a:lvl1pPr marL="257175" indent="-257175" algn="l" defTabSz="342900" rtl="0" eaLnBrk="1" latinLnBrk="0" hangingPunct="1">
+              <a:spcBef>
+                <a:spcPct val="20000"/>
+              </a:spcBef>
+              <a:buFont typeface="Arial"/>
+              <a:buChar char="•"/>
+              <a:defRPr sz="2400" kern="1200">
+                <a:solidFill>
+                  <a:schemeClr val="tx1"/>
+                </a:solidFill>
+                <a:latin typeface="+mn-lt"/>
+                <a:ea typeface="+mn-ea"/>
+                <a:cs typeface="+mn-cs"/>
+              </a:defRPr>
+            </a:lvl1pPr>
+            <a:lvl2pPr marL="557213" indent="-214313" algn="l" defTabSz="342900" rtl="0" eaLnBrk="1" latinLnBrk="0" hangingPunct="1">
+              <a:spcBef>
+                <a:spcPct val="20000"/>
+              </a:spcBef>
+              <a:buFont typeface="Arial"/>
+              <a:buChar char="–"/>
+              <a:defRPr sz="2100" kern="1200">
+                <a:solidFill>
+                  <a:schemeClr val="tx1"/>
+                </a:solidFill>
+                <a:latin typeface="+mn-lt"/>
+                <a:ea typeface="+mn-ea"/>
+                <a:cs typeface="+mn-cs"/>
+              </a:defRPr>
+            </a:lvl2pPr>
+            <a:lvl3pPr marL="857250" indent="-171450" algn="l" defTabSz="342900" rtl="0" eaLnBrk="1" latinLnBrk="0" hangingPunct="1">
+              <a:spcBef>
+                <a:spcPct val="20000"/>
+              </a:spcBef>
+              <a:buFont typeface="Arial"/>
+              <a:buChar char="•"/>
+              <a:defRPr sz="1800" kern="1200">
+                <a:solidFill>
+                  <a:schemeClr val="tx1"/>
+                </a:solidFill>
+                <a:latin typeface="+mn-lt"/>
+                <a:ea typeface="+mn-ea"/>
+                <a:cs typeface="+mn-cs"/>
+              </a:defRPr>
+            </a:lvl3pPr>
+            <a:lvl4pPr marL="1200150" indent="-171450" algn="l" defTabSz="342900" rtl="0" eaLnBrk="1" latinLnBrk="0" hangingPunct="1">
+              <a:spcBef>
+                <a:spcPct val="20000"/>
+              </a:spcBef>
+              <a:buFont typeface="Arial"/>
+              <a:buChar char="–"/>
+              <a:defRPr sz="1500" kern="1200">
+                <a:solidFill>
+                  <a:schemeClr val="tx1"/>
+                </a:solidFill>
+                <a:latin typeface="+mn-lt"/>
+                <a:ea typeface="+mn-ea"/>
+                <a:cs typeface="+mn-cs"/>
+              </a:defRPr>
+            </a:lvl4pPr>
+            <a:lvl5pPr marL="1543050" indent="-171450" algn="l" defTabSz="342900" rtl="0" eaLnBrk="1" latinLnBrk="0" hangingPunct="1">
+              <a:spcBef>
+                <a:spcPct val="20000"/>
+              </a:spcBef>
+              <a:buFont typeface="Arial"/>
+              <a:buChar char="»"/>
+              <a:defRPr sz="1500" kern="1200">
+                <a:solidFill>
+                  <a:schemeClr val="tx1"/>
+                </a:solidFill>
+                <a:latin typeface="+mn-lt"/>
+                <a:ea typeface="+mn-ea"/>
+                <a:cs typeface="+mn-cs"/>
+              </a:defRPr>
+            </a:lvl5pPr>
+            <a:lvl6pPr marL="1885950" indent="-171450" algn="l" defTabSz="342900" rtl="0" eaLnBrk="1" latinLnBrk="0" hangingPunct="1">
+              <a:spcBef>
+                <a:spcPct val="20000"/>
+              </a:spcBef>
+              <a:buFont typeface="Arial"/>
+              <a:buChar char="•"/>
+              <a:defRPr sz="1500" kern="1200">
+                <a:solidFill>
+                  <a:schemeClr val="tx1"/>
+                </a:solidFill>
+                <a:latin typeface="+mn-lt"/>
+                <a:ea typeface="+mn-ea"/>
+                <a:cs typeface="+mn-cs"/>
+              </a:defRPr>
+            </a:lvl6pPr>
+            <a:lvl7pPr marL="2228850" indent="-171450" algn="l" defTabSz="342900" rtl="0" eaLnBrk="1" latinLnBrk="0" hangingPunct="1">
+              <a:spcBef>
+                <a:spcPct val="20000"/>
+              </a:spcBef>
+              <a:buFont typeface="Arial"/>
+              <a:buChar char="•"/>
+              <a:defRPr sz="1500" kern="1200">
+                <a:solidFill>
+                  <a:schemeClr val="tx1"/>
+                </a:solidFill>
+                <a:latin typeface="+mn-lt"/>
+                <a:ea typeface="+mn-ea"/>
+                <a:cs typeface="+mn-cs"/>
+              </a:defRPr>
+            </a:lvl7pPr>
+            <a:lvl8pPr marL="2571750" indent="-171450" algn="l" defTabSz="342900" rtl="0" eaLnBrk="1" latinLnBrk="0" hangingPunct="1">
+              <a:spcBef>
+                <a:spcPct val="20000"/>
+              </a:spcBef>
+              <a:buFont typeface="Arial"/>
+              <a:buChar char="•"/>
+              <a:defRPr sz="1500" kern="1200">
+                <a:solidFill>
+                  <a:schemeClr val="tx1"/>
+                </a:solidFill>
+                <a:latin typeface="+mn-lt"/>
+                <a:ea typeface="+mn-ea"/>
+                <a:cs typeface="+mn-cs"/>
+              </a:defRPr>
+            </a:lvl8pPr>
+            <a:lvl9pPr marL="2914650" indent="-171450" algn="l" defTabSz="342900" rtl="0" eaLnBrk="1" latinLnBrk="0" hangingPunct="1">
+              <a:spcBef>
+                <a:spcPct val="20000"/>
+              </a:spcBef>
+              <a:buFont typeface="Arial"/>
+              <a:buChar char="•"/>
+              <a:defRPr sz="1500" kern="1200">
+                <a:solidFill>
+                  <a:schemeClr val="tx1"/>
+                </a:solidFill>
+                <a:latin typeface="+mn-lt"/>
+                <a:ea typeface="+mn-ea"/>
+                <a:cs typeface="+mn-cs"/>
+              </a:defRPr>
+            </a:lvl9pPr>
+          </a:lstStyle>
+          <a:p>
+            <a:pPr marL="173736" lvl="2" indent="-173736">
+              <a:lnSpc>
+                <a:spcPct val="110000"/>
+              </a:lnSpc>
+              <a:spcBef>
+                <a:spcPts val="0"/>
+              </a:spcBef>
+              <a:spcAft>
+                <a:spcPts val="1300"/>
+              </a:spcAft>
+              <a:buClr>
+                <a:srgbClr val="2FC2D9"/>
+              </a:buClr>
+              <a:defRPr/>
+            </a:pPr>
+            <a:r>
+              <a:rPr lang="en-US" dirty="0"/>
+              <a:t>Scalar</a:t>
+            </a:r>
+          </a:p>
+          <a:p>
+            <a:pPr marL="173736" lvl="2" indent="-173736">
+              <a:lnSpc>
+                <a:spcPct val="110000"/>
+              </a:lnSpc>
+              <a:spcBef>
+                <a:spcPts val="0"/>
+              </a:spcBef>
+              <a:spcAft>
+                <a:spcPts val="1300"/>
+              </a:spcAft>
+              <a:buClr>
+                <a:srgbClr val="2FC2D9"/>
+              </a:buClr>
+              <a:defRPr/>
+            </a:pPr>
+            <a:r>
+              <a:rPr lang="en-US" dirty="0"/>
+              <a:t>Table-valued</a:t>
+            </a:r>
+          </a:p>
+          <a:p>
+            <a:pPr marL="516636" lvl="3" indent="-173736">
+              <a:lnSpc>
+                <a:spcPct val="110000"/>
+              </a:lnSpc>
+              <a:spcBef>
+                <a:spcPts val="0"/>
+              </a:spcBef>
+              <a:spcAft>
+                <a:spcPts val="1300"/>
+              </a:spcAft>
+              <a:buClr>
+                <a:srgbClr val="2FC2D9"/>
+              </a:buClr>
+              <a:defRPr/>
+            </a:pPr>
+            <a:r>
+              <a:rPr lang="en-US" sz="1400" b="1" dirty="0"/>
+              <a:t>inline table-valued UDF</a:t>
+            </a:r>
+          </a:p>
+          <a:p>
+            <a:pPr marL="516636" lvl="3" indent="-173736">
+              <a:lnSpc>
+                <a:spcPct val="110000"/>
+              </a:lnSpc>
+              <a:spcBef>
+                <a:spcPts val="0"/>
+              </a:spcBef>
+              <a:spcAft>
+                <a:spcPts val="1300"/>
+              </a:spcAft>
+              <a:buClr>
+                <a:srgbClr val="2FC2D9"/>
+              </a:buClr>
+              <a:defRPr/>
+            </a:pPr>
+            <a:r>
+              <a:rPr lang="en-US" sz="1400" b="1" dirty="0"/>
+              <a:t>multistatement table-valued UDF</a:t>
+            </a:r>
+          </a:p>
+        </p:txBody>
+      </p:sp>
+      <p:sp>
+        <p:nvSpPr>
+          <p:cNvPr id="6" name="Content Placeholder 2"/>
+          <p:cNvSpPr txBox="1">
+            <a:spLocks/>
+          </p:cNvSpPr>
+          <p:nvPr/>
+        </p:nvSpPr>
+        <p:spPr>
+          <a:xfrm>
+            <a:off x="4375840" y="1402777"/>
+            <a:ext cx="8194437" cy="3287972"/>
+          </a:xfrm>
+          <a:prstGeom prst="rect">
+            <a:avLst/>
+          </a:prstGeom>
+        </p:spPr>
+        <p:txBody>
+          <a:bodyPr/>
+          <a:lstStyle>
+            <a:lvl1pPr marL="257175" indent="-257175" algn="l" defTabSz="342900" rtl="0" eaLnBrk="1" latinLnBrk="0" hangingPunct="1">
+              <a:spcBef>
+                <a:spcPct val="20000"/>
+              </a:spcBef>
+              <a:buFont typeface="Arial"/>
+              <a:buChar char="•"/>
+              <a:defRPr sz="2400" kern="1200">
+                <a:solidFill>
+                  <a:schemeClr val="tx1"/>
+                </a:solidFill>
+                <a:latin typeface="+mn-lt"/>
+                <a:ea typeface="+mn-ea"/>
+                <a:cs typeface="+mn-cs"/>
+              </a:defRPr>
+            </a:lvl1pPr>
+            <a:lvl2pPr marL="557213" indent="-214313" algn="l" defTabSz="342900" rtl="0" eaLnBrk="1" latinLnBrk="0" hangingPunct="1">
+              <a:spcBef>
+                <a:spcPct val="20000"/>
+              </a:spcBef>
+              <a:buFont typeface="Arial"/>
+              <a:buChar char="–"/>
+              <a:defRPr sz="2100" kern="1200">
+                <a:solidFill>
+                  <a:schemeClr val="tx1"/>
+                </a:solidFill>
+                <a:latin typeface="+mn-lt"/>
+                <a:ea typeface="+mn-ea"/>
+                <a:cs typeface="+mn-cs"/>
+              </a:defRPr>
+            </a:lvl2pPr>
+            <a:lvl3pPr marL="857250" indent="-171450" algn="l" defTabSz="342900" rtl="0" eaLnBrk="1" latinLnBrk="0" hangingPunct="1">
+              <a:spcBef>
+                <a:spcPct val="20000"/>
+              </a:spcBef>
+              <a:buFont typeface="Arial"/>
+              <a:buChar char="•"/>
+              <a:defRPr sz="1800" kern="1200">
+                <a:solidFill>
+                  <a:schemeClr val="tx1"/>
+                </a:solidFill>
+                <a:latin typeface="+mn-lt"/>
+                <a:ea typeface="+mn-ea"/>
+                <a:cs typeface="+mn-cs"/>
+              </a:defRPr>
+            </a:lvl3pPr>
+            <a:lvl4pPr marL="1200150" indent="-171450" algn="l" defTabSz="342900" rtl="0" eaLnBrk="1" latinLnBrk="0" hangingPunct="1">
+              <a:spcBef>
+                <a:spcPct val="20000"/>
+              </a:spcBef>
+              <a:buFont typeface="Arial"/>
+              <a:buChar char="–"/>
+              <a:defRPr sz="1500" kern="1200">
+                <a:solidFill>
+                  <a:schemeClr val="tx1"/>
+                </a:solidFill>
+                <a:latin typeface="+mn-lt"/>
+                <a:ea typeface="+mn-ea"/>
+                <a:cs typeface="+mn-cs"/>
+              </a:defRPr>
+            </a:lvl4pPr>
+            <a:lvl5pPr marL="1543050" indent="-171450" algn="l" defTabSz="342900" rtl="0" eaLnBrk="1" latinLnBrk="0" hangingPunct="1">
+              <a:spcBef>
+                <a:spcPct val="20000"/>
+              </a:spcBef>
+              <a:buFont typeface="Arial"/>
+              <a:buChar char="»"/>
+              <a:defRPr sz="1500" kern="1200">
+                <a:solidFill>
+                  <a:schemeClr val="tx1"/>
+                </a:solidFill>
+                <a:latin typeface="+mn-lt"/>
+                <a:ea typeface="+mn-ea"/>
+                <a:cs typeface="+mn-cs"/>
+              </a:defRPr>
+            </a:lvl5pPr>
+            <a:lvl6pPr marL="1885950" indent="-171450" algn="l" defTabSz="342900" rtl="0" eaLnBrk="1" latinLnBrk="0" hangingPunct="1">
+              <a:spcBef>
+                <a:spcPct val="20000"/>
+              </a:spcBef>
+              <a:buFont typeface="Arial"/>
+              <a:buChar char="•"/>
+              <a:defRPr sz="1500" kern="1200">
+                <a:solidFill>
+                  <a:schemeClr val="tx1"/>
+                </a:solidFill>
+                <a:latin typeface="+mn-lt"/>
+                <a:ea typeface="+mn-ea"/>
+                <a:cs typeface="+mn-cs"/>
+              </a:defRPr>
+            </a:lvl6pPr>
+            <a:lvl7pPr marL="2228850" indent="-171450" algn="l" defTabSz="342900" rtl="0" eaLnBrk="1" latinLnBrk="0" hangingPunct="1">
+              <a:spcBef>
+                <a:spcPct val="20000"/>
+              </a:spcBef>
+              <a:buFont typeface="Arial"/>
+              <a:buChar char="•"/>
+              <a:defRPr sz="1500" kern="1200">
+                <a:solidFill>
+                  <a:schemeClr val="tx1"/>
+                </a:solidFill>
+                <a:latin typeface="+mn-lt"/>
+                <a:ea typeface="+mn-ea"/>
+                <a:cs typeface="+mn-cs"/>
+              </a:defRPr>
+            </a:lvl7pPr>
+            <a:lvl8pPr marL="2571750" indent="-171450" algn="l" defTabSz="342900" rtl="0" eaLnBrk="1" latinLnBrk="0" hangingPunct="1">
+              <a:spcBef>
+                <a:spcPct val="20000"/>
+              </a:spcBef>
+              <a:buFont typeface="Arial"/>
+              <a:buChar char="•"/>
+              <a:defRPr sz="1500" kern="1200">
+                <a:solidFill>
+                  <a:schemeClr val="tx1"/>
+                </a:solidFill>
+                <a:latin typeface="+mn-lt"/>
+                <a:ea typeface="+mn-ea"/>
+                <a:cs typeface="+mn-cs"/>
+              </a:defRPr>
+            </a:lvl8pPr>
+            <a:lvl9pPr marL="2914650" indent="-171450" algn="l" defTabSz="342900" rtl="0" eaLnBrk="1" latinLnBrk="0" hangingPunct="1">
+              <a:spcBef>
+                <a:spcPct val="20000"/>
+              </a:spcBef>
+              <a:buFont typeface="Arial"/>
+              <a:buChar char="•"/>
+              <a:defRPr sz="1500" kern="1200">
+                <a:solidFill>
+                  <a:schemeClr val="tx1"/>
+                </a:solidFill>
+                <a:latin typeface="+mn-lt"/>
+                <a:ea typeface="+mn-ea"/>
+                <a:cs typeface="+mn-cs"/>
+              </a:defRPr>
+            </a:lvl9pPr>
+          </a:lstStyle>
+          <a:p>
+            <a:pPr marL="173736" lvl="2" indent="-173736">
+              <a:lnSpc>
+                <a:spcPct val="110000"/>
+              </a:lnSpc>
+              <a:spcBef>
+                <a:spcPts val="0"/>
+              </a:spcBef>
+              <a:spcAft>
+                <a:spcPts val="1300"/>
+              </a:spcAft>
+              <a:buClr>
+                <a:srgbClr val="2FC2D9"/>
+              </a:buClr>
+              <a:defRPr/>
+            </a:pPr>
+            <a:r>
+              <a:rPr lang="en-US" dirty="0"/>
+              <a:t>Can</a:t>
+            </a:r>
+          </a:p>
+          <a:p>
+            <a:pPr marL="516636" lvl="3" indent="-173736">
+              <a:lnSpc>
+                <a:spcPct val="110000"/>
+              </a:lnSpc>
+              <a:spcBef>
+                <a:spcPts val="0"/>
+              </a:spcBef>
+              <a:spcAft>
+                <a:spcPts val="1300"/>
+              </a:spcAft>
+              <a:buClr>
+                <a:srgbClr val="2FC2D9"/>
+              </a:buClr>
+              <a:defRPr/>
+            </a:pPr>
+            <a:r>
+              <a:rPr lang="en-US" dirty="0"/>
+              <a:t>accept parameters</a:t>
+            </a:r>
+          </a:p>
+          <a:p>
+            <a:pPr marL="516636" lvl="3" indent="-173736">
+              <a:lnSpc>
+                <a:spcPct val="110000"/>
+              </a:lnSpc>
+              <a:spcBef>
+                <a:spcPts val="0"/>
+              </a:spcBef>
+              <a:spcAft>
+                <a:spcPts val="1300"/>
+              </a:spcAft>
+              <a:buClr>
+                <a:srgbClr val="2FC2D9"/>
+              </a:buClr>
+              <a:defRPr/>
+            </a:pPr>
+            <a:r>
+              <a:rPr lang="en-US" dirty="0"/>
+              <a:t>embedded in T-SQL statements</a:t>
+            </a:r>
+          </a:p>
+          <a:p>
+            <a:pPr marL="516636" lvl="3" indent="-173736">
+              <a:lnSpc>
+                <a:spcPct val="110000"/>
+              </a:lnSpc>
+              <a:spcBef>
+                <a:spcPts val="0"/>
+              </a:spcBef>
+              <a:spcAft>
+                <a:spcPts val="1300"/>
+              </a:spcAft>
+              <a:buClr>
+                <a:srgbClr val="2FC2D9"/>
+              </a:buClr>
+              <a:defRPr/>
+            </a:pPr>
+            <a:r>
+              <a:rPr lang="en-US" dirty="0"/>
+              <a:t>access SQL Server data</a:t>
+            </a:r>
+          </a:p>
+          <a:p>
+            <a:pPr marL="173736" lvl="2" indent="-173736">
+              <a:lnSpc>
+                <a:spcPct val="110000"/>
+              </a:lnSpc>
+              <a:spcBef>
+                <a:spcPts val="0"/>
+              </a:spcBef>
+              <a:spcAft>
+                <a:spcPts val="1300"/>
+              </a:spcAft>
+              <a:buClr>
+                <a:srgbClr val="2FC2D9"/>
+              </a:buClr>
+              <a:defRPr/>
+            </a:pPr>
+            <a:r>
+              <a:rPr lang="en-US" dirty="0"/>
+              <a:t>Cannot</a:t>
+            </a:r>
+          </a:p>
+          <a:p>
+            <a:pPr marL="516636" lvl="3" indent="-173736">
+              <a:lnSpc>
+                <a:spcPct val="110000"/>
+              </a:lnSpc>
+              <a:spcBef>
+                <a:spcPts val="0"/>
+              </a:spcBef>
+              <a:spcAft>
+                <a:spcPts val="1300"/>
+              </a:spcAft>
+              <a:buClr>
+                <a:srgbClr val="2FC2D9"/>
+              </a:buClr>
+              <a:defRPr/>
+            </a:pPr>
+            <a:r>
+              <a:rPr lang="en-US" dirty="0"/>
+              <a:t>be executed by using the EXECUTE command</a:t>
+            </a:r>
+          </a:p>
+          <a:p>
+            <a:pPr marL="516636" lvl="3" indent="-173736">
+              <a:lnSpc>
+                <a:spcPct val="110000"/>
+              </a:lnSpc>
+              <a:spcBef>
+                <a:spcPts val="0"/>
+              </a:spcBef>
+              <a:spcAft>
+                <a:spcPts val="1300"/>
+              </a:spcAft>
+              <a:buClr>
+                <a:srgbClr val="2FC2D9"/>
+              </a:buClr>
+              <a:defRPr/>
+            </a:pPr>
+            <a:r>
+              <a:rPr lang="en-US" dirty="0"/>
+              <a:t>perform any DDL</a:t>
+            </a:r>
+          </a:p>
+          <a:p>
+            <a:pPr marL="516636" lvl="3" indent="-173736">
+              <a:lnSpc>
+                <a:spcPct val="110000"/>
+              </a:lnSpc>
+              <a:spcBef>
+                <a:spcPts val="0"/>
+              </a:spcBef>
+              <a:spcAft>
+                <a:spcPts val="1300"/>
+              </a:spcAft>
+              <a:buClr>
+                <a:srgbClr val="2FC2D9"/>
+              </a:buClr>
+              <a:defRPr/>
+            </a:pPr>
+            <a:endParaRPr lang="en-US" dirty="0"/>
+          </a:p>
+        </p:txBody>
+      </p:sp>
+    </p:spTree>
+    <p:extLst>
+      <p:ext uri="{BB962C8B-B14F-4D97-AF65-F5344CB8AC3E}">
+        <p14:creationId xmlns:p14="http://schemas.microsoft.com/office/powerpoint/2010/main" val="2804886930"/>
+      </p:ext>
+    </p:extLst>
+  </p:cSld>
+  <p:clrMapOvr>
+    <a:masterClrMapping/>
+  </p:clrMapOvr>
+</p:sld>
+</file>
+
 <file path=ppt/slides/slide15.xml><?xml version="1.0" encoding="utf-8"?>
 <p:sld xmlns:a="http://schemas.openxmlformats.org/drawingml/2006/main" xmlns:r="http://schemas.openxmlformats.org/officeDocument/2006/relationships" xmlns:p="http://schemas.openxmlformats.org/presentationml/2006/main">
   <p:cSld>
@@ -8421,11 +8745,11 @@
             </a:pPr>
             <a:r>
               <a:rPr lang="en-US" dirty="0"/>
-              <a:t>Scalar</a:t>
-            </a:r>
-          </a:p>
-          <a:p>
-            <a:pPr marL="173736" lvl="2" indent="-173736">
+              <a:t>OBJECT_ID()</a:t>
+            </a:r>
+          </a:p>
+          <a:p>
+            <a:pPr marL="516636" lvl="3" indent="-173736">
               <a:lnSpc>
                 <a:spcPct val="110000"/>
               </a:lnSpc>
@@ -8442,7 +8766,7 @@
             </a:pPr>
             <a:r>
               <a:rPr lang="en-US" dirty="0"/>
-              <a:t>Table-valued</a:t>
+              <a:t>FN = SQL scalar function</a:t>
             </a:r>
           </a:p>
           <a:p>
@@ -8462,8 +8786,8 @@
               <a:defRPr/>
             </a:pPr>
             <a:r>
-              <a:rPr lang="en-US" sz="1400" b="1" dirty="0"/>
-              <a:t>inline table-valued UDF</a:t>
+              <a:rPr lang="en-US" dirty="0"/>
+              <a:t>IF = SQL inline table-valued function</a:t>
             </a:r>
           </a:p>
           <a:p>
@@ -8483,339 +8807,16 @@
               <a:defRPr/>
             </a:pPr>
             <a:r>
-              <a:rPr lang="en-US" sz="1400" b="1" dirty="0"/>
-              <a:t>multistatement table-valued UDF</a:t>
-            </a:r>
-          </a:p>
-        </p:txBody>
-      </p:sp>
-      <p:sp>
-        <p:nvSpPr>
-          <p:cNvPr id="6" name="Content Placeholder 2"/>
-          <p:cNvSpPr txBox="1">
-            <a:spLocks/>
-          </p:cNvSpPr>
-          <p:nvPr/>
-        </p:nvSpPr>
-        <p:spPr>
-          <a:xfrm>
-            <a:off x="4375840" y="1402777"/>
-            <a:ext cx="8194437" cy="3287972"/>
-          </a:xfrm>
-          <a:prstGeom prst="rect">
-            <a:avLst/>
-          </a:prstGeom>
-        </p:spPr>
-        <p:txBody>
-          <a:bodyPr/>
-          <a:lstStyle>
-            <a:lvl1pPr marL="257175" indent="-257175" algn="l" defTabSz="342900" rtl="0" eaLnBrk="1" latinLnBrk="0" hangingPunct="1">
-              <a:spcBef>
-                <a:spcPct val="20000"/>
-              </a:spcBef>
-              <a:buFont typeface="Arial"/>
-              <a:buChar char="•"/>
-              <a:defRPr sz="2400" kern="1200">
-                <a:solidFill>
-                  <a:schemeClr val="tx1"/>
-                </a:solidFill>
-                <a:latin typeface="+mn-lt"/>
-                <a:ea typeface="+mn-ea"/>
-                <a:cs typeface="+mn-cs"/>
-              </a:defRPr>
-            </a:lvl1pPr>
-            <a:lvl2pPr marL="557213" indent="-214313" algn="l" defTabSz="342900" rtl="0" eaLnBrk="1" latinLnBrk="0" hangingPunct="1">
-              <a:spcBef>
-                <a:spcPct val="20000"/>
-              </a:spcBef>
-              <a:buFont typeface="Arial"/>
-              <a:buChar char="–"/>
-              <a:defRPr sz="2100" kern="1200">
-                <a:solidFill>
-                  <a:schemeClr val="tx1"/>
-                </a:solidFill>
-                <a:latin typeface="+mn-lt"/>
-                <a:ea typeface="+mn-ea"/>
-                <a:cs typeface="+mn-cs"/>
-              </a:defRPr>
-            </a:lvl2pPr>
-            <a:lvl3pPr marL="857250" indent="-171450" algn="l" defTabSz="342900" rtl="0" eaLnBrk="1" latinLnBrk="0" hangingPunct="1">
-              <a:spcBef>
-                <a:spcPct val="20000"/>
-              </a:spcBef>
-              <a:buFont typeface="Arial"/>
-              <a:buChar char="•"/>
-              <a:defRPr sz="1800" kern="1200">
-                <a:solidFill>
-                  <a:schemeClr val="tx1"/>
-                </a:solidFill>
-                <a:latin typeface="+mn-lt"/>
-                <a:ea typeface="+mn-ea"/>
-                <a:cs typeface="+mn-cs"/>
-              </a:defRPr>
-            </a:lvl3pPr>
-            <a:lvl4pPr marL="1200150" indent="-171450" algn="l" defTabSz="342900" rtl="0" eaLnBrk="1" latinLnBrk="0" hangingPunct="1">
-              <a:spcBef>
-                <a:spcPct val="20000"/>
-              </a:spcBef>
-              <a:buFont typeface="Arial"/>
-              <a:buChar char="–"/>
-              <a:defRPr sz="1500" kern="1200">
-                <a:solidFill>
-                  <a:schemeClr val="tx1"/>
-                </a:solidFill>
-                <a:latin typeface="+mn-lt"/>
-                <a:ea typeface="+mn-ea"/>
-                <a:cs typeface="+mn-cs"/>
-              </a:defRPr>
-            </a:lvl4pPr>
-            <a:lvl5pPr marL="1543050" indent="-171450" algn="l" defTabSz="342900" rtl="0" eaLnBrk="1" latinLnBrk="0" hangingPunct="1">
-              <a:spcBef>
-                <a:spcPct val="20000"/>
-              </a:spcBef>
-              <a:buFont typeface="Arial"/>
-              <a:buChar char="»"/>
-              <a:defRPr sz="1500" kern="1200">
-                <a:solidFill>
-                  <a:schemeClr val="tx1"/>
-                </a:solidFill>
-                <a:latin typeface="+mn-lt"/>
-                <a:ea typeface="+mn-ea"/>
-                <a:cs typeface="+mn-cs"/>
-              </a:defRPr>
-            </a:lvl5pPr>
-            <a:lvl6pPr marL="1885950" indent="-171450" algn="l" defTabSz="342900" rtl="0" eaLnBrk="1" latinLnBrk="0" hangingPunct="1">
-              <a:spcBef>
-                <a:spcPct val="20000"/>
-              </a:spcBef>
-              <a:buFont typeface="Arial"/>
-              <a:buChar char="•"/>
-              <a:defRPr sz="1500" kern="1200">
-                <a:solidFill>
-                  <a:schemeClr val="tx1"/>
-                </a:solidFill>
-                <a:latin typeface="+mn-lt"/>
-                <a:ea typeface="+mn-ea"/>
-                <a:cs typeface="+mn-cs"/>
-              </a:defRPr>
-            </a:lvl6pPr>
-            <a:lvl7pPr marL="2228850" indent="-171450" algn="l" defTabSz="342900" rtl="0" eaLnBrk="1" latinLnBrk="0" hangingPunct="1">
-              <a:spcBef>
-                <a:spcPct val="20000"/>
-              </a:spcBef>
-              <a:buFont typeface="Arial"/>
-              <a:buChar char="•"/>
-              <a:defRPr sz="1500" kern="1200">
-                <a:solidFill>
-                  <a:schemeClr val="tx1"/>
-                </a:solidFill>
-                <a:latin typeface="+mn-lt"/>
-                <a:ea typeface="+mn-ea"/>
-                <a:cs typeface="+mn-cs"/>
-              </a:defRPr>
-            </a:lvl7pPr>
-            <a:lvl8pPr marL="2571750" indent="-171450" algn="l" defTabSz="342900" rtl="0" eaLnBrk="1" latinLnBrk="0" hangingPunct="1">
-              <a:spcBef>
-                <a:spcPct val="20000"/>
-              </a:spcBef>
-              <a:buFont typeface="Arial"/>
-              <a:buChar char="•"/>
-              <a:defRPr sz="1500" kern="1200">
-                <a:solidFill>
-                  <a:schemeClr val="tx1"/>
-                </a:solidFill>
-                <a:latin typeface="+mn-lt"/>
-                <a:ea typeface="+mn-ea"/>
-                <a:cs typeface="+mn-cs"/>
-              </a:defRPr>
-            </a:lvl8pPr>
-            <a:lvl9pPr marL="2914650" indent="-171450" algn="l" defTabSz="342900" rtl="0" eaLnBrk="1" latinLnBrk="0" hangingPunct="1">
-              <a:spcBef>
-                <a:spcPct val="20000"/>
-              </a:spcBef>
-              <a:buFont typeface="Arial"/>
-              <a:buChar char="•"/>
-              <a:defRPr sz="1500" kern="1200">
-                <a:solidFill>
-                  <a:schemeClr val="tx1"/>
-                </a:solidFill>
-                <a:latin typeface="+mn-lt"/>
-                <a:ea typeface="+mn-ea"/>
-                <a:cs typeface="+mn-cs"/>
-              </a:defRPr>
-            </a:lvl9pPr>
-          </a:lstStyle>
-          <a:p>
-            <a:pPr marL="173736" lvl="2" indent="-173736">
-              <a:lnSpc>
-                <a:spcPct val="110000"/>
-              </a:lnSpc>
-              <a:spcBef>
-                <a:spcPts val="0"/>
-              </a:spcBef>
-              <a:spcAft>
-                <a:spcPts val="1300"/>
-              </a:spcAft>
-              <a:buClr>
-                <a:srgbClr val="2FC2D9"/>
-              </a:buClr>
-              <a:defRPr/>
-            </a:pPr>
-            <a:r>
               <a:rPr lang="en-US" dirty="0"/>
-              <a:t>Can</a:t>
-            </a:r>
-          </a:p>
-          <a:p>
-            <a:pPr marL="516636" lvl="3" indent="-173736">
-              <a:lnSpc>
-                <a:spcPct val="110000"/>
-              </a:lnSpc>
-              <a:spcBef>
-                <a:spcPts val="0"/>
-              </a:spcBef>
-              <a:spcAft>
-                <a:spcPts val="1300"/>
-              </a:spcAft>
-              <a:buClr>
-                <a:srgbClr val="2FC2D9"/>
-              </a:buClr>
-              <a:defRPr/>
-            </a:pPr>
-            <a:r>
-              <a:rPr lang="en-US" dirty="0"/>
-              <a:t>accept parameters</a:t>
-            </a:r>
-          </a:p>
-          <a:p>
-            <a:pPr marL="516636" lvl="3" indent="-173736">
-              <a:lnSpc>
-                <a:spcPct val="110000"/>
-              </a:lnSpc>
-              <a:spcBef>
-                <a:spcPts val="0"/>
-              </a:spcBef>
-              <a:spcAft>
-                <a:spcPts val="1300"/>
-              </a:spcAft>
-              <a:buClr>
-                <a:srgbClr val="2FC2D9"/>
-              </a:buClr>
-              <a:defRPr/>
-            </a:pPr>
-            <a:r>
-              <a:rPr lang="en-US" dirty="0"/>
-              <a:t>embedded in T-SQL statements</a:t>
-            </a:r>
-          </a:p>
-          <a:p>
-            <a:pPr marL="516636" lvl="3" indent="-173736">
-              <a:lnSpc>
-                <a:spcPct val="110000"/>
-              </a:lnSpc>
-              <a:spcBef>
-                <a:spcPts val="0"/>
-              </a:spcBef>
-              <a:spcAft>
-                <a:spcPts val="1300"/>
-              </a:spcAft>
-              <a:buClr>
-                <a:srgbClr val="2FC2D9"/>
-              </a:buClr>
-              <a:defRPr/>
-            </a:pPr>
-            <a:r>
-              <a:rPr lang="en-US" dirty="0"/>
-              <a:t>access SQL Server data</a:t>
-            </a:r>
-          </a:p>
-          <a:p>
-            <a:pPr marL="173736" lvl="2" indent="-173736">
-              <a:lnSpc>
-                <a:spcPct val="110000"/>
-              </a:lnSpc>
-              <a:spcBef>
-                <a:spcPts val="0"/>
-              </a:spcBef>
-              <a:spcAft>
-                <a:spcPts val="1300"/>
-              </a:spcAft>
-              <a:buClr>
-                <a:srgbClr val="2FC2D9"/>
-              </a:buClr>
-              <a:defRPr/>
-            </a:pPr>
-            <a:r>
-              <a:rPr lang="en-US" dirty="0"/>
-              <a:t>Cannot</a:t>
-            </a:r>
-          </a:p>
-          <a:p>
-            <a:pPr marL="516636" lvl="3" indent="-173736">
-              <a:lnSpc>
-                <a:spcPct val="110000"/>
-              </a:lnSpc>
-              <a:spcBef>
-                <a:spcPts val="0"/>
-              </a:spcBef>
-              <a:spcAft>
-                <a:spcPts val="1300"/>
-              </a:spcAft>
-              <a:buClr>
-                <a:srgbClr val="2FC2D9"/>
-              </a:buClr>
-              <a:defRPr/>
-            </a:pPr>
-            <a:r>
-              <a:rPr lang="en-US" dirty="0"/>
-              <a:t>be executed by using the EXECUTE command</a:t>
-            </a:r>
-          </a:p>
-          <a:p>
-            <a:pPr marL="516636" lvl="3" indent="-173736">
-              <a:lnSpc>
-                <a:spcPct val="110000"/>
-              </a:lnSpc>
-              <a:spcBef>
-                <a:spcPts val="0"/>
-              </a:spcBef>
-              <a:spcAft>
-                <a:spcPts val="1300"/>
-              </a:spcAft>
-              <a:buClr>
-                <a:srgbClr val="2FC2D9"/>
-              </a:buClr>
-              <a:defRPr/>
-            </a:pPr>
-            <a:r>
-              <a:rPr lang="en-US" dirty="0"/>
-              <a:t>perform any DDL</a:t>
-            </a:r>
-          </a:p>
-          <a:p>
-            <a:pPr marL="516636" lvl="3" indent="-173736">
-              <a:lnSpc>
-                <a:spcPct val="110000"/>
-              </a:lnSpc>
-              <a:spcBef>
-                <a:spcPts val="0"/>
-              </a:spcBef>
-              <a:spcAft>
-                <a:spcPts val="1300"/>
-              </a:spcAft>
-              <a:buClr>
-                <a:srgbClr val="2FC2D9"/>
-              </a:buClr>
-              <a:defRPr/>
-            </a:pPr>
-            <a:endParaRPr lang="en-US" dirty="0"/>
+              <a:t>TF = SQL multistatement table-valued-function</a:t>
+            </a:r>
           </a:p>
         </p:txBody>
       </p:sp>
     </p:spTree>
     <p:extLst>
       <p:ext uri="{BB962C8B-B14F-4D97-AF65-F5344CB8AC3E}">
-        <p14:creationId xmlns:p14="http://schemas.microsoft.com/office/powerpoint/2010/main" val="2804886930"/>
+        <p14:creationId xmlns:p14="http://schemas.microsoft.com/office/powerpoint/2010/main" val="55789932"/>
       </p:ext>
     </p:extLst>
   </p:cSld>
@@ -9065,7 +9066,7 @@
         <p:spPr>
           <a:xfrm>
             <a:off x="386226" y="1503470"/>
-            <a:ext cx="8194437" cy="3287972"/>
+            <a:ext cx="2583005" cy="3287972"/>
           </a:xfrm>
           <a:prstGeom prst="rect">
             <a:avLst/>
@@ -9228,78 +9229,39 @@
             </a:pPr>
             <a:r>
               <a:rPr lang="en-US" dirty="0"/>
-              <a:t>OBJECT_ID()</a:t>
-            </a:r>
-          </a:p>
-          <a:p>
-            <a:pPr marL="516636" lvl="3" indent="-173736">
-              <a:lnSpc>
-                <a:spcPct val="110000"/>
-              </a:lnSpc>
-              <a:spcBef>
-                <a:spcPts val="0"/>
-              </a:spcBef>
-              <a:spcAft>
-                <a:spcPts val="1300"/>
-              </a:spcAft>
-              <a:buClr>
-                <a:srgbClr val="2FC2D9"/>
-              </a:buClr>
-              <a:defRPr/>
-            </a:pPr>
-            <a:r>
-              <a:rPr lang="en-US" dirty="0"/>
-              <a:t>FN = SQL scalar function</a:t>
-            </a:r>
-          </a:p>
-          <a:p>
-            <a:pPr marL="516636" lvl="3" indent="-173736">
-              <a:lnSpc>
-                <a:spcPct val="110000"/>
-              </a:lnSpc>
-              <a:spcBef>
-                <a:spcPts val="0"/>
-              </a:spcBef>
-              <a:spcAft>
-                <a:spcPts val="1300"/>
-              </a:spcAft>
-              <a:buClr>
-                <a:srgbClr val="2FC2D9"/>
-              </a:buClr>
-              <a:defRPr/>
-            </a:pPr>
-            <a:r>
-              <a:rPr lang="en-US" dirty="0"/>
-              <a:t>IF = SQL inline table-valued function</a:t>
-            </a:r>
-          </a:p>
-          <a:p>
-            <a:pPr marL="516636" lvl="3" indent="-173736">
-              <a:lnSpc>
-                <a:spcPct val="110000"/>
-              </a:lnSpc>
-              <a:spcBef>
-                <a:spcPts val="0"/>
-              </a:spcBef>
-              <a:spcAft>
-                <a:spcPts val="1300"/>
-              </a:spcAft>
-              <a:buClr>
-                <a:srgbClr val="2FC2D9"/>
-              </a:buClr>
-              <a:defRPr/>
-            </a:pPr>
-            <a:r>
-              <a:rPr lang="en-US" dirty="0"/>
-              <a:t>TF = SQL multistatement table-valued-function</a:t>
+              <a:t>Scalar UDFs</a:t>
             </a:r>
           </a:p>
         </p:txBody>
       </p:sp>
+      <p:pic>
+        <p:nvPicPr>
+          <p:cNvPr id="2" name="Picture 1"/>
+          <p:cNvPicPr>
+            <a:picLocks noChangeAspect="1"/>
+          </p:cNvPicPr>
+          <p:nvPr/>
+        </p:nvPicPr>
+        <p:blipFill>
+          <a:blip r:embed="rId3"/>
+          <a:stretch>
+            <a:fillRect/>
+          </a:stretch>
+        </p:blipFill>
+        <p:spPr>
+          <a:xfrm>
+            <a:off x="3301321" y="1503470"/>
+            <a:ext cx="4250183" cy="3030456"/>
+          </a:xfrm>
+          <a:prstGeom prst="rect">
+            <a:avLst/>
+          </a:prstGeom>
+        </p:spPr>
+      </p:pic>
     </p:spTree>
     <p:extLst>
       <p:ext uri="{BB962C8B-B14F-4D97-AF65-F5344CB8AC3E}">
-        <p14:creationId xmlns:p14="http://schemas.microsoft.com/office/powerpoint/2010/main" val="55789932"/>
+        <p14:creationId xmlns:p14="http://schemas.microsoft.com/office/powerpoint/2010/main" val="3756683682"/>
       </p:ext>
     </p:extLst>
   </p:cSld>
@@ -9712,14 +9674,35 @@
             </a:pPr>
             <a:r>
               <a:rPr lang="en-US" dirty="0"/>
-              <a:t>Scalar UDFs</a:t>
+              <a:t>Table-Valued UDFs</a:t>
+            </a:r>
+          </a:p>
+          <a:p>
+            <a:pPr marL="516636" lvl="3" indent="-173736">
+              <a:lnSpc>
+                <a:spcPct val="110000"/>
+              </a:lnSpc>
+              <a:spcBef>
+                <a:spcPts val="0"/>
+              </a:spcBef>
+              <a:spcAft>
+                <a:spcPts val="1300"/>
+              </a:spcAft>
+              <a:buClr>
+                <a:srgbClr val="2FC2D9"/>
+              </a:buClr>
+              <a:defRPr/>
+            </a:pPr>
+            <a:r>
+              <a:rPr lang="en-US" dirty="0"/>
+              <a:t>Inline Table-Valued UDF</a:t>
             </a:r>
           </a:p>
         </p:txBody>
       </p:sp>
       <p:pic>
         <p:nvPicPr>
-          <p:cNvPr id="2" name="Picture 1"/>
+          <p:cNvPr id="3" name="Picture 2"/>
           <p:cNvPicPr>
             <a:picLocks noChangeAspect="1"/>
           </p:cNvPicPr>
@@ -9733,8 +9716,8 @@
         </p:blipFill>
         <p:spPr>
           <a:xfrm>
-            <a:off x="3301321" y="1503470"/>
-            <a:ext cx="4250183" cy="3030456"/>
+            <a:off x="3991456" y="1503470"/>
+            <a:ext cx="3940193" cy="2850352"/>
           </a:xfrm>
           <a:prstGeom prst="rect">
             <a:avLst/>
@@ -9744,7 +9727,7 @@
     </p:spTree>
     <p:extLst>
       <p:ext uri="{BB962C8B-B14F-4D97-AF65-F5344CB8AC3E}">
-        <p14:creationId xmlns:p14="http://schemas.microsoft.com/office/powerpoint/2010/main" val="3756683682"/>
+        <p14:creationId xmlns:p14="http://schemas.microsoft.com/office/powerpoint/2010/main" val="2278449040"/>
       </p:ext>
     </p:extLst>
   </p:cSld>
@@ -10178,14 +10161,14 @@
             </a:pPr>
             <a:r>
               <a:rPr lang="en-US" dirty="0"/>
-              <a:t>Inline Table-Valued UDF</a:t>
+              <a:t>Multistatement Table-Valued UDF</a:t>
             </a:r>
           </a:p>
         </p:txBody>
       </p:sp>
       <p:pic>
         <p:nvPicPr>
-          <p:cNvPr id="3" name="Picture 2"/>
+          <p:cNvPr id="2" name="Picture 1"/>
           <p:cNvPicPr>
             <a:picLocks noChangeAspect="1"/>
           </p:cNvPicPr>
@@ -10199,8 +10182,8 @@
         </p:blipFill>
         <p:spPr>
           <a:xfrm>
-            <a:off x="3991456" y="1503470"/>
-            <a:ext cx="3940193" cy="2850352"/>
+            <a:off x="5450387" y="1010017"/>
+            <a:ext cx="3133725" cy="3781425"/>
           </a:xfrm>
           <a:prstGeom prst="rect">
             <a:avLst/>
@@ -10210,7 +10193,7 @@
     </p:spTree>
     <p:extLst>
       <p:ext uri="{BB962C8B-B14F-4D97-AF65-F5344CB8AC3E}">
-        <p14:creationId xmlns:p14="http://schemas.microsoft.com/office/powerpoint/2010/main" val="2278449040"/>
+        <p14:creationId xmlns:p14="http://schemas.microsoft.com/office/powerpoint/2010/main" val="3450791025"/>
       </p:ext>
     </p:extLst>
   </p:cSld>
@@ -10278,7 +10261,7 @@
         <p:spPr>
           <a:xfrm>
             <a:off x="236117" y="907598"/>
-            <a:ext cx="5017399" cy="387798"/>
+            <a:ext cx="1715854" cy="387798"/>
           </a:xfrm>
           <a:prstGeom prst="rect">
             <a:avLst/>
@@ -10443,7 +10426,7 @@
             </a:pPr>
             <a:r>
               <a:rPr lang="en-US" sz="1800" dirty="0"/>
-              <a:t>Understanding User-Defined Functions</a:t>
+              <a:t>UDF Options</a:t>
             </a:r>
             <a:endParaRPr lang="en-US" sz="1800" b="1" dirty="0"/>
           </a:p>
@@ -10460,7 +10443,7 @@
         <p:spPr>
           <a:xfrm>
             <a:off x="386226" y="1503470"/>
-            <a:ext cx="2583005" cy="3287972"/>
+            <a:ext cx="7072812" cy="3287972"/>
           </a:xfrm>
           <a:prstGeom prst="rect">
             <a:avLst/>
@@ -10623,7 +10606,7 @@
             </a:pPr>
             <a:r>
               <a:rPr lang="en-US" dirty="0"/>
-              <a:t>Table-Valued UDFs</a:t>
+              <a:t>You can specify five options with UDFs:</a:t>
             </a:r>
           </a:p>
           <a:p>
@@ -10643,40 +10626,80 @@
               <a:defRPr/>
             </a:pPr>
             <a:r>
-              <a:rPr lang="en-US" dirty="0"/>
-              <a:t>Multistatement Table-Valued UDF</a:t>
-            </a:r>
+              <a:rPr lang="en-US" b="1" dirty="0"/>
+              <a:t>ENCRYPTION</a:t>
+            </a:r>
+          </a:p>
+          <a:p>
+            <a:pPr marL="516636" lvl="3" indent="-173736">
+              <a:lnSpc>
+                <a:spcPct val="110000"/>
+              </a:lnSpc>
+              <a:spcBef>
+                <a:spcPts val="0"/>
+              </a:spcBef>
+              <a:spcAft>
+                <a:spcPts val="1300"/>
+              </a:spcAft>
+              <a:buClr>
+                <a:srgbClr val="2FC2D9"/>
+              </a:buClr>
+              <a:defRPr/>
+            </a:pPr>
+            <a:r>
+              <a:rPr lang="en-US" b="1" dirty="0"/>
+              <a:t>SCHEMABINDING</a:t>
+            </a:r>
+          </a:p>
+          <a:p>
+            <a:pPr marL="516636" lvl="3" indent="-173736">
+              <a:lnSpc>
+                <a:spcPct val="110000"/>
+              </a:lnSpc>
+              <a:spcBef>
+                <a:spcPts val="0"/>
+              </a:spcBef>
+              <a:spcAft>
+                <a:spcPts val="1300"/>
+              </a:spcAft>
+              <a:buClr>
+                <a:srgbClr val="2FC2D9"/>
+              </a:buClr>
+              <a:defRPr/>
+            </a:pPr>
+            <a:r>
+              <a:rPr lang="sv-SE" b="1" dirty="0"/>
+              <a:t>RETURN NULL ON NULL INPUT / CALLED ON NULL INPUT</a:t>
+            </a:r>
+          </a:p>
+          <a:p>
+            <a:pPr marL="516636" lvl="3" indent="-173736">
+              <a:lnSpc>
+                <a:spcPct val="110000"/>
+              </a:lnSpc>
+              <a:spcBef>
+                <a:spcPts val="0"/>
+              </a:spcBef>
+              <a:spcAft>
+                <a:spcPts val="1300"/>
+              </a:spcAft>
+              <a:buClr>
+                <a:srgbClr val="2FC2D9"/>
+              </a:buClr>
+              <a:defRPr/>
+            </a:pPr>
+            <a:r>
+              <a:rPr lang="en-US" b="1" dirty="0"/>
+              <a:t>EXECUTE AS</a:t>
+            </a:r>
+            <a:endParaRPr lang="en-US" dirty="0"/>
           </a:p>
         </p:txBody>
       </p:sp>
-      <p:pic>
-        <p:nvPicPr>
-          <p:cNvPr id="2" name="Picture 1"/>
-          <p:cNvPicPr>
-            <a:picLocks noChangeAspect="1"/>
-          </p:cNvPicPr>
-          <p:nvPr/>
-        </p:nvPicPr>
-        <p:blipFill>
-          <a:blip r:embed="rId3"/>
-          <a:stretch>
-            <a:fillRect/>
-          </a:stretch>
-        </p:blipFill>
-        <p:spPr>
-          <a:xfrm>
-            <a:off x="5450387" y="1010017"/>
-            <a:ext cx="3133725" cy="3781425"/>
-          </a:xfrm>
-          <a:prstGeom prst="rect">
-            <a:avLst/>
-          </a:prstGeom>
-        </p:spPr>
-      </p:pic>
     </p:spTree>
     <p:extLst>
       <p:ext uri="{BB962C8B-B14F-4D97-AF65-F5344CB8AC3E}">
-        <p14:creationId xmlns:p14="http://schemas.microsoft.com/office/powerpoint/2010/main" val="3450791025"/>
+        <p14:creationId xmlns:p14="http://schemas.microsoft.com/office/powerpoint/2010/main" val="2186010234"/>
       </p:ext>
     </p:extLst>
   </p:cSld>
@@ -12401,7 +12424,7 @@
         <p:spPr>
           <a:xfrm>
             <a:off x="236117" y="907598"/>
-            <a:ext cx="1715854" cy="387798"/>
+            <a:ext cx="2686505" cy="387798"/>
           </a:xfrm>
           <a:prstGeom prst="rect">
             <a:avLst/>
@@ -12566,7 +12589,7 @@
             </a:pPr>
             <a:r>
               <a:rPr lang="en-US" sz="1800" dirty="0"/>
-              <a:t>UDF Options</a:t>
+              <a:t>Limitations on UDFs</a:t>
             </a:r>
             <a:endParaRPr lang="en-US" sz="1800" b="1" dirty="0"/>
           </a:p>
@@ -12746,7 +12769,7 @@
             </a:pPr>
             <a:r>
               <a:rPr lang="en-US" dirty="0"/>
-              <a:t>You can specify five options with UDFs:</a:t>
+              <a:t>UDFs cannot do the following:</a:t>
             </a:r>
           </a:p>
           <a:p>
@@ -12766,8 +12789,8 @@
               <a:defRPr/>
             </a:pPr>
             <a:r>
-              <a:rPr lang="en-US" b="1" dirty="0"/>
-              <a:t>ENCRYPTION</a:t>
+              <a:rPr lang="en-US" dirty="0"/>
+              <a:t>Apply any schema or data changes in the database.</a:t>
             </a:r>
           </a:p>
           <a:p>
@@ -12787,8 +12810,8 @@
               <a:defRPr/>
             </a:pPr>
             <a:r>
-              <a:rPr lang="en-US" b="1" dirty="0"/>
-              <a:t>SCHEMABINDING</a:t>
+              <a:rPr lang="en-US" dirty="0"/>
+              <a:t>Change the state of a database or SQL Server instance.</a:t>
             </a:r>
           </a:p>
           <a:p>
@@ -12808,8 +12831,8 @@
               <a:defRPr/>
             </a:pPr>
             <a:r>
-              <a:rPr lang="sv-SE" b="1" dirty="0"/>
-              <a:t>RETURN NULL ON NULL INPUT / CALLED ON NULL INPUT</a:t>
+              <a:rPr lang="en-US" dirty="0"/>
+              <a:t>Create or access temporary tables.</a:t>
             </a:r>
           </a:p>
           <a:p>
@@ -12829,17 +12852,58 @@
               <a:defRPr/>
             </a:pPr>
             <a:r>
-              <a:rPr lang="en-US" b="1" dirty="0"/>
-              <a:t>EXECUTE AS</a:t>
-            </a:r>
-            <a:endParaRPr lang="en-US" dirty="0"/>
+              <a:rPr lang="en-US" dirty="0"/>
+              <a:t>Call stored procedures.</a:t>
+            </a:r>
+          </a:p>
+          <a:p>
+            <a:pPr marL="516636" lvl="3" indent="-173736">
+              <a:lnSpc>
+                <a:spcPct val="110000"/>
+              </a:lnSpc>
+              <a:spcBef>
+                <a:spcPts val="0"/>
+              </a:spcBef>
+              <a:spcAft>
+                <a:spcPts val="1300"/>
+              </a:spcAft>
+              <a:buClr>
+                <a:srgbClr val="2FC2D9"/>
+              </a:buClr>
+              <a:defRPr/>
+            </a:pPr>
+            <a:r>
+              <a:rPr lang="en-US" dirty="0"/>
+              <a:t>Execute dynamic SQL.</a:t>
+            </a:r>
+          </a:p>
+          <a:p>
+            <a:pPr marL="516636" lvl="3" indent="-173736">
+              <a:lnSpc>
+                <a:spcPct val="110000"/>
+              </a:lnSpc>
+              <a:spcBef>
+                <a:spcPts val="0"/>
+              </a:spcBef>
+              <a:spcAft>
+                <a:spcPts val="1300"/>
+              </a:spcAft>
+              <a:buClr>
+                <a:srgbClr val="2FC2D9"/>
+              </a:buClr>
+              <a:defRPr/>
+            </a:pPr>
+            <a:r>
+              <a:rPr lang="en-US" dirty="0"/>
+              <a:t>Produce side effects. For example, both the RAND() and NEWID()</a:t>
+            </a:r>
           </a:p>
         </p:txBody>
       </p:sp>
     </p:spTree>
     <p:extLst>
       <p:ext uri="{BB962C8B-B14F-4D97-AF65-F5344CB8AC3E}">
-        <p14:creationId xmlns:p14="http://schemas.microsoft.com/office/powerpoint/2010/main" val="2186010234"/>
+        <p14:creationId xmlns:p14="http://schemas.microsoft.com/office/powerpoint/2010/main" val="1049762199"/>
       </p:ext>
     </p:extLst>
   </p:cSld>
@@ -12907,553 +12971,6 @@
         <p:spPr>
           <a:xfrm>
             <a:off x="236117" y="907598"/>
-            <a:ext cx="2686505" cy="387798"/>
-          </a:xfrm>
-          <a:prstGeom prst="rect">
-            <a:avLst/>
-          </a:prstGeom>
-          <a:solidFill>
-            <a:srgbClr val="39C2D7"/>
-          </a:solidFill>
-          <a:ln>
-            <a:noFill/>
-          </a:ln>
-        </p:spPr>
-        <p:txBody>
-          <a:bodyPr wrap="none" lIns="68580" tIns="54864" rIns="68580" bIns="54864" anchor="ctr" anchorCtr="0">
-            <a:spAutoFit/>
-          </a:bodyPr>
-          <a:lstStyle>
-            <a:lvl1pPr marL="0" indent="0" algn="l" defTabSz="457200" rtl="0" eaLnBrk="1" latinLnBrk="0" hangingPunct="1">
-              <a:spcBef>
-                <a:spcPts val="0"/>
-              </a:spcBef>
-              <a:buClr>
-                <a:schemeClr val="accent2"/>
-              </a:buClr>
-              <a:buFont typeface="Arial"/>
-              <a:buNone/>
-              <a:defRPr sz="1200" kern="1200">
-                <a:solidFill>
-                  <a:schemeClr val="bg1"/>
-                </a:solidFill>
-                <a:latin typeface="Arial Black"/>
-                <a:ea typeface="+mn-ea"/>
-                <a:cs typeface="Arial Black"/>
-              </a:defRPr>
-            </a:lvl1pPr>
-            <a:lvl2pPr marL="742950" indent="-285750" algn="l" defTabSz="457200" rtl="0" eaLnBrk="1" latinLnBrk="0" hangingPunct="1">
-              <a:spcBef>
-                <a:spcPct val="20000"/>
-              </a:spcBef>
-              <a:buFont typeface="Arial"/>
-              <a:buChar char="–"/>
-              <a:defRPr sz="1800" kern="1200">
-                <a:solidFill>
-                  <a:schemeClr val="tx1"/>
-                </a:solidFill>
-                <a:latin typeface="Trebuchet MS"/>
-                <a:ea typeface="+mn-ea"/>
-                <a:cs typeface="Trebuchet MS"/>
-              </a:defRPr>
-            </a:lvl2pPr>
-            <a:lvl3pPr marL="1143000" indent="-228600" algn="l" defTabSz="457200" rtl="0" eaLnBrk="1" latinLnBrk="0" hangingPunct="1">
-              <a:spcBef>
-                <a:spcPct val="20000"/>
-              </a:spcBef>
-              <a:buFont typeface="Arial"/>
-              <a:buChar char="•"/>
-              <a:defRPr sz="1600" kern="1200">
-                <a:solidFill>
-                  <a:schemeClr val="tx1"/>
-                </a:solidFill>
-                <a:latin typeface="Trebuchet MS"/>
-                <a:ea typeface="+mn-ea"/>
-                <a:cs typeface="Trebuchet MS"/>
-              </a:defRPr>
-            </a:lvl3pPr>
-            <a:lvl4pPr marL="1600200" indent="-228600" algn="l" defTabSz="457200" rtl="0" eaLnBrk="1" latinLnBrk="0" hangingPunct="1">
-              <a:spcBef>
-                <a:spcPct val="20000"/>
-              </a:spcBef>
-              <a:buFont typeface="Arial"/>
-              <a:buChar char="–"/>
-              <a:defRPr sz="1300" kern="1200">
-                <a:solidFill>
-                  <a:schemeClr val="tx1"/>
-                </a:solidFill>
-                <a:latin typeface="Trebuchet MS"/>
-                <a:ea typeface="+mn-ea"/>
-                <a:cs typeface="Trebuchet MS"/>
-              </a:defRPr>
-            </a:lvl4pPr>
-            <a:lvl5pPr marL="2057400" indent="-228600" algn="l" defTabSz="457200" rtl="0" eaLnBrk="1" latinLnBrk="0" hangingPunct="1">
-              <a:spcBef>
-                <a:spcPct val="20000"/>
-              </a:spcBef>
-              <a:buFont typeface="Arial"/>
-              <a:buChar char="»"/>
-              <a:defRPr sz="1100" kern="1200">
-                <a:solidFill>
-                  <a:schemeClr val="tx1"/>
-                </a:solidFill>
-                <a:latin typeface="Trebuchet MS"/>
-                <a:ea typeface="+mn-ea"/>
-                <a:cs typeface="Trebuchet MS"/>
-              </a:defRPr>
-            </a:lvl5pPr>
-            <a:lvl6pPr marL="2514600" indent="-228600" algn="l" defTabSz="457200" rtl="0" eaLnBrk="1" latinLnBrk="0" hangingPunct="1">
-              <a:spcBef>
-                <a:spcPct val="20000"/>
-              </a:spcBef>
-              <a:buFont typeface="Arial"/>
-              <a:buChar char="•"/>
-              <a:defRPr sz="2000" kern="1200">
-                <a:solidFill>
-                  <a:schemeClr val="tx1"/>
-                </a:solidFill>
-                <a:latin typeface="+mn-lt"/>
-                <a:ea typeface="+mn-ea"/>
-                <a:cs typeface="+mn-cs"/>
-              </a:defRPr>
-            </a:lvl6pPr>
-            <a:lvl7pPr marL="2971800" indent="-228600" algn="l" defTabSz="457200" rtl="0" eaLnBrk="1" latinLnBrk="0" hangingPunct="1">
-              <a:spcBef>
-                <a:spcPct val="20000"/>
-              </a:spcBef>
-              <a:buFont typeface="Arial"/>
-              <a:buChar char="•"/>
-              <a:defRPr sz="2000" kern="1200">
-                <a:solidFill>
-                  <a:schemeClr val="tx1"/>
-                </a:solidFill>
-                <a:latin typeface="+mn-lt"/>
-                <a:ea typeface="+mn-ea"/>
-                <a:cs typeface="+mn-cs"/>
-              </a:defRPr>
-            </a:lvl7pPr>
-            <a:lvl8pPr marL="3429000" indent="-228600" algn="l" defTabSz="457200" rtl="0" eaLnBrk="1" latinLnBrk="0" hangingPunct="1">
-              <a:spcBef>
-                <a:spcPct val="20000"/>
-              </a:spcBef>
-              <a:buFont typeface="Arial"/>
-              <a:buChar char="•"/>
-              <a:defRPr sz="2000" kern="1200">
-                <a:solidFill>
-                  <a:schemeClr val="tx1"/>
-                </a:solidFill>
-                <a:latin typeface="+mn-lt"/>
-                <a:ea typeface="+mn-ea"/>
-                <a:cs typeface="+mn-cs"/>
-              </a:defRPr>
-            </a:lvl8pPr>
-            <a:lvl9pPr marL="3886200" indent="-228600" algn="l" defTabSz="457200" rtl="0" eaLnBrk="1" latinLnBrk="0" hangingPunct="1">
-              <a:spcBef>
-                <a:spcPct val="20000"/>
-              </a:spcBef>
-              <a:buFont typeface="Arial"/>
-              <a:buChar char="•"/>
-              <a:defRPr sz="2000" kern="1200">
-                <a:solidFill>
-                  <a:schemeClr val="tx1"/>
-                </a:solidFill>
-                <a:latin typeface="+mn-lt"/>
-                <a:ea typeface="+mn-ea"/>
-                <a:cs typeface="+mn-cs"/>
-              </a:defRPr>
-            </a:lvl9pPr>
-          </a:lstStyle>
-          <a:p>
-            <a:pPr>
-              <a:buClr>
-                <a:schemeClr val="bg1"/>
-              </a:buClr>
-              <a:buSzPct val="140000"/>
-            </a:pPr>
-            <a:r>
-              <a:rPr lang="en-US" sz="1800" dirty="0"/>
-              <a:t>Limitations on UDFs</a:t>
-            </a:r>
-            <a:endParaRPr lang="en-US" sz="1800" b="1" dirty="0"/>
-          </a:p>
-        </p:txBody>
-      </p:sp>
-      <p:sp>
-        <p:nvSpPr>
-          <p:cNvPr id="4" name="Content Placeholder 2"/>
-          <p:cNvSpPr txBox="1">
-            <a:spLocks/>
-          </p:cNvSpPr>
-          <p:nvPr/>
-        </p:nvSpPr>
-        <p:spPr>
-          <a:xfrm>
-            <a:off x="386226" y="1503470"/>
-            <a:ext cx="7072812" cy="3287972"/>
-          </a:xfrm>
-          <a:prstGeom prst="rect">
-            <a:avLst/>
-          </a:prstGeom>
-        </p:spPr>
-        <p:txBody>
-          <a:bodyPr/>
-          <a:lstStyle>
-            <a:lvl1pPr marL="257175" indent="-257175" algn="l" defTabSz="342900" rtl="0" eaLnBrk="1" latinLnBrk="0" hangingPunct="1">
-              <a:spcBef>
-                <a:spcPct val="20000"/>
-              </a:spcBef>
-              <a:buFont typeface="Arial"/>
-              <a:buChar char="•"/>
-              <a:defRPr sz="2400" kern="1200">
-                <a:solidFill>
-                  <a:schemeClr val="tx1"/>
-                </a:solidFill>
-                <a:latin typeface="+mn-lt"/>
-                <a:ea typeface="+mn-ea"/>
-                <a:cs typeface="+mn-cs"/>
-              </a:defRPr>
-            </a:lvl1pPr>
-            <a:lvl2pPr marL="557213" indent="-214313" algn="l" defTabSz="342900" rtl="0" eaLnBrk="1" latinLnBrk="0" hangingPunct="1">
-              <a:spcBef>
-                <a:spcPct val="20000"/>
-              </a:spcBef>
-              <a:buFont typeface="Arial"/>
-              <a:buChar char="–"/>
-              <a:defRPr sz="2100" kern="1200">
-                <a:solidFill>
-                  <a:schemeClr val="tx1"/>
-                </a:solidFill>
-                <a:latin typeface="+mn-lt"/>
-                <a:ea typeface="+mn-ea"/>
-                <a:cs typeface="+mn-cs"/>
-              </a:defRPr>
-            </a:lvl2pPr>
-            <a:lvl3pPr marL="857250" indent="-171450" algn="l" defTabSz="342900" rtl="0" eaLnBrk="1" latinLnBrk="0" hangingPunct="1">
-              <a:spcBef>
-                <a:spcPct val="20000"/>
-              </a:spcBef>
-              <a:buFont typeface="Arial"/>
-              <a:buChar char="•"/>
-              <a:defRPr sz="1800" kern="1200">
-                <a:solidFill>
-                  <a:schemeClr val="tx1"/>
-                </a:solidFill>
-                <a:latin typeface="+mn-lt"/>
-                <a:ea typeface="+mn-ea"/>
-                <a:cs typeface="+mn-cs"/>
-              </a:defRPr>
-            </a:lvl3pPr>
-            <a:lvl4pPr marL="1200150" indent="-171450" algn="l" defTabSz="342900" rtl="0" eaLnBrk="1" latinLnBrk="0" hangingPunct="1">
-              <a:spcBef>
-                <a:spcPct val="20000"/>
-              </a:spcBef>
-              <a:buFont typeface="Arial"/>
-              <a:buChar char="–"/>
-              <a:defRPr sz="1500" kern="1200">
-                <a:solidFill>
-                  <a:schemeClr val="tx1"/>
-                </a:solidFill>
-                <a:latin typeface="+mn-lt"/>
-                <a:ea typeface="+mn-ea"/>
-                <a:cs typeface="+mn-cs"/>
-              </a:defRPr>
-            </a:lvl4pPr>
-            <a:lvl5pPr marL="1543050" indent="-171450" algn="l" defTabSz="342900" rtl="0" eaLnBrk="1" latinLnBrk="0" hangingPunct="1">
-              <a:spcBef>
-                <a:spcPct val="20000"/>
-              </a:spcBef>
-              <a:buFont typeface="Arial"/>
-              <a:buChar char="»"/>
-              <a:defRPr sz="1500" kern="1200">
-                <a:solidFill>
-                  <a:schemeClr val="tx1"/>
-                </a:solidFill>
-                <a:latin typeface="+mn-lt"/>
-                <a:ea typeface="+mn-ea"/>
-                <a:cs typeface="+mn-cs"/>
-              </a:defRPr>
-            </a:lvl5pPr>
-            <a:lvl6pPr marL="1885950" indent="-171450" algn="l" defTabSz="342900" rtl="0" eaLnBrk="1" latinLnBrk="0" hangingPunct="1">
-              <a:spcBef>
-                <a:spcPct val="20000"/>
-              </a:spcBef>
-              <a:buFont typeface="Arial"/>
-              <a:buChar char="•"/>
-              <a:defRPr sz="1500" kern="1200">
-                <a:solidFill>
-                  <a:schemeClr val="tx1"/>
-                </a:solidFill>
-                <a:latin typeface="+mn-lt"/>
-                <a:ea typeface="+mn-ea"/>
-                <a:cs typeface="+mn-cs"/>
-              </a:defRPr>
-            </a:lvl6pPr>
-            <a:lvl7pPr marL="2228850" indent="-171450" algn="l" defTabSz="342900" rtl="0" eaLnBrk="1" latinLnBrk="0" hangingPunct="1">
-              <a:spcBef>
-                <a:spcPct val="20000"/>
-              </a:spcBef>
-              <a:buFont typeface="Arial"/>
-              <a:buChar char="•"/>
-              <a:defRPr sz="1500" kern="1200">
-                <a:solidFill>
-                  <a:schemeClr val="tx1"/>
-                </a:solidFill>
-                <a:latin typeface="+mn-lt"/>
-                <a:ea typeface="+mn-ea"/>
-                <a:cs typeface="+mn-cs"/>
-              </a:defRPr>
-            </a:lvl7pPr>
-            <a:lvl8pPr marL="2571750" indent="-171450" algn="l" defTabSz="342900" rtl="0" eaLnBrk="1" latinLnBrk="0" hangingPunct="1">
-              <a:spcBef>
-                <a:spcPct val="20000"/>
-              </a:spcBef>
-              <a:buFont typeface="Arial"/>
-              <a:buChar char="•"/>
-              <a:defRPr sz="1500" kern="1200">
-                <a:solidFill>
-                  <a:schemeClr val="tx1"/>
-                </a:solidFill>
-                <a:latin typeface="+mn-lt"/>
-                <a:ea typeface="+mn-ea"/>
-                <a:cs typeface="+mn-cs"/>
-              </a:defRPr>
-            </a:lvl8pPr>
-            <a:lvl9pPr marL="2914650" indent="-171450" algn="l" defTabSz="342900" rtl="0" eaLnBrk="1" latinLnBrk="0" hangingPunct="1">
-              <a:spcBef>
-                <a:spcPct val="20000"/>
-              </a:spcBef>
-              <a:buFont typeface="Arial"/>
-              <a:buChar char="•"/>
-              <a:defRPr sz="1500" kern="1200">
-                <a:solidFill>
-                  <a:schemeClr val="tx1"/>
-                </a:solidFill>
-                <a:latin typeface="+mn-lt"/>
-                <a:ea typeface="+mn-ea"/>
-                <a:cs typeface="+mn-cs"/>
-              </a:defRPr>
-            </a:lvl9pPr>
-          </a:lstStyle>
-          <a:p>
-            <a:pPr marL="173736" lvl="2" indent="-173736">
-              <a:lnSpc>
-                <a:spcPct val="110000"/>
-              </a:lnSpc>
-              <a:spcBef>
-                <a:spcPts val="0"/>
-              </a:spcBef>
-              <a:spcAft>
-                <a:spcPts val="1300"/>
-              </a:spcAft>
-              <a:buClr>
-                <a:srgbClr val="2FC2D9"/>
-              </a:buClr>
-              <a:defRPr/>
-            </a:pPr>
-            <a:r>
-              <a:rPr lang="en-US" dirty="0"/>
-              <a:t>UDFs cannot do the following:</a:t>
-            </a:r>
-          </a:p>
-          <a:p>
-            <a:pPr marL="516636" lvl="3" indent="-173736">
-              <a:lnSpc>
-                <a:spcPct val="110000"/>
-              </a:lnSpc>
-              <a:spcBef>
-                <a:spcPts val="0"/>
-              </a:spcBef>
-              <a:spcAft>
-                <a:spcPts val="1300"/>
-              </a:spcAft>
-              <a:buClr>
-                <a:srgbClr val="2FC2D9"/>
-              </a:buClr>
-              <a:defRPr/>
-            </a:pPr>
-            <a:r>
-              <a:rPr lang="en-US" dirty="0"/>
-              <a:t>Apply any schema or data changes in the database.</a:t>
-            </a:r>
-          </a:p>
-          <a:p>
-            <a:pPr marL="516636" lvl="3" indent="-173736">
-              <a:lnSpc>
-                <a:spcPct val="110000"/>
-              </a:lnSpc>
-              <a:spcBef>
-                <a:spcPts val="0"/>
-              </a:spcBef>
-              <a:spcAft>
-                <a:spcPts val="1300"/>
-              </a:spcAft>
-              <a:buClr>
-                <a:srgbClr val="2FC2D9"/>
-              </a:buClr>
-              <a:defRPr/>
-            </a:pPr>
-            <a:r>
-              <a:rPr lang="en-US" dirty="0"/>
-              <a:t>Change the state of a database or SQL Server instance.</a:t>
-            </a:r>
-          </a:p>
-          <a:p>
-            <a:pPr marL="516636" lvl="3" indent="-173736">
-              <a:lnSpc>
-                <a:spcPct val="110000"/>
-              </a:lnSpc>
-              <a:spcBef>
-                <a:spcPts val="0"/>
-              </a:spcBef>
-              <a:spcAft>
-                <a:spcPts val="1300"/>
-              </a:spcAft>
-              <a:buClr>
-                <a:srgbClr val="2FC2D9"/>
-              </a:buClr>
-              <a:defRPr/>
-            </a:pPr>
-            <a:r>
-              <a:rPr lang="en-US" dirty="0"/>
-              <a:t>Create or access temporary tables.</a:t>
-            </a:r>
-          </a:p>
-          <a:p>
-            <a:pPr marL="516636" lvl="3" indent="-173736">
-              <a:lnSpc>
-                <a:spcPct val="110000"/>
-              </a:lnSpc>
-              <a:spcBef>
-                <a:spcPts val="0"/>
-              </a:spcBef>
-              <a:spcAft>
-                <a:spcPts val="1300"/>
-              </a:spcAft>
-              <a:buClr>
-                <a:srgbClr val="2FC2D9"/>
-              </a:buClr>
-              <a:defRPr/>
-            </a:pPr>
-            <a:r>
-              <a:rPr lang="en-US" dirty="0"/>
-              <a:t>Call stored procedures.</a:t>
-            </a:r>
-          </a:p>
-          <a:p>
-            <a:pPr marL="516636" lvl="3" indent="-173736">
-              <a:lnSpc>
-                <a:spcPct val="110000"/>
-              </a:lnSpc>
-              <a:spcBef>
-                <a:spcPts val="0"/>
-              </a:spcBef>
-              <a:spcAft>
-                <a:spcPts val="1300"/>
-              </a:spcAft>
-              <a:buClr>
-                <a:srgbClr val="2FC2D9"/>
-              </a:buClr>
-              <a:defRPr/>
-            </a:pPr>
-            <a:r>
-              <a:rPr lang="en-US" dirty="0"/>
-              <a:t>Execute dynamic SQL.</a:t>
-            </a:r>
-          </a:p>
-          <a:p>
-            <a:pPr marL="516636" lvl="3" indent="-173736">
-              <a:lnSpc>
-                <a:spcPct val="110000"/>
-              </a:lnSpc>
-              <a:spcBef>
-                <a:spcPts val="0"/>
-              </a:spcBef>
-              <a:spcAft>
-                <a:spcPts val="1300"/>
-              </a:spcAft>
-              <a:buClr>
-                <a:srgbClr val="2FC2D9"/>
-              </a:buClr>
-              <a:defRPr/>
-            </a:pPr>
-            <a:r>
-              <a:rPr lang="en-US" dirty="0"/>
-              <a:t>Produce side effects. For example, both the RAND() and NEWID()</a:t>
-            </a:r>
-          </a:p>
-        </p:txBody>
-      </p:sp>
-    </p:spTree>
-    <p:extLst>
-      <p:ext uri="{BB962C8B-B14F-4D97-AF65-F5344CB8AC3E}">
-        <p14:creationId xmlns:p14="http://schemas.microsoft.com/office/powerpoint/2010/main" val="1049762199"/>
-      </p:ext>
-    </p:extLst>
-  </p:cSld>
-  <p:clrMapOvr>
-    <a:masterClrMapping/>
-  </p:clrMapOvr>
-</p:sld>
-</file>
-
-<file path=ppt/slides/slide22.xml><?xml version="1.0" encoding="utf-8"?>
-<p:sld xmlns:a="http://schemas.openxmlformats.org/drawingml/2006/main" xmlns:r="http://schemas.openxmlformats.org/officeDocument/2006/relationships" xmlns:p="http://schemas.openxmlformats.org/presentationml/2006/main">
-  <p:cSld>
-    <p:spTree>
-      <p:nvGrpSpPr>
-        <p:cNvPr id="1" name=""/>
-        <p:cNvGrpSpPr/>
-        <p:nvPr/>
-      </p:nvGrpSpPr>
-      <p:grpSpPr>
-        <a:xfrm>
-          <a:off x="0" y="0"/>
-          <a:ext cx="0" cy="0"/>
-          <a:chOff x="0" y="0"/>
-          <a:chExt cx="0" cy="0"/>
-        </a:xfrm>
-      </p:grpSpPr>
-      <p:sp>
-        <p:nvSpPr>
-          <p:cNvPr id="13" name="Text Placeholder 12"/>
-          <p:cNvSpPr>
-            <a:spLocks noGrp="1"/>
-          </p:cNvSpPr>
-          <p:nvPr>
-            <p:ph type="body" sz="quarter" idx="10"/>
-          </p:nvPr>
-        </p:nvSpPr>
-        <p:spPr/>
-        <p:txBody>
-          <a:bodyPr>
-            <a:normAutofit/>
-          </a:bodyPr>
-          <a:lstStyle/>
-          <a:p>
-            <a:pPr>
-              <a:buClr>
-                <a:schemeClr val="bg1"/>
-              </a:buClr>
-              <a:buSzPct val="140000"/>
-            </a:pPr>
-            <a:r>
-              <a:rPr lang="en-US" b="1" dirty="0"/>
-              <a:t>Implementing User-Defined Functions</a:t>
-            </a:r>
-          </a:p>
-        </p:txBody>
-      </p:sp>
-      <p:sp>
-        <p:nvSpPr>
-          <p:cNvPr id="25" name="Text Placeholder 4"/>
-          <p:cNvSpPr txBox="1">
-            <a:spLocks/>
-          </p:cNvSpPr>
-          <p:nvPr/>
-        </p:nvSpPr>
-        <p:spPr>
-          <a:xfrm>
-            <a:off x="236117" y="907598"/>
             <a:ext cx="4333494" cy="387798"/>
           </a:xfrm>
           <a:prstGeom prst="rect">
@@ -13638,7 +13155,7 @@
 </p:sld>
 </file>
 
-<file path=ppt/slides/slide23.xml><?xml version="1.0" encoding="utf-8"?>
+<file path=ppt/slides/slide22.xml><?xml version="1.0" encoding="utf-8"?>
 <p:sld xmlns:a="http://schemas.openxmlformats.org/drawingml/2006/main" xmlns:r="http://schemas.openxmlformats.org/officeDocument/2006/relationships" xmlns:p="http://schemas.openxmlformats.org/presentationml/2006/main">
   <p:cSld>
     <p:spTree>
@@ -13961,7 +13478,7 @@
 </p:sld>
 </file>
 
-<file path=ppt/slides/slide24.xml><?xml version="1.0" encoding="utf-8"?>
+<file path=ppt/slides/slide23.xml><?xml version="1.0" encoding="utf-8"?>
 <p:sld xmlns:a="http://schemas.openxmlformats.org/drawingml/2006/main" xmlns:r="http://schemas.openxmlformats.org/officeDocument/2006/relationships" xmlns:p="http://schemas.openxmlformats.org/presentationml/2006/main">
   <p:cSld>
     <p:spTree>
@@ -14386,7 +13903,7 @@
 </p:sld>
 </file>
 
-<file path=ppt/slides/slide25.xml><?xml version="1.0" encoding="utf-8"?>
+<file path=ppt/slides/slide24.xml><?xml version="1.0" encoding="utf-8"?>
 <p:sld xmlns:a="http://schemas.openxmlformats.org/drawingml/2006/main" xmlns:r="http://schemas.openxmlformats.org/officeDocument/2006/relationships" xmlns:p="http://schemas.openxmlformats.org/presentationml/2006/main">
   <p:cSld>
     <p:spTree>
@@ -14709,6 +14226,1368 @@
 </p:sld>
 </file>
 
+<file path=ppt/slides/slide25.xml><?xml version="1.0" encoding="utf-8"?>
+<p:sld xmlns:a="http://schemas.openxmlformats.org/drawingml/2006/main" xmlns:r="http://schemas.openxmlformats.org/officeDocument/2006/relationships" xmlns:p="http://schemas.openxmlformats.org/presentationml/2006/main">
+  <p:cSld>
+    <p:spTree>
+      <p:nvGrpSpPr>
+        <p:cNvPr id="1" name=""/>
+        <p:cNvGrpSpPr/>
+        <p:nvPr/>
+      </p:nvGrpSpPr>
+      <p:grpSpPr>
+        <a:xfrm>
+          <a:off x="0" y="0"/>
+          <a:ext cx="0" cy="0"/>
+          <a:chOff x="0" y="0"/>
+          <a:chExt cx="0" cy="0"/>
+        </a:xfrm>
+      </p:grpSpPr>
+      <p:sp>
+        <p:nvSpPr>
+          <p:cNvPr id="13" name="Text Placeholder 12"/>
+          <p:cNvSpPr>
+            <a:spLocks noGrp="1"/>
+          </p:cNvSpPr>
+          <p:nvPr>
+            <p:ph type="body" sz="quarter" idx="10"/>
+          </p:nvPr>
+        </p:nvSpPr>
+        <p:spPr/>
+        <p:txBody>
+          <a:bodyPr>
+            <a:normAutofit/>
+          </a:bodyPr>
+          <a:lstStyle/>
+          <a:p>
+            <a:pPr>
+              <a:buClr>
+                <a:schemeClr val="bg1"/>
+              </a:buClr>
+              <a:buSzPct val="140000"/>
+            </a:pPr>
+            <a:r>
+              <a:rPr lang="en-US" b="1" dirty="0"/>
+              <a:t>Design for  OLTP Database</a:t>
+            </a:r>
+          </a:p>
+        </p:txBody>
+      </p:sp>
+      <p:sp>
+        <p:nvSpPr>
+          <p:cNvPr id="25" name="Text Placeholder 4"/>
+          <p:cNvSpPr txBox="1">
+            <a:spLocks/>
+          </p:cNvSpPr>
+          <p:nvPr/>
+        </p:nvSpPr>
+        <p:spPr>
+          <a:xfrm>
+            <a:off x="236117" y="953766"/>
+            <a:ext cx="1117357" cy="295466"/>
+          </a:xfrm>
+          <a:prstGeom prst="rect">
+            <a:avLst/>
+          </a:prstGeom>
+          <a:solidFill>
+            <a:srgbClr val="39C2D7"/>
+          </a:solidFill>
+          <a:ln>
+            <a:noFill/>
+          </a:ln>
+        </p:spPr>
+        <p:txBody>
+          <a:bodyPr wrap="none" lIns="68580" tIns="54864" rIns="68580" bIns="54864" anchor="ctr" anchorCtr="0">
+            <a:spAutoFit/>
+          </a:bodyPr>
+          <a:lstStyle>
+            <a:lvl1pPr marL="0" indent="0" algn="l" defTabSz="457200" rtl="0" eaLnBrk="1" latinLnBrk="0" hangingPunct="1">
+              <a:spcBef>
+                <a:spcPts val="0"/>
+              </a:spcBef>
+              <a:buClr>
+                <a:schemeClr val="accent2"/>
+              </a:buClr>
+              <a:buFont typeface="Arial"/>
+              <a:buNone/>
+              <a:defRPr sz="1200" kern="1200">
+                <a:solidFill>
+                  <a:schemeClr val="bg1"/>
+                </a:solidFill>
+                <a:latin typeface="Arial Black"/>
+                <a:ea typeface="+mn-ea"/>
+                <a:cs typeface="Arial Black"/>
+              </a:defRPr>
+            </a:lvl1pPr>
+            <a:lvl2pPr marL="742950" indent="-285750" algn="l" defTabSz="457200" rtl="0" eaLnBrk="1" latinLnBrk="0" hangingPunct="1">
+              <a:spcBef>
+                <a:spcPct val="20000"/>
+              </a:spcBef>
+              <a:buFont typeface="Arial"/>
+              <a:buChar char="–"/>
+              <a:defRPr sz="1800" kern="1200">
+                <a:solidFill>
+                  <a:schemeClr val="tx1"/>
+                </a:solidFill>
+                <a:latin typeface="Trebuchet MS"/>
+                <a:ea typeface="+mn-ea"/>
+                <a:cs typeface="Trebuchet MS"/>
+              </a:defRPr>
+            </a:lvl2pPr>
+            <a:lvl3pPr marL="1143000" indent="-228600" algn="l" defTabSz="457200" rtl="0" eaLnBrk="1" latinLnBrk="0" hangingPunct="1">
+              <a:spcBef>
+                <a:spcPct val="20000"/>
+              </a:spcBef>
+              <a:buFont typeface="Arial"/>
+              <a:buChar char="•"/>
+              <a:defRPr sz="1600" kern="1200">
+                <a:solidFill>
+                  <a:schemeClr val="tx1"/>
+                </a:solidFill>
+                <a:latin typeface="Trebuchet MS"/>
+                <a:ea typeface="+mn-ea"/>
+                <a:cs typeface="Trebuchet MS"/>
+              </a:defRPr>
+            </a:lvl3pPr>
+            <a:lvl4pPr marL="1600200" indent="-228600" algn="l" defTabSz="457200" rtl="0" eaLnBrk="1" latinLnBrk="0" hangingPunct="1">
+              <a:spcBef>
+                <a:spcPct val="20000"/>
+              </a:spcBef>
+              <a:buFont typeface="Arial"/>
+              <a:buChar char="–"/>
+              <a:defRPr sz="1300" kern="1200">
+                <a:solidFill>
+                  <a:schemeClr val="tx1"/>
+                </a:solidFill>
+                <a:latin typeface="Trebuchet MS"/>
+                <a:ea typeface="+mn-ea"/>
+                <a:cs typeface="Trebuchet MS"/>
+              </a:defRPr>
+            </a:lvl4pPr>
+            <a:lvl5pPr marL="2057400" indent="-228600" algn="l" defTabSz="457200" rtl="0" eaLnBrk="1" latinLnBrk="0" hangingPunct="1">
+              <a:spcBef>
+                <a:spcPct val="20000"/>
+              </a:spcBef>
+              <a:buFont typeface="Arial"/>
+              <a:buChar char="»"/>
+              <a:defRPr sz="1100" kern="1200">
+                <a:solidFill>
+                  <a:schemeClr val="tx1"/>
+                </a:solidFill>
+                <a:latin typeface="Trebuchet MS"/>
+                <a:ea typeface="+mn-ea"/>
+                <a:cs typeface="Trebuchet MS"/>
+              </a:defRPr>
+            </a:lvl5pPr>
+            <a:lvl6pPr marL="2514600" indent="-228600" algn="l" defTabSz="457200" rtl="0" eaLnBrk="1" latinLnBrk="0" hangingPunct="1">
+              <a:spcBef>
+                <a:spcPct val="20000"/>
+              </a:spcBef>
+              <a:buFont typeface="Arial"/>
+              <a:buChar char="•"/>
+              <a:defRPr sz="2000" kern="1200">
+                <a:solidFill>
+                  <a:schemeClr val="tx1"/>
+                </a:solidFill>
+                <a:latin typeface="+mn-lt"/>
+                <a:ea typeface="+mn-ea"/>
+                <a:cs typeface="+mn-cs"/>
+              </a:defRPr>
+            </a:lvl6pPr>
+            <a:lvl7pPr marL="2971800" indent="-228600" algn="l" defTabSz="457200" rtl="0" eaLnBrk="1" latinLnBrk="0" hangingPunct="1">
+              <a:spcBef>
+                <a:spcPct val="20000"/>
+              </a:spcBef>
+              <a:buFont typeface="Arial"/>
+              <a:buChar char="•"/>
+              <a:defRPr sz="2000" kern="1200">
+                <a:solidFill>
+                  <a:schemeClr val="tx1"/>
+                </a:solidFill>
+                <a:latin typeface="+mn-lt"/>
+                <a:ea typeface="+mn-ea"/>
+                <a:cs typeface="+mn-cs"/>
+              </a:defRPr>
+            </a:lvl7pPr>
+            <a:lvl8pPr marL="3429000" indent="-228600" algn="l" defTabSz="457200" rtl="0" eaLnBrk="1" latinLnBrk="0" hangingPunct="1">
+              <a:spcBef>
+                <a:spcPct val="20000"/>
+              </a:spcBef>
+              <a:buFont typeface="Arial"/>
+              <a:buChar char="•"/>
+              <a:defRPr sz="2000" kern="1200">
+                <a:solidFill>
+                  <a:schemeClr val="tx1"/>
+                </a:solidFill>
+                <a:latin typeface="+mn-lt"/>
+                <a:ea typeface="+mn-ea"/>
+                <a:cs typeface="+mn-cs"/>
+              </a:defRPr>
+            </a:lvl8pPr>
+            <a:lvl9pPr marL="3886200" indent="-228600" algn="l" defTabSz="457200" rtl="0" eaLnBrk="1" latinLnBrk="0" hangingPunct="1">
+              <a:spcBef>
+                <a:spcPct val="20000"/>
+              </a:spcBef>
+              <a:buFont typeface="Arial"/>
+              <a:buChar char="•"/>
+              <a:defRPr sz="2000" kern="1200">
+                <a:solidFill>
+                  <a:schemeClr val="tx1"/>
+                </a:solidFill>
+                <a:latin typeface="+mn-lt"/>
+                <a:ea typeface="+mn-ea"/>
+                <a:cs typeface="+mn-cs"/>
+              </a:defRPr>
+            </a:lvl9pPr>
+          </a:lstStyle>
+          <a:p>
+            <a:pPr>
+              <a:buClr>
+                <a:schemeClr val="bg1"/>
+              </a:buClr>
+              <a:buSzPct val="140000"/>
+            </a:pPr>
+            <a:r>
+              <a:rPr lang="en-US" b="1" dirty="0"/>
+              <a:t>Hierarchies</a:t>
+            </a:r>
+          </a:p>
+        </p:txBody>
+      </p:sp>
+      <p:sp>
+        <p:nvSpPr>
+          <p:cNvPr id="11" name="Content Placeholder 2"/>
+          <p:cNvSpPr txBox="1">
+            <a:spLocks/>
+          </p:cNvSpPr>
+          <p:nvPr/>
+        </p:nvSpPr>
+        <p:spPr>
+          <a:xfrm>
+            <a:off x="386227" y="1503470"/>
+            <a:ext cx="4134402" cy="3287972"/>
+          </a:xfrm>
+          <a:prstGeom prst="rect">
+            <a:avLst/>
+          </a:prstGeom>
+        </p:spPr>
+        <p:txBody>
+          <a:bodyPr/>
+          <a:lstStyle>
+            <a:lvl1pPr marL="257175" indent="-257175" algn="l" defTabSz="342900" rtl="0" eaLnBrk="1" latinLnBrk="0" hangingPunct="1">
+              <a:spcBef>
+                <a:spcPct val="20000"/>
+              </a:spcBef>
+              <a:buFont typeface="Arial"/>
+              <a:buChar char="•"/>
+              <a:defRPr sz="2400" kern="1200">
+                <a:solidFill>
+                  <a:schemeClr val="tx1"/>
+                </a:solidFill>
+                <a:latin typeface="+mn-lt"/>
+                <a:ea typeface="+mn-ea"/>
+                <a:cs typeface="+mn-cs"/>
+              </a:defRPr>
+            </a:lvl1pPr>
+            <a:lvl2pPr marL="557213" indent="-214313" algn="l" defTabSz="342900" rtl="0" eaLnBrk="1" latinLnBrk="0" hangingPunct="1">
+              <a:spcBef>
+                <a:spcPct val="20000"/>
+              </a:spcBef>
+              <a:buFont typeface="Arial"/>
+              <a:buChar char="–"/>
+              <a:defRPr sz="2100" kern="1200">
+                <a:solidFill>
+                  <a:schemeClr val="tx1"/>
+                </a:solidFill>
+                <a:latin typeface="+mn-lt"/>
+                <a:ea typeface="+mn-ea"/>
+                <a:cs typeface="+mn-cs"/>
+              </a:defRPr>
+            </a:lvl2pPr>
+            <a:lvl3pPr marL="857250" indent="-171450" algn="l" defTabSz="342900" rtl="0" eaLnBrk="1" latinLnBrk="0" hangingPunct="1">
+              <a:spcBef>
+                <a:spcPct val="20000"/>
+              </a:spcBef>
+              <a:buFont typeface="Arial"/>
+              <a:buChar char="•"/>
+              <a:defRPr sz="1800" kern="1200">
+                <a:solidFill>
+                  <a:schemeClr val="tx1"/>
+                </a:solidFill>
+                <a:latin typeface="+mn-lt"/>
+                <a:ea typeface="+mn-ea"/>
+                <a:cs typeface="+mn-cs"/>
+              </a:defRPr>
+            </a:lvl3pPr>
+            <a:lvl4pPr marL="1200150" indent="-171450" algn="l" defTabSz="342900" rtl="0" eaLnBrk="1" latinLnBrk="0" hangingPunct="1">
+              <a:spcBef>
+                <a:spcPct val="20000"/>
+              </a:spcBef>
+              <a:buFont typeface="Arial"/>
+              <a:buChar char="–"/>
+              <a:defRPr sz="1500" kern="1200">
+                <a:solidFill>
+                  <a:schemeClr val="tx1"/>
+                </a:solidFill>
+                <a:latin typeface="+mn-lt"/>
+                <a:ea typeface="+mn-ea"/>
+                <a:cs typeface="+mn-cs"/>
+              </a:defRPr>
+            </a:lvl4pPr>
+            <a:lvl5pPr marL="1543050" indent="-171450" algn="l" defTabSz="342900" rtl="0" eaLnBrk="1" latinLnBrk="0" hangingPunct="1">
+              <a:spcBef>
+                <a:spcPct val="20000"/>
+              </a:spcBef>
+              <a:buFont typeface="Arial"/>
+              <a:buChar char="»"/>
+              <a:defRPr sz="1500" kern="1200">
+                <a:solidFill>
+                  <a:schemeClr val="tx1"/>
+                </a:solidFill>
+                <a:latin typeface="+mn-lt"/>
+                <a:ea typeface="+mn-ea"/>
+                <a:cs typeface="+mn-cs"/>
+              </a:defRPr>
+            </a:lvl5pPr>
+            <a:lvl6pPr marL="1885950" indent="-171450" algn="l" defTabSz="342900" rtl="0" eaLnBrk="1" latinLnBrk="0" hangingPunct="1">
+              <a:spcBef>
+                <a:spcPct val="20000"/>
+              </a:spcBef>
+              <a:buFont typeface="Arial"/>
+              <a:buChar char="•"/>
+              <a:defRPr sz="1500" kern="1200">
+                <a:solidFill>
+                  <a:schemeClr val="tx1"/>
+                </a:solidFill>
+                <a:latin typeface="+mn-lt"/>
+                <a:ea typeface="+mn-ea"/>
+                <a:cs typeface="+mn-cs"/>
+              </a:defRPr>
+            </a:lvl6pPr>
+            <a:lvl7pPr marL="2228850" indent="-171450" algn="l" defTabSz="342900" rtl="0" eaLnBrk="1" latinLnBrk="0" hangingPunct="1">
+              <a:spcBef>
+                <a:spcPct val="20000"/>
+              </a:spcBef>
+              <a:buFont typeface="Arial"/>
+              <a:buChar char="•"/>
+              <a:defRPr sz="1500" kern="1200">
+                <a:solidFill>
+                  <a:schemeClr val="tx1"/>
+                </a:solidFill>
+                <a:latin typeface="+mn-lt"/>
+                <a:ea typeface="+mn-ea"/>
+                <a:cs typeface="+mn-cs"/>
+              </a:defRPr>
+            </a:lvl7pPr>
+            <a:lvl8pPr marL="2571750" indent="-171450" algn="l" defTabSz="342900" rtl="0" eaLnBrk="1" latinLnBrk="0" hangingPunct="1">
+              <a:spcBef>
+                <a:spcPct val="20000"/>
+              </a:spcBef>
+              <a:buFont typeface="Arial"/>
+              <a:buChar char="•"/>
+              <a:defRPr sz="1500" kern="1200">
+                <a:solidFill>
+                  <a:schemeClr val="tx1"/>
+                </a:solidFill>
+                <a:latin typeface="+mn-lt"/>
+                <a:ea typeface="+mn-ea"/>
+                <a:cs typeface="+mn-cs"/>
+              </a:defRPr>
+            </a:lvl8pPr>
+            <a:lvl9pPr marL="2914650" indent="-171450" algn="l" defTabSz="342900" rtl="0" eaLnBrk="1" latinLnBrk="0" hangingPunct="1">
+              <a:spcBef>
+                <a:spcPct val="20000"/>
+              </a:spcBef>
+              <a:buFont typeface="Arial"/>
+              <a:buChar char="•"/>
+              <a:defRPr sz="1500" kern="1200">
+                <a:solidFill>
+                  <a:schemeClr val="tx1"/>
+                </a:solidFill>
+                <a:latin typeface="+mn-lt"/>
+                <a:ea typeface="+mn-ea"/>
+                <a:cs typeface="+mn-cs"/>
+              </a:defRPr>
+            </a:lvl9pPr>
+          </a:lstStyle>
+          <a:p>
+            <a:pPr marL="173736" lvl="2" indent="-173736">
+              <a:lnSpc>
+                <a:spcPct val="110000"/>
+              </a:lnSpc>
+              <a:spcBef>
+                <a:spcPts val="0"/>
+              </a:spcBef>
+              <a:spcAft>
+                <a:spcPts val="1300"/>
+              </a:spcAft>
+              <a:buClr>
+                <a:srgbClr val="2FC2D9"/>
+              </a:buClr>
+              <a:defRPr/>
+            </a:pPr>
+            <a:r>
+              <a:rPr lang="en-US" sz="1600" b="1" i="1" dirty="0"/>
+              <a:t>Adjacency List Model</a:t>
+            </a:r>
+          </a:p>
+          <a:p>
+            <a:pPr marL="173736" lvl="2" indent="-173736">
+              <a:lnSpc>
+                <a:spcPct val="110000"/>
+              </a:lnSpc>
+              <a:spcBef>
+                <a:spcPts val="0"/>
+              </a:spcBef>
+              <a:spcAft>
+                <a:spcPts val="1300"/>
+              </a:spcAft>
+              <a:buClr>
+                <a:srgbClr val="2FC2D9"/>
+              </a:buClr>
+              <a:defRPr/>
+            </a:pPr>
+            <a:r>
+              <a:rPr lang="en-US" sz="1600" dirty="0"/>
+              <a:t>Nested Set Model of Hierarchies</a:t>
+            </a:r>
+          </a:p>
+          <a:p>
+            <a:pPr marL="173736" lvl="2" indent="-173736">
+              <a:lnSpc>
+                <a:spcPct val="110000"/>
+              </a:lnSpc>
+              <a:spcBef>
+                <a:spcPts val="0"/>
+              </a:spcBef>
+              <a:spcAft>
+                <a:spcPts val="1300"/>
+              </a:spcAft>
+              <a:buClr>
+                <a:srgbClr val="2FC2D9"/>
+              </a:buClr>
+              <a:defRPr/>
+            </a:pPr>
+            <a:r>
+              <a:rPr lang="en-US" sz="1600" dirty="0" err="1">
+                <a:solidFill>
+                  <a:srgbClr val="444444"/>
+                </a:solidFill>
+                <a:ea typeface="ＭＳ Ｐゴシック" pitchFamily="34" charset="-128"/>
+              </a:rPr>
+              <a:t>HierarchyID</a:t>
+            </a:r>
+            <a:endParaRPr lang="en-US" sz="1600" dirty="0">
+              <a:solidFill>
+                <a:srgbClr val="444444"/>
+              </a:solidFill>
+              <a:ea typeface="ＭＳ Ｐゴシック" pitchFamily="34" charset="-128"/>
+            </a:endParaRPr>
+          </a:p>
+        </p:txBody>
+      </p:sp>
+      <p:sp>
+        <p:nvSpPr>
+          <p:cNvPr id="3" name="Rectangle 2"/>
+          <p:cNvSpPr/>
+          <p:nvPr/>
+        </p:nvSpPr>
+        <p:spPr>
+          <a:xfrm>
+            <a:off x="4651737" y="4400774"/>
+            <a:ext cx="3991285" cy="307777"/>
+          </a:xfrm>
+          <a:prstGeom prst="rect">
+            <a:avLst/>
+          </a:prstGeom>
+        </p:spPr>
+        <p:txBody>
+          <a:bodyPr wrap="none">
+            <a:spAutoFit/>
+          </a:bodyPr>
+          <a:lstStyle/>
+          <a:p>
+            <a:r>
+              <a:rPr lang="en-US" dirty="0"/>
+              <a:t>Joe </a:t>
+            </a:r>
+            <a:r>
+              <a:rPr lang="en-US" dirty="0" err="1"/>
+              <a:t>Celko’s</a:t>
+            </a:r>
+            <a:r>
+              <a:rPr lang="en-US" dirty="0"/>
+              <a:t> Trees and Hierarchies in SQL for Smarties</a:t>
+            </a:r>
+          </a:p>
+        </p:txBody>
+      </p:sp>
+      <p:sp>
+        <p:nvSpPr>
+          <p:cNvPr id="5" name="Rectangle 2"/>
+          <p:cNvSpPr>
+            <a:spLocks noChangeArrowheads="1"/>
+          </p:cNvSpPr>
+          <p:nvPr/>
+        </p:nvSpPr>
+        <p:spPr bwMode="auto">
+          <a:xfrm>
+            <a:off x="4295827" y="1337417"/>
+            <a:ext cx="4347196" cy="954107"/>
+          </a:xfrm>
+          <a:prstGeom prst="rect">
+            <a:avLst/>
+          </a:prstGeom>
+          <a:noFill/>
+          <a:ln>
+            <a:noFill/>
+          </a:ln>
+          <a:effectLst/>
+          <a:extLst>
+            <a:ext uri="{909E8E84-426E-40DD-AFC4-6F175D3DCCD1}">
+              <a14:hiddenFill xmlns:a14="http://schemas.microsoft.com/office/drawing/2010/main">
+                <a:solidFill>
+                  <a:schemeClr val="accent1"/>
+                </a:solidFill>
+              </a14:hiddenFill>
+            </a:ext>
+            <a:ext uri="{91240B29-F687-4F45-9708-019B960494DF}">
+              <a14:hiddenLine xmlns:a14="http://schemas.microsoft.com/office/drawing/2010/main" w="9525">
+                <a:solidFill>
+                  <a:schemeClr val="tx1"/>
+                </a:solidFill>
+                <a:miter lim="800000"/>
+                <a:headEnd/>
+                <a:tailEnd/>
+              </a14:hiddenLine>
+            </a:ext>
+            <a:ext uri="{AF507438-7753-43E0-B8FC-AC1667EBCBE1}">
+              <a14:hiddenEffects xmlns:a14="http://schemas.microsoft.com/office/drawing/2010/main">
+                <a:effectLst>
+                  <a:outerShdw dist="35921" dir="2700000" algn="ctr" rotWithShape="0">
+                    <a:schemeClr val="bg2"/>
+                  </a:outerShdw>
+                </a:effectLst>
+              </a14:hiddenEffects>
+            </a:ext>
+          </a:extLst>
+        </p:spPr>
+        <p:txBody>
+          <a:bodyPr vert="horz" wrap="square" lIns="91440" tIns="45720" rIns="91440" bIns="45720" numCol="1" anchor="ctr" anchorCtr="0" compatLnSpc="1">
+            <a:prstTxWarp prst="textNoShape">
+              <a:avLst/>
+            </a:prstTxWarp>
+            <a:spAutoFit/>
+          </a:bodyPr>
+          <a:lstStyle>
+            <a:lvl1pPr eaLnBrk="0" fontAlgn="base" hangingPunct="0">
+              <a:spcBef>
+                <a:spcPct val="0"/>
+              </a:spcBef>
+              <a:spcAft>
+                <a:spcPct val="0"/>
+              </a:spcAft>
+              <a:defRPr>
+                <a:solidFill>
+                  <a:schemeClr val="tx1"/>
+                </a:solidFill>
+                <a:latin typeface="Arial" panose="020B0604020202020204" pitchFamily="34" charset="0"/>
+              </a:defRPr>
+            </a:lvl1pPr>
+            <a:lvl2pPr marL="457200" eaLnBrk="0" fontAlgn="base" hangingPunct="0">
+              <a:spcBef>
+                <a:spcPct val="0"/>
+              </a:spcBef>
+              <a:spcAft>
+                <a:spcPct val="0"/>
+              </a:spcAft>
+              <a:defRPr>
+                <a:solidFill>
+                  <a:schemeClr val="tx1"/>
+                </a:solidFill>
+                <a:latin typeface="Arial" panose="020B0604020202020204" pitchFamily="34" charset="0"/>
+              </a:defRPr>
+            </a:lvl2pPr>
+            <a:lvl3pPr marL="914400" eaLnBrk="0" fontAlgn="base" hangingPunct="0">
+              <a:spcBef>
+                <a:spcPct val="0"/>
+              </a:spcBef>
+              <a:spcAft>
+                <a:spcPct val="0"/>
+              </a:spcAft>
+              <a:defRPr>
+                <a:solidFill>
+                  <a:schemeClr val="tx1"/>
+                </a:solidFill>
+                <a:latin typeface="Arial" panose="020B0604020202020204" pitchFamily="34" charset="0"/>
+              </a:defRPr>
+            </a:lvl3pPr>
+            <a:lvl4pPr marL="1371600" eaLnBrk="0" fontAlgn="base" hangingPunct="0">
+              <a:spcBef>
+                <a:spcPct val="0"/>
+              </a:spcBef>
+              <a:spcAft>
+                <a:spcPct val="0"/>
+              </a:spcAft>
+              <a:defRPr>
+                <a:solidFill>
+                  <a:schemeClr val="tx1"/>
+                </a:solidFill>
+                <a:latin typeface="Arial" panose="020B0604020202020204" pitchFamily="34" charset="0"/>
+              </a:defRPr>
+            </a:lvl4pPr>
+            <a:lvl5pPr marL="1828800" eaLnBrk="0" fontAlgn="base" hangingPunct="0">
+              <a:spcBef>
+                <a:spcPct val="0"/>
+              </a:spcBef>
+              <a:spcAft>
+                <a:spcPct val="0"/>
+              </a:spcAft>
+              <a:defRPr>
+                <a:solidFill>
+                  <a:schemeClr val="tx1"/>
+                </a:solidFill>
+                <a:latin typeface="Arial" panose="020B0604020202020204" pitchFamily="34" charset="0"/>
+              </a:defRPr>
+            </a:lvl5pPr>
+            <a:lvl6pPr marL="2286000" eaLnBrk="0" fontAlgn="base" hangingPunct="0">
+              <a:spcBef>
+                <a:spcPct val="0"/>
+              </a:spcBef>
+              <a:spcAft>
+                <a:spcPct val="0"/>
+              </a:spcAft>
+              <a:defRPr>
+                <a:solidFill>
+                  <a:schemeClr val="tx1"/>
+                </a:solidFill>
+                <a:latin typeface="Arial" panose="020B0604020202020204" pitchFamily="34" charset="0"/>
+              </a:defRPr>
+            </a:lvl6pPr>
+            <a:lvl7pPr marL="2743200" eaLnBrk="0" fontAlgn="base" hangingPunct="0">
+              <a:spcBef>
+                <a:spcPct val="0"/>
+              </a:spcBef>
+              <a:spcAft>
+                <a:spcPct val="0"/>
+              </a:spcAft>
+              <a:defRPr>
+                <a:solidFill>
+                  <a:schemeClr val="tx1"/>
+                </a:solidFill>
+                <a:latin typeface="Arial" panose="020B0604020202020204" pitchFamily="34" charset="0"/>
+              </a:defRPr>
+            </a:lvl7pPr>
+            <a:lvl8pPr marL="3200400" eaLnBrk="0" fontAlgn="base" hangingPunct="0">
+              <a:spcBef>
+                <a:spcPct val="0"/>
+              </a:spcBef>
+              <a:spcAft>
+                <a:spcPct val="0"/>
+              </a:spcAft>
+              <a:defRPr>
+                <a:solidFill>
+                  <a:schemeClr val="tx1"/>
+                </a:solidFill>
+                <a:latin typeface="Arial" panose="020B0604020202020204" pitchFamily="34" charset="0"/>
+              </a:defRPr>
+            </a:lvl8pPr>
+            <a:lvl9pPr marL="3657600" eaLnBrk="0" fontAlgn="base" hangingPunct="0">
+              <a:spcBef>
+                <a:spcPct val="0"/>
+              </a:spcBef>
+              <a:spcAft>
+                <a:spcPct val="0"/>
+              </a:spcAft>
+              <a:defRPr>
+                <a:solidFill>
+                  <a:schemeClr val="tx1"/>
+                </a:solidFill>
+                <a:latin typeface="Arial" panose="020B0604020202020204" pitchFamily="34" charset="0"/>
+              </a:defRPr>
+            </a:lvl9pPr>
+          </a:lstStyle>
+          <a:p>
+            <a:pPr marL="0" marR="0" lvl="0" indent="0" algn="l" defTabSz="914400" rtl="0" eaLnBrk="0" fontAlgn="base" latinLnBrk="0" hangingPunct="0">
+              <a:lnSpc>
+                <a:spcPct val="100000"/>
+              </a:lnSpc>
+              <a:spcBef>
+                <a:spcPct val="0"/>
+              </a:spcBef>
+              <a:spcAft>
+                <a:spcPct val="0"/>
+              </a:spcAft>
+              <a:buClrTx/>
+              <a:buSzTx/>
+              <a:buFontTx/>
+              <a:buNone/>
+              <a:tabLst/>
+            </a:pPr>
+            <a:r>
+              <a:rPr kumimoji="0" lang="en-US" altLang="en-US" sz="800" b="0" i="0" u="none" strike="noStrike" cap="none" normalizeH="0" baseline="0" dirty="0">
+                <a:ln>
+                  <a:noFill/>
+                </a:ln>
+                <a:solidFill>
+                  <a:srgbClr val="0000FF"/>
+                </a:solidFill>
+                <a:effectLst/>
+                <a:latin typeface="Consolas" panose="020B0609020204030204" pitchFamily="49" charset="0"/>
+                <a:cs typeface="Consolas" panose="020B0609020204030204" pitchFamily="49" charset="0"/>
+              </a:rPr>
+              <a:t>CREATE</a:t>
+            </a:r>
+            <a:r>
+              <a:rPr kumimoji="0" lang="en-US" altLang="en-US" sz="800" b="0" i="0" u="none" strike="noStrike" cap="none" normalizeH="0" baseline="0" dirty="0">
+                <a:ln>
+                  <a:noFill/>
+                </a:ln>
+                <a:solidFill>
+                  <a:srgbClr val="333333"/>
+                </a:solidFill>
+                <a:effectLst/>
+                <a:latin typeface="Consolas" panose="020B0609020204030204" pitchFamily="49" charset="0"/>
+                <a:cs typeface="Consolas" panose="020B0609020204030204" pitchFamily="49" charset="0"/>
+              </a:rPr>
+              <a:t> </a:t>
+            </a:r>
+            <a:r>
+              <a:rPr kumimoji="0" lang="en-US" altLang="en-US" sz="800" b="0" i="0" u="none" strike="noStrike" cap="none" normalizeH="0" baseline="0" dirty="0">
+                <a:ln>
+                  <a:noFill/>
+                </a:ln>
+                <a:solidFill>
+                  <a:srgbClr val="0000FF"/>
+                </a:solidFill>
+                <a:effectLst/>
+                <a:latin typeface="Consolas" panose="020B0609020204030204" pitchFamily="49" charset="0"/>
+                <a:cs typeface="Consolas" panose="020B0609020204030204" pitchFamily="49" charset="0"/>
+              </a:rPr>
+              <a:t>TABLE</a:t>
+            </a:r>
+            <a:r>
+              <a:rPr kumimoji="0" lang="en-US" altLang="en-US" sz="800" b="0" i="0" u="none" strike="noStrike" cap="none" normalizeH="0" baseline="0" dirty="0">
+                <a:ln>
+                  <a:noFill/>
+                </a:ln>
+                <a:solidFill>
+                  <a:srgbClr val="333333"/>
+                </a:solidFill>
+                <a:effectLst/>
+                <a:latin typeface="Consolas" panose="020B0609020204030204" pitchFamily="49" charset="0"/>
+                <a:cs typeface="Consolas" panose="020B0609020204030204" pitchFamily="49" charset="0"/>
+              </a:rPr>
+              <a:t> </a:t>
+            </a:r>
+            <a:r>
+              <a:rPr kumimoji="0" lang="en-US" altLang="en-US" sz="800" b="0" i="0" u="none" strike="noStrike" cap="none" normalizeH="0" baseline="0" dirty="0" err="1">
+                <a:ln>
+                  <a:noFill/>
+                </a:ln>
+                <a:solidFill>
+                  <a:srgbClr val="333333"/>
+                </a:solidFill>
+                <a:effectLst/>
+                <a:latin typeface="Consolas" panose="020B0609020204030204" pitchFamily="49" charset="0"/>
+                <a:cs typeface="Consolas" panose="020B0609020204030204" pitchFamily="49" charset="0"/>
+              </a:rPr>
+              <a:t>dbo</a:t>
+            </a:r>
+            <a:r>
+              <a:rPr kumimoji="0" lang="en-US" altLang="en-US" sz="800" b="0" i="0" u="none" strike="noStrike" cap="none" normalizeH="0" baseline="0" dirty="0" err="1">
+                <a:ln>
+                  <a:noFill/>
+                </a:ln>
+                <a:solidFill>
+                  <a:srgbClr val="808080"/>
+                </a:solidFill>
+                <a:effectLst/>
+                <a:latin typeface="Consolas" panose="020B0609020204030204" pitchFamily="49" charset="0"/>
+                <a:cs typeface="Consolas" panose="020B0609020204030204" pitchFamily="49" charset="0"/>
+              </a:rPr>
+              <a:t>.</a:t>
+            </a:r>
+            <a:r>
+              <a:rPr kumimoji="0" lang="en-US" altLang="en-US" sz="800" b="0" i="0" u="none" strike="noStrike" cap="none" normalizeH="0" baseline="0" dirty="0" err="1">
+                <a:ln>
+                  <a:noFill/>
+                </a:ln>
+                <a:solidFill>
+                  <a:srgbClr val="333333"/>
+                </a:solidFill>
+                <a:effectLst/>
+                <a:latin typeface="Consolas" panose="020B0609020204030204" pitchFamily="49" charset="0"/>
+                <a:cs typeface="Consolas" panose="020B0609020204030204" pitchFamily="49" charset="0"/>
+              </a:rPr>
+              <a:t>ManagersDirectory</a:t>
+            </a:r>
+            <a:endParaRPr kumimoji="0" lang="en-US" altLang="en-US" sz="700" b="0" i="0" u="none" strike="noStrike" cap="none" normalizeH="0" baseline="0" dirty="0">
+              <a:ln>
+                <a:noFill/>
+              </a:ln>
+              <a:solidFill>
+                <a:schemeClr val="tx1"/>
+              </a:solidFill>
+              <a:effectLst/>
+            </a:endParaRPr>
+          </a:p>
+          <a:p>
+            <a:pPr marL="0" marR="0" lvl="0" indent="0" algn="l" defTabSz="914400" rtl="0" eaLnBrk="0" fontAlgn="base" latinLnBrk="0" hangingPunct="0">
+              <a:lnSpc>
+                <a:spcPct val="100000"/>
+              </a:lnSpc>
+              <a:spcBef>
+                <a:spcPct val="0"/>
+              </a:spcBef>
+              <a:spcAft>
+                <a:spcPct val="0"/>
+              </a:spcAft>
+              <a:buClrTx/>
+              <a:buSzTx/>
+              <a:buFontTx/>
+              <a:buNone/>
+              <a:tabLst/>
+            </a:pPr>
+            <a:r>
+              <a:rPr kumimoji="0" lang="en-US" altLang="en-US" sz="800" b="0" i="0" u="none" strike="noStrike" cap="none" normalizeH="0" baseline="0" dirty="0">
+                <a:ln>
+                  <a:noFill/>
+                </a:ln>
+                <a:solidFill>
+                  <a:srgbClr val="808080"/>
+                </a:solidFill>
+                <a:effectLst/>
+                <a:latin typeface="Consolas" panose="020B0609020204030204" pitchFamily="49" charset="0"/>
+                <a:cs typeface="Consolas" panose="020B0609020204030204" pitchFamily="49" charset="0"/>
+              </a:rPr>
+              <a:t>(</a:t>
+            </a:r>
+            <a:endParaRPr kumimoji="0" lang="en-US" altLang="en-US" sz="700" b="0" i="0" u="none" strike="noStrike" cap="none" normalizeH="0" baseline="0" dirty="0">
+              <a:ln>
+                <a:noFill/>
+              </a:ln>
+              <a:solidFill>
+                <a:schemeClr val="tx1"/>
+              </a:solidFill>
+              <a:effectLst/>
+            </a:endParaRPr>
+          </a:p>
+          <a:p>
+            <a:pPr marL="0" marR="0" lvl="0" indent="0" algn="l" defTabSz="914400" rtl="0" eaLnBrk="0" fontAlgn="base" latinLnBrk="0" hangingPunct="0">
+              <a:lnSpc>
+                <a:spcPct val="100000"/>
+              </a:lnSpc>
+              <a:spcBef>
+                <a:spcPct val="0"/>
+              </a:spcBef>
+              <a:spcAft>
+                <a:spcPct val="0"/>
+              </a:spcAft>
+              <a:buClrTx/>
+              <a:buSzTx/>
+              <a:buFontTx/>
+              <a:buNone/>
+              <a:tabLst/>
+            </a:pPr>
+            <a:r>
+              <a:rPr kumimoji="0" lang="en-US" altLang="en-US" sz="800" b="0" i="0" u="none" strike="noStrike" cap="none" normalizeH="0" baseline="0" dirty="0">
+                <a:ln>
+                  <a:noFill/>
+                </a:ln>
+                <a:solidFill>
+                  <a:srgbClr val="333333"/>
+                </a:solidFill>
+                <a:effectLst/>
+                <a:latin typeface="Consolas" panose="020B0609020204030204" pitchFamily="49" charset="0"/>
+                <a:cs typeface="Consolas" panose="020B0609020204030204" pitchFamily="49" charset="0"/>
+              </a:rPr>
+              <a:t>    </a:t>
+            </a:r>
+            <a:r>
+              <a:rPr kumimoji="0" lang="en-US" altLang="en-US" sz="800" b="0" i="0" u="none" strike="noStrike" cap="none" normalizeH="0" baseline="0" dirty="0" err="1">
+                <a:ln>
+                  <a:noFill/>
+                </a:ln>
+                <a:solidFill>
+                  <a:srgbClr val="333333"/>
+                </a:solidFill>
+                <a:effectLst/>
+                <a:latin typeface="Consolas" panose="020B0609020204030204" pitchFamily="49" charset="0"/>
+                <a:cs typeface="Consolas" panose="020B0609020204030204" pitchFamily="49" charset="0"/>
+              </a:rPr>
+              <a:t>ManagerID</a:t>
+            </a:r>
+            <a:r>
+              <a:rPr kumimoji="0" lang="en-US" altLang="en-US" sz="800" b="0" i="0" u="none" strike="noStrike" cap="none" normalizeH="0" baseline="0" dirty="0">
+                <a:ln>
+                  <a:noFill/>
+                </a:ln>
+                <a:solidFill>
+                  <a:srgbClr val="333333"/>
+                </a:solidFill>
+                <a:effectLst/>
+                <a:latin typeface="Consolas" panose="020B0609020204030204" pitchFamily="49" charset="0"/>
+                <a:cs typeface="Consolas" panose="020B0609020204030204" pitchFamily="49" charset="0"/>
+              </a:rPr>
+              <a:t>   </a:t>
+            </a:r>
+            <a:r>
+              <a:rPr kumimoji="0" lang="en-US" altLang="en-US" sz="800" b="0" i="0" u="none" strike="noStrike" cap="none" normalizeH="0" baseline="0" dirty="0">
+                <a:ln>
+                  <a:noFill/>
+                </a:ln>
+                <a:solidFill>
+                  <a:srgbClr val="0000FF"/>
+                </a:solidFill>
+                <a:effectLst/>
+                <a:latin typeface="Consolas" panose="020B0609020204030204" pitchFamily="49" charset="0"/>
+                <a:cs typeface="Consolas" panose="020B0609020204030204" pitchFamily="49" charset="0"/>
+              </a:rPr>
+              <a:t>INT</a:t>
+            </a:r>
+            <a:endParaRPr kumimoji="0" lang="en-US" altLang="en-US" sz="700" b="0" i="0" u="none" strike="noStrike" cap="none" normalizeH="0" baseline="0" dirty="0">
+              <a:ln>
+                <a:noFill/>
+              </a:ln>
+              <a:solidFill>
+                <a:schemeClr val="tx1"/>
+              </a:solidFill>
+              <a:effectLst/>
+            </a:endParaRPr>
+          </a:p>
+          <a:p>
+            <a:pPr marL="0" marR="0" lvl="0" indent="0" algn="l" defTabSz="914400" rtl="0" eaLnBrk="0" fontAlgn="base" latinLnBrk="0" hangingPunct="0">
+              <a:lnSpc>
+                <a:spcPct val="100000"/>
+              </a:lnSpc>
+              <a:spcBef>
+                <a:spcPct val="0"/>
+              </a:spcBef>
+              <a:spcAft>
+                <a:spcPct val="0"/>
+              </a:spcAft>
+              <a:buClrTx/>
+              <a:buSzTx/>
+              <a:buFontTx/>
+              <a:buNone/>
+              <a:tabLst/>
+            </a:pPr>
+            <a:r>
+              <a:rPr kumimoji="0" lang="en-US" altLang="en-US" sz="800" b="0" i="0" u="none" strike="noStrike" cap="none" normalizeH="0" baseline="0" dirty="0">
+                <a:ln>
+                  <a:noFill/>
+                </a:ln>
+                <a:solidFill>
+                  <a:srgbClr val="333333"/>
+                </a:solidFill>
+                <a:effectLst/>
+                <a:latin typeface="Consolas" panose="020B0609020204030204" pitchFamily="49" charset="0"/>
+                <a:cs typeface="Consolas" panose="020B0609020204030204" pitchFamily="49" charset="0"/>
+              </a:rPr>
+              <a:t>    </a:t>
+            </a:r>
+            <a:r>
+              <a:rPr kumimoji="0" lang="en-US" altLang="en-US" sz="800" b="0" i="0" u="none" strike="noStrike" cap="none" normalizeH="0" baseline="0" dirty="0">
+                <a:ln>
+                  <a:noFill/>
+                </a:ln>
+                <a:solidFill>
+                  <a:srgbClr val="808080"/>
+                </a:solidFill>
+                <a:effectLst/>
+                <a:latin typeface="Consolas" panose="020B0609020204030204" pitchFamily="49" charset="0"/>
+                <a:cs typeface="Consolas" panose="020B0609020204030204" pitchFamily="49" charset="0"/>
+              </a:rPr>
+              <a:t>,</a:t>
+            </a:r>
+            <a:r>
+              <a:rPr kumimoji="0" lang="en-US" altLang="en-US" sz="800" b="0" i="0" u="none" strike="noStrike" cap="none" normalizeH="0" baseline="0" dirty="0" err="1">
+                <a:ln>
+                  <a:noFill/>
+                </a:ln>
+                <a:solidFill>
+                  <a:srgbClr val="333333"/>
+                </a:solidFill>
+                <a:effectLst/>
+                <a:latin typeface="Consolas" panose="020B0609020204030204" pitchFamily="49" charset="0"/>
+                <a:cs typeface="Consolas" panose="020B0609020204030204" pitchFamily="49" charset="0"/>
+              </a:rPr>
+              <a:t>EmployeeID</a:t>
+            </a:r>
+            <a:r>
+              <a:rPr kumimoji="0" lang="en-US" altLang="en-US" sz="800" b="0" i="0" u="none" strike="noStrike" cap="none" normalizeH="0" baseline="0" dirty="0">
+                <a:ln>
+                  <a:noFill/>
+                </a:ln>
+                <a:solidFill>
+                  <a:srgbClr val="333333"/>
+                </a:solidFill>
+                <a:effectLst/>
+                <a:latin typeface="Consolas" panose="020B0609020204030204" pitchFamily="49" charset="0"/>
+                <a:cs typeface="Consolas" panose="020B0609020204030204" pitchFamily="49" charset="0"/>
+              </a:rPr>
+              <a:t> </a:t>
+            </a:r>
+            <a:r>
+              <a:rPr kumimoji="0" lang="en-US" altLang="en-US" sz="800" b="0" i="0" u="none" strike="noStrike" cap="none" normalizeH="0" baseline="0" dirty="0">
+                <a:ln>
+                  <a:noFill/>
+                </a:ln>
+                <a:solidFill>
+                  <a:srgbClr val="0000FF"/>
+                </a:solidFill>
+                <a:effectLst/>
+                <a:latin typeface="Consolas" panose="020B0609020204030204" pitchFamily="49" charset="0"/>
+                <a:cs typeface="Consolas" panose="020B0609020204030204" pitchFamily="49" charset="0"/>
+              </a:rPr>
+              <a:t>INT</a:t>
+            </a:r>
+            <a:endParaRPr kumimoji="0" lang="en-US" altLang="en-US" sz="700" b="0" i="0" u="none" strike="noStrike" cap="none" normalizeH="0" baseline="0" dirty="0">
+              <a:ln>
+                <a:noFill/>
+              </a:ln>
+              <a:solidFill>
+                <a:schemeClr val="tx1"/>
+              </a:solidFill>
+              <a:effectLst/>
+            </a:endParaRPr>
+          </a:p>
+          <a:p>
+            <a:pPr marL="0" marR="0" lvl="0" indent="0" algn="l" defTabSz="914400" rtl="0" eaLnBrk="0" fontAlgn="base" latinLnBrk="0" hangingPunct="0">
+              <a:lnSpc>
+                <a:spcPct val="100000"/>
+              </a:lnSpc>
+              <a:spcBef>
+                <a:spcPct val="0"/>
+              </a:spcBef>
+              <a:spcAft>
+                <a:spcPct val="0"/>
+              </a:spcAft>
+              <a:buClrTx/>
+              <a:buSzTx/>
+              <a:buFontTx/>
+              <a:buNone/>
+              <a:tabLst/>
+            </a:pPr>
+            <a:r>
+              <a:rPr kumimoji="0" lang="en-US" altLang="en-US" sz="800" b="0" i="0" u="none" strike="noStrike" cap="none" normalizeH="0" baseline="0" dirty="0">
+                <a:ln>
+                  <a:noFill/>
+                </a:ln>
+                <a:solidFill>
+                  <a:srgbClr val="333333"/>
+                </a:solidFill>
+                <a:effectLst/>
+                <a:latin typeface="Consolas" panose="020B0609020204030204" pitchFamily="49" charset="0"/>
+                <a:cs typeface="Consolas" panose="020B0609020204030204" pitchFamily="49" charset="0"/>
+              </a:rPr>
+              <a:t>    </a:t>
+            </a:r>
+            <a:r>
+              <a:rPr kumimoji="0" lang="en-US" altLang="en-US" sz="800" b="0" i="0" u="none" strike="noStrike" cap="none" normalizeH="0" baseline="0" dirty="0">
+                <a:ln>
+                  <a:noFill/>
+                </a:ln>
+                <a:solidFill>
+                  <a:srgbClr val="808080"/>
+                </a:solidFill>
+                <a:effectLst/>
+                <a:latin typeface="Consolas" panose="020B0609020204030204" pitchFamily="49" charset="0"/>
+                <a:cs typeface="Consolas" panose="020B0609020204030204" pitchFamily="49" charset="0"/>
+              </a:rPr>
+              <a:t>,</a:t>
+            </a:r>
+            <a:r>
+              <a:rPr kumimoji="0" lang="en-US" altLang="en-US" sz="800" b="0" i="0" u="none" strike="noStrike" cap="none" normalizeH="0" baseline="0" dirty="0">
+                <a:ln>
+                  <a:noFill/>
+                </a:ln>
+                <a:solidFill>
+                  <a:srgbClr val="0000FF"/>
+                </a:solidFill>
+                <a:effectLst/>
+                <a:latin typeface="Consolas" panose="020B0609020204030204" pitchFamily="49" charset="0"/>
+                <a:cs typeface="Consolas" panose="020B0609020204030204" pitchFamily="49" charset="0"/>
+              </a:rPr>
+              <a:t>CONSTRAINT</a:t>
+            </a:r>
+            <a:r>
+              <a:rPr kumimoji="0" lang="en-US" altLang="en-US" sz="800" b="0" i="0" u="none" strike="noStrike" cap="none" normalizeH="0" baseline="0" dirty="0">
+                <a:ln>
+                  <a:noFill/>
+                </a:ln>
+                <a:solidFill>
+                  <a:srgbClr val="333333"/>
+                </a:solidFill>
+                <a:effectLst/>
+                <a:latin typeface="Consolas" panose="020B0609020204030204" pitchFamily="49" charset="0"/>
+                <a:cs typeface="Consolas" panose="020B0609020204030204" pitchFamily="49" charset="0"/>
+              </a:rPr>
+              <a:t> md_pk1 </a:t>
+            </a:r>
+            <a:r>
+              <a:rPr kumimoji="0" lang="en-US" altLang="en-US" sz="800" b="0" i="0" u="none" strike="noStrike" cap="none" normalizeH="0" baseline="0" dirty="0">
+                <a:ln>
+                  <a:noFill/>
+                </a:ln>
+                <a:solidFill>
+                  <a:srgbClr val="0000FF"/>
+                </a:solidFill>
+                <a:effectLst/>
+                <a:latin typeface="Consolas" panose="020B0609020204030204" pitchFamily="49" charset="0"/>
+                <a:cs typeface="Consolas" panose="020B0609020204030204" pitchFamily="49" charset="0"/>
+              </a:rPr>
+              <a:t>PRIMARY</a:t>
+            </a:r>
+            <a:r>
+              <a:rPr kumimoji="0" lang="en-US" altLang="en-US" sz="800" b="0" i="0" u="none" strike="noStrike" cap="none" normalizeH="0" baseline="0" dirty="0">
+                <a:ln>
+                  <a:noFill/>
+                </a:ln>
+                <a:solidFill>
+                  <a:srgbClr val="333333"/>
+                </a:solidFill>
+                <a:effectLst/>
+                <a:latin typeface="Consolas" panose="020B0609020204030204" pitchFamily="49" charset="0"/>
+                <a:cs typeface="Consolas" panose="020B0609020204030204" pitchFamily="49" charset="0"/>
+              </a:rPr>
+              <a:t> </a:t>
+            </a:r>
+            <a:r>
+              <a:rPr kumimoji="0" lang="en-US" altLang="en-US" sz="800" b="0" i="0" u="none" strike="noStrike" cap="none" normalizeH="0" baseline="0" dirty="0">
+                <a:ln>
+                  <a:noFill/>
+                </a:ln>
+                <a:solidFill>
+                  <a:srgbClr val="0000FF"/>
+                </a:solidFill>
+                <a:effectLst/>
+                <a:latin typeface="Consolas" panose="020B0609020204030204" pitchFamily="49" charset="0"/>
+                <a:cs typeface="Consolas" panose="020B0609020204030204" pitchFamily="49" charset="0"/>
+              </a:rPr>
+              <a:t>KEY </a:t>
+            </a:r>
+            <a:r>
+              <a:rPr kumimoji="0" lang="en-US" altLang="en-US" sz="800" b="0" i="0" u="none" strike="noStrike" cap="none" normalizeH="0" baseline="0" dirty="0">
+                <a:ln>
+                  <a:noFill/>
+                </a:ln>
+                <a:solidFill>
+                  <a:srgbClr val="808080"/>
+                </a:solidFill>
+                <a:effectLst/>
+                <a:latin typeface="Consolas" panose="020B0609020204030204" pitchFamily="49" charset="0"/>
+                <a:cs typeface="Consolas" panose="020B0609020204030204" pitchFamily="49" charset="0"/>
+              </a:rPr>
+              <a:t>(</a:t>
+            </a:r>
+            <a:r>
+              <a:rPr kumimoji="0" lang="en-US" altLang="en-US" sz="800" b="0" i="0" u="none" strike="noStrike" cap="none" normalizeH="0" baseline="0" dirty="0" err="1">
+                <a:ln>
+                  <a:noFill/>
+                </a:ln>
+                <a:solidFill>
+                  <a:srgbClr val="333333"/>
+                </a:solidFill>
+                <a:effectLst/>
+                <a:latin typeface="Consolas" panose="020B0609020204030204" pitchFamily="49" charset="0"/>
+                <a:cs typeface="Consolas" panose="020B0609020204030204" pitchFamily="49" charset="0"/>
+              </a:rPr>
+              <a:t>ManagerID</a:t>
+            </a:r>
+            <a:r>
+              <a:rPr kumimoji="0" lang="en-US" altLang="en-US" sz="800" b="0" i="0" u="none" strike="noStrike" cap="none" normalizeH="0" baseline="0" dirty="0">
+                <a:ln>
+                  <a:noFill/>
+                </a:ln>
+                <a:solidFill>
+                  <a:srgbClr val="808080"/>
+                </a:solidFill>
+                <a:effectLst/>
+                <a:latin typeface="Consolas" panose="020B0609020204030204" pitchFamily="49" charset="0"/>
+                <a:cs typeface="Consolas" panose="020B0609020204030204" pitchFamily="49" charset="0"/>
+              </a:rPr>
+              <a:t>,</a:t>
+            </a:r>
+            <a:r>
+              <a:rPr kumimoji="0" lang="en-US" altLang="en-US" sz="800" b="0" i="0" u="none" strike="noStrike" cap="none" normalizeH="0" baseline="0" dirty="0">
+                <a:ln>
+                  <a:noFill/>
+                </a:ln>
+                <a:solidFill>
+                  <a:srgbClr val="333333"/>
+                </a:solidFill>
+                <a:effectLst/>
+                <a:latin typeface="Consolas" panose="020B0609020204030204" pitchFamily="49" charset="0"/>
+                <a:cs typeface="Consolas" panose="020B0609020204030204" pitchFamily="49" charset="0"/>
+              </a:rPr>
+              <a:t> </a:t>
+            </a:r>
+            <a:r>
+              <a:rPr kumimoji="0" lang="en-US" altLang="en-US" sz="800" b="0" i="0" u="none" strike="noStrike" cap="none" normalizeH="0" baseline="0" dirty="0" err="1">
+                <a:ln>
+                  <a:noFill/>
+                </a:ln>
+                <a:solidFill>
+                  <a:srgbClr val="333333"/>
+                </a:solidFill>
+                <a:effectLst/>
+                <a:latin typeface="Consolas" panose="020B0609020204030204" pitchFamily="49" charset="0"/>
+                <a:cs typeface="Consolas" panose="020B0609020204030204" pitchFamily="49" charset="0"/>
+              </a:rPr>
+              <a:t>EmployeeID</a:t>
+            </a:r>
+            <a:r>
+              <a:rPr kumimoji="0" lang="en-US" altLang="en-US" sz="800" b="0" i="0" u="none" strike="noStrike" cap="none" normalizeH="0" baseline="0" dirty="0">
+                <a:ln>
+                  <a:noFill/>
+                </a:ln>
+                <a:solidFill>
+                  <a:srgbClr val="808080"/>
+                </a:solidFill>
+                <a:effectLst/>
+                <a:latin typeface="Consolas" panose="020B0609020204030204" pitchFamily="49" charset="0"/>
+                <a:cs typeface="Consolas" panose="020B0609020204030204" pitchFamily="49" charset="0"/>
+              </a:rPr>
+              <a:t>)</a:t>
+            </a:r>
+            <a:endParaRPr kumimoji="0" lang="en-US" altLang="en-US" sz="700" b="0" i="0" u="none" strike="noStrike" cap="none" normalizeH="0" baseline="0" dirty="0">
+              <a:ln>
+                <a:noFill/>
+              </a:ln>
+              <a:solidFill>
+                <a:schemeClr val="tx1"/>
+              </a:solidFill>
+              <a:effectLst/>
+            </a:endParaRPr>
+          </a:p>
+          <a:p>
+            <a:pPr marL="0" marR="0" lvl="0" indent="0" algn="l" defTabSz="914400" rtl="0" eaLnBrk="0" fontAlgn="base" latinLnBrk="0" hangingPunct="0">
+              <a:lnSpc>
+                <a:spcPct val="100000"/>
+              </a:lnSpc>
+              <a:spcBef>
+                <a:spcPct val="0"/>
+              </a:spcBef>
+              <a:spcAft>
+                <a:spcPct val="0"/>
+              </a:spcAft>
+              <a:buClrTx/>
+              <a:buSzTx/>
+              <a:buFontTx/>
+              <a:buNone/>
+              <a:tabLst/>
+            </a:pPr>
+            <a:r>
+              <a:rPr kumimoji="0" lang="en-US" altLang="en-US" sz="800" b="0" i="0" u="none" strike="noStrike" cap="none" normalizeH="0" baseline="0" dirty="0">
+                <a:ln>
+                  <a:noFill/>
+                </a:ln>
+                <a:solidFill>
+                  <a:srgbClr val="808080"/>
+                </a:solidFill>
+                <a:effectLst/>
+                <a:latin typeface="Consolas" panose="020B0609020204030204" pitchFamily="49" charset="0"/>
+                <a:cs typeface="Consolas" panose="020B0609020204030204" pitchFamily="49" charset="0"/>
+              </a:rPr>
+              <a:t>);</a:t>
+            </a:r>
+            <a:endParaRPr kumimoji="0" lang="en-US" altLang="en-US" sz="700" b="0" i="0" u="none" strike="noStrike" cap="none" normalizeH="0" baseline="0" dirty="0">
+              <a:ln>
+                <a:noFill/>
+              </a:ln>
+              <a:solidFill>
+                <a:schemeClr val="tx1"/>
+              </a:solidFill>
+              <a:effectLst/>
+            </a:endParaRPr>
+          </a:p>
+          <a:p>
+            <a:pPr marL="0" marR="0" lvl="0" indent="0" algn="l" defTabSz="914400" rtl="0" eaLnBrk="0" fontAlgn="base" latinLnBrk="0" hangingPunct="0">
+              <a:lnSpc>
+                <a:spcPct val="100000"/>
+              </a:lnSpc>
+              <a:spcBef>
+                <a:spcPct val="0"/>
+              </a:spcBef>
+              <a:spcAft>
+                <a:spcPct val="0"/>
+              </a:spcAft>
+              <a:buClrTx/>
+              <a:buSzTx/>
+              <a:buFontTx/>
+              <a:buNone/>
+              <a:tabLst/>
+            </a:pPr>
+            <a:r>
+              <a:rPr kumimoji="0" lang="en-US" altLang="en-US" sz="800" b="0" i="0" u="none" strike="noStrike" cap="none" normalizeH="0" baseline="0" dirty="0">
+                <a:ln>
+                  <a:noFill/>
+                </a:ln>
+                <a:solidFill>
+                  <a:srgbClr val="0000FF"/>
+                </a:solidFill>
+                <a:effectLst/>
+                <a:latin typeface="Consolas" panose="020B0609020204030204" pitchFamily="49" charset="0"/>
+                <a:cs typeface="Consolas" panose="020B0609020204030204" pitchFamily="49" charset="0"/>
+              </a:rPr>
+              <a:t>GO</a:t>
+            </a:r>
+            <a:endParaRPr kumimoji="0" lang="en-US" altLang="en-US" sz="1800" b="0" i="0" u="none" strike="noStrike" cap="none" normalizeH="0" baseline="0" dirty="0">
+              <a:ln>
+                <a:noFill/>
+              </a:ln>
+              <a:solidFill>
+                <a:schemeClr val="tx1"/>
+              </a:solidFill>
+              <a:effectLst/>
+              <a:latin typeface="Arial" panose="020B0604020202020204" pitchFamily="34" charset="0"/>
+            </a:endParaRPr>
+          </a:p>
+        </p:txBody>
+      </p:sp>
+      <p:sp>
+        <p:nvSpPr>
+          <p:cNvPr id="6" name="Rectangle 5"/>
+          <p:cNvSpPr/>
+          <p:nvPr/>
+        </p:nvSpPr>
+        <p:spPr>
+          <a:xfrm>
+            <a:off x="4295827" y="3095478"/>
+            <a:ext cx="4572000" cy="523220"/>
+          </a:xfrm>
+          <a:prstGeom prst="rect">
+            <a:avLst/>
+          </a:prstGeom>
+        </p:spPr>
+        <p:txBody>
+          <a:bodyPr>
+            <a:spAutoFit/>
+          </a:bodyPr>
+          <a:lstStyle/>
+          <a:p>
+            <a:r>
+              <a:rPr lang="en-US" dirty="0"/>
+              <a:t>https://www.simple-talk.com/sql/performance/the-performance-of-traversing-a-sql-hierarchy-/</a:t>
+            </a:r>
+          </a:p>
+        </p:txBody>
+      </p:sp>
+    </p:spTree>
+    <p:extLst>
+      <p:ext uri="{BB962C8B-B14F-4D97-AF65-F5344CB8AC3E}">
+        <p14:creationId xmlns:p14="http://schemas.microsoft.com/office/powerpoint/2010/main" val="1537406503"/>
+      </p:ext>
+    </p:extLst>
+  </p:cSld>
+  <p:clrMapOvr>
+    <a:masterClrMapping/>
+  </p:clrMapOvr>
+</p:sld>
+</file>
+
 <file path=ppt/slides/slide26.xml><?xml version="1.0" encoding="utf-8"?>
 <p:sld xmlns:a="http://schemas.openxmlformats.org/drawingml/2006/main" xmlns:r="http://schemas.openxmlformats.org/officeDocument/2006/relationships" xmlns:p="http://schemas.openxmlformats.org/presentationml/2006/main">
   <p:cSld>
@@ -15110,7 +15989,7 @@
               <a:defRPr/>
             </a:pPr>
             <a:r>
-              <a:rPr lang="en-US" sz="1600" b="1" i="1" dirty="0"/>
+              <a:rPr lang="en-US" sz="1600" dirty="0"/>
               <a:t>Adjacency List Model</a:t>
             </a:r>
           </a:p>
@@ -15131,7 +16010,7 @@
               <a:defRPr/>
             </a:pPr>
             <a:r>
-              <a:rPr lang="en-US" sz="1600" dirty="0"/>
+              <a:rPr lang="en-US" sz="1600" b="1" i="1" dirty="0"/>
               <a:t>Nested Set Model of Hierarchies</a:t>
             </a:r>
           </a:p>
@@ -15205,863 +16084,51 @@
           </a:p>
         </p:txBody>
       </p:sp>
-      <p:sp>
-        <p:nvSpPr>
-          <p:cNvPr id="5" name="Rectangle 2"/>
-          <p:cNvSpPr>
-            <a:spLocks noChangeArrowheads="1"/>
-          </p:cNvSpPr>
+      <p:pic>
+        <p:nvPicPr>
+          <p:cNvPr id="2050" name="Picture 2" descr="https://upload.wikimedia.org/wikipedia/commons/thumb/4/41/NestedSetModel.svg/400px-NestedSetModel.svg.png"/>
+          <p:cNvPicPr>
+            <a:picLocks noChangeAspect="1" noChangeArrowheads="1"/>
+          </p:cNvPicPr>
           <p:nvPr/>
-        </p:nvSpPr>
+        </p:nvPicPr>
+        <p:blipFill>
+          <a:blip r:embed="rId3">
+            <a:extLst>
+              <a:ext uri="{28A0092B-C50C-407E-A947-70E740481C1C}">
+                <a14:useLocalDpi xmlns:a14="http://schemas.microsoft.com/office/drawing/2010/main" val="0"/>
+              </a:ext>
+            </a:extLst>
+          </a:blip>
+          <a:srcRect/>
+          <a:stretch>
+            <a:fillRect/>
+          </a:stretch>
+        </p:blipFill>
         <p:spPr bwMode="auto">
           <a:xfrm>
-            <a:off x="4295827" y="1337417"/>
-            <a:ext cx="4347196" cy="954107"/>
+            <a:off x="3421296" y="872103"/>
+            <a:ext cx="5326294" cy="3528671"/>
           </a:xfrm>
           <a:prstGeom prst="rect">
             <a:avLst/>
           </a:prstGeom>
           <a:noFill/>
-          <a:ln>
-            <a:noFill/>
-          </a:ln>
-          <a:effectLst/>
           <a:extLst>
             <a:ext uri="{909E8E84-426E-40DD-AFC4-6F175D3DCCD1}">
               <a14:hiddenFill xmlns:a14="http://schemas.microsoft.com/office/drawing/2010/main">
                 <a:solidFill>
-                  <a:schemeClr val="accent1"/>
+                  <a:srgbClr val="FFFFFF"/>
                 </a:solidFill>
               </a14:hiddenFill>
-            </a:ext>
-            <a:ext uri="{91240B29-F687-4F45-9708-019B960494DF}">
-              <a14:hiddenLine xmlns:a14="http://schemas.microsoft.com/office/drawing/2010/main" w="9525">
-                <a:solidFill>
-                  <a:schemeClr val="tx1"/>
-                </a:solidFill>
-                <a:miter lim="800000"/>
-                <a:headEnd/>
-                <a:tailEnd/>
-              </a14:hiddenLine>
-            </a:ext>
-            <a:ext uri="{AF507438-7753-43E0-B8FC-AC1667EBCBE1}">
-              <a14:hiddenEffects xmlns:a14="http://schemas.microsoft.com/office/drawing/2010/main">
-                <a:effectLst>
-                  <a:outerShdw dist="35921" dir="2700000" algn="ctr" rotWithShape="0">
-                    <a:schemeClr val="bg2"/>
-                  </a:outerShdw>
-                </a:effectLst>
-              </a14:hiddenEffects>
             </a:ext>
           </a:extLst>
         </p:spPr>
-        <p:txBody>
-          <a:bodyPr vert="horz" wrap="square" lIns="91440" tIns="45720" rIns="91440" bIns="45720" numCol="1" anchor="ctr" anchorCtr="0" compatLnSpc="1">
-            <a:prstTxWarp prst="textNoShape">
-              <a:avLst/>
-            </a:prstTxWarp>
-            <a:spAutoFit/>
-          </a:bodyPr>
-          <a:lstStyle>
-            <a:lvl1pPr eaLnBrk="0" fontAlgn="base" hangingPunct="0">
-              <a:spcBef>
-                <a:spcPct val="0"/>
-              </a:spcBef>
-              <a:spcAft>
-                <a:spcPct val="0"/>
-              </a:spcAft>
-              <a:defRPr>
-                <a:solidFill>
-                  <a:schemeClr val="tx1"/>
-                </a:solidFill>
-                <a:latin typeface="Arial" panose="020B0604020202020204" pitchFamily="34" charset="0"/>
-              </a:defRPr>
-            </a:lvl1pPr>
-            <a:lvl2pPr marL="457200" eaLnBrk="0" fontAlgn="base" hangingPunct="0">
-              <a:spcBef>
-                <a:spcPct val="0"/>
-              </a:spcBef>
-              <a:spcAft>
-                <a:spcPct val="0"/>
-              </a:spcAft>
-              <a:defRPr>
-                <a:solidFill>
-                  <a:schemeClr val="tx1"/>
-                </a:solidFill>
-                <a:latin typeface="Arial" panose="020B0604020202020204" pitchFamily="34" charset="0"/>
-              </a:defRPr>
-            </a:lvl2pPr>
-            <a:lvl3pPr marL="914400" eaLnBrk="0" fontAlgn="base" hangingPunct="0">
-              <a:spcBef>
-                <a:spcPct val="0"/>
-              </a:spcBef>
-              <a:spcAft>
-                <a:spcPct val="0"/>
-              </a:spcAft>
-              <a:defRPr>
-                <a:solidFill>
-                  <a:schemeClr val="tx1"/>
-                </a:solidFill>
-                <a:latin typeface="Arial" panose="020B0604020202020204" pitchFamily="34" charset="0"/>
-              </a:defRPr>
-            </a:lvl3pPr>
-            <a:lvl4pPr marL="1371600" eaLnBrk="0" fontAlgn="base" hangingPunct="0">
-              <a:spcBef>
-                <a:spcPct val="0"/>
-              </a:spcBef>
-              <a:spcAft>
-                <a:spcPct val="0"/>
-              </a:spcAft>
-              <a:defRPr>
-                <a:solidFill>
-                  <a:schemeClr val="tx1"/>
-                </a:solidFill>
-                <a:latin typeface="Arial" panose="020B0604020202020204" pitchFamily="34" charset="0"/>
-              </a:defRPr>
-            </a:lvl4pPr>
-            <a:lvl5pPr marL="1828800" eaLnBrk="0" fontAlgn="base" hangingPunct="0">
-              <a:spcBef>
-                <a:spcPct val="0"/>
-              </a:spcBef>
-              <a:spcAft>
-                <a:spcPct val="0"/>
-              </a:spcAft>
-              <a:defRPr>
-                <a:solidFill>
-                  <a:schemeClr val="tx1"/>
-                </a:solidFill>
-                <a:latin typeface="Arial" panose="020B0604020202020204" pitchFamily="34" charset="0"/>
-              </a:defRPr>
-            </a:lvl5pPr>
-            <a:lvl6pPr marL="2286000" eaLnBrk="0" fontAlgn="base" hangingPunct="0">
-              <a:spcBef>
-                <a:spcPct val="0"/>
-              </a:spcBef>
-              <a:spcAft>
-                <a:spcPct val="0"/>
-              </a:spcAft>
-              <a:defRPr>
-                <a:solidFill>
-                  <a:schemeClr val="tx1"/>
-                </a:solidFill>
-                <a:latin typeface="Arial" panose="020B0604020202020204" pitchFamily="34" charset="0"/>
-              </a:defRPr>
-            </a:lvl6pPr>
-            <a:lvl7pPr marL="2743200" eaLnBrk="0" fontAlgn="base" hangingPunct="0">
-              <a:spcBef>
-                <a:spcPct val="0"/>
-              </a:spcBef>
-              <a:spcAft>
-                <a:spcPct val="0"/>
-              </a:spcAft>
-              <a:defRPr>
-                <a:solidFill>
-                  <a:schemeClr val="tx1"/>
-                </a:solidFill>
-                <a:latin typeface="Arial" panose="020B0604020202020204" pitchFamily="34" charset="0"/>
-              </a:defRPr>
-            </a:lvl7pPr>
-            <a:lvl8pPr marL="3200400" eaLnBrk="0" fontAlgn="base" hangingPunct="0">
-              <a:spcBef>
-                <a:spcPct val="0"/>
-              </a:spcBef>
-              <a:spcAft>
-                <a:spcPct val="0"/>
-              </a:spcAft>
-              <a:defRPr>
-                <a:solidFill>
-                  <a:schemeClr val="tx1"/>
-                </a:solidFill>
-                <a:latin typeface="Arial" panose="020B0604020202020204" pitchFamily="34" charset="0"/>
-              </a:defRPr>
-            </a:lvl8pPr>
-            <a:lvl9pPr marL="3657600" eaLnBrk="0" fontAlgn="base" hangingPunct="0">
-              <a:spcBef>
-                <a:spcPct val="0"/>
-              </a:spcBef>
-              <a:spcAft>
-                <a:spcPct val="0"/>
-              </a:spcAft>
-              <a:defRPr>
-                <a:solidFill>
-                  <a:schemeClr val="tx1"/>
-                </a:solidFill>
-                <a:latin typeface="Arial" panose="020B0604020202020204" pitchFamily="34" charset="0"/>
-              </a:defRPr>
-            </a:lvl9pPr>
-          </a:lstStyle>
-          <a:p>
-            <a:pPr marL="0" marR="0" lvl="0" indent="0" algn="l" defTabSz="914400" rtl="0" eaLnBrk="0" fontAlgn="base" latinLnBrk="0" hangingPunct="0">
-              <a:lnSpc>
-                <a:spcPct val="100000"/>
-              </a:lnSpc>
-              <a:spcBef>
-                <a:spcPct val="0"/>
-              </a:spcBef>
-              <a:spcAft>
-                <a:spcPct val="0"/>
-              </a:spcAft>
-              <a:buClrTx/>
-              <a:buSzTx/>
-              <a:buFontTx/>
-              <a:buNone/>
-              <a:tabLst/>
-            </a:pPr>
-            <a:r>
-              <a:rPr kumimoji="0" lang="en-US" altLang="en-US" sz="800" b="0" i="0" u="none" strike="noStrike" cap="none" normalizeH="0" baseline="0" dirty="0">
-                <a:ln>
-                  <a:noFill/>
-                </a:ln>
-                <a:solidFill>
-                  <a:srgbClr val="0000FF"/>
-                </a:solidFill>
-                <a:effectLst/>
-                <a:latin typeface="Consolas" panose="020B0609020204030204" pitchFamily="49" charset="0"/>
-                <a:cs typeface="Consolas" panose="020B0609020204030204" pitchFamily="49" charset="0"/>
-              </a:rPr>
-              <a:t>CREATE</a:t>
-            </a:r>
-            <a:r>
-              <a:rPr kumimoji="0" lang="en-US" altLang="en-US" sz="800" b="0" i="0" u="none" strike="noStrike" cap="none" normalizeH="0" baseline="0" dirty="0">
-                <a:ln>
-                  <a:noFill/>
-                </a:ln>
-                <a:solidFill>
-                  <a:srgbClr val="333333"/>
-                </a:solidFill>
-                <a:effectLst/>
-                <a:latin typeface="Consolas" panose="020B0609020204030204" pitchFamily="49" charset="0"/>
-                <a:cs typeface="Consolas" panose="020B0609020204030204" pitchFamily="49" charset="0"/>
-              </a:rPr>
-              <a:t> </a:t>
-            </a:r>
-            <a:r>
-              <a:rPr kumimoji="0" lang="en-US" altLang="en-US" sz="800" b="0" i="0" u="none" strike="noStrike" cap="none" normalizeH="0" baseline="0" dirty="0">
-                <a:ln>
-                  <a:noFill/>
-                </a:ln>
-                <a:solidFill>
-                  <a:srgbClr val="0000FF"/>
-                </a:solidFill>
-                <a:effectLst/>
-                <a:latin typeface="Consolas" panose="020B0609020204030204" pitchFamily="49" charset="0"/>
-                <a:cs typeface="Consolas" panose="020B0609020204030204" pitchFamily="49" charset="0"/>
-              </a:rPr>
-              <a:t>TABLE</a:t>
-            </a:r>
-            <a:r>
-              <a:rPr kumimoji="0" lang="en-US" altLang="en-US" sz="800" b="0" i="0" u="none" strike="noStrike" cap="none" normalizeH="0" baseline="0" dirty="0">
-                <a:ln>
-                  <a:noFill/>
-                </a:ln>
-                <a:solidFill>
-                  <a:srgbClr val="333333"/>
-                </a:solidFill>
-                <a:effectLst/>
-                <a:latin typeface="Consolas" panose="020B0609020204030204" pitchFamily="49" charset="0"/>
-                <a:cs typeface="Consolas" panose="020B0609020204030204" pitchFamily="49" charset="0"/>
-              </a:rPr>
-              <a:t> </a:t>
-            </a:r>
-            <a:r>
-              <a:rPr kumimoji="0" lang="en-US" altLang="en-US" sz="800" b="0" i="0" u="none" strike="noStrike" cap="none" normalizeH="0" baseline="0" dirty="0" err="1">
-                <a:ln>
-                  <a:noFill/>
-                </a:ln>
-                <a:solidFill>
-                  <a:srgbClr val="333333"/>
-                </a:solidFill>
-                <a:effectLst/>
-                <a:latin typeface="Consolas" panose="020B0609020204030204" pitchFamily="49" charset="0"/>
-                <a:cs typeface="Consolas" panose="020B0609020204030204" pitchFamily="49" charset="0"/>
-              </a:rPr>
-              <a:t>dbo</a:t>
-            </a:r>
-            <a:r>
-              <a:rPr kumimoji="0" lang="en-US" altLang="en-US" sz="800" b="0" i="0" u="none" strike="noStrike" cap="none" normalizeH="0" baseline="0" dirty="0" err="1">
-                <a:ln>
-                  <a:noFill/>
-                </a:ln>
-                <a:solidFill>
-                  <a:srgbClr val="808080"/>
-                </a:solidFill>
-                <a:effectLst/>
-                <a:latin typeface="Consolas" panose="020B0609020204030204" pitchFamily="49" charset="0"/>
-                <a:cs typeface="Consolas" panose="020B0609020204030204" pitchFamily="49" charset="0"/>
-              </a:rPr>
-              <a:t>.</a:t>
-            </a:r>
-            <a:r>
-              <a:rPr kumimoji="0" lang="en-US" altLang="en-US" sz="800" b="0" i="0" u="none" strike="noStrike" cap="none" normalizeH="0" baseline="0" dirty="0" err="1">
-                <a:ln>
-                  <a:noFill/>
-                </a:ln>
-                <a:solidFill>
-                  <a:srgbClr val="333333"/>
-                </a:solidFill>
-                <a:effectLst/>
-                <a:latin typeface="Consolas" panose="020B0609020204030204" pitchFamily="49" charset="0"/>
-                <a:cs typeface="Consolas" panose="020B0609020204030204" pitchFamily="49" charset="0"/>
-              </a:rPr>
-              <a:t>ManagersDirectory</a:t>
-            </a:r>
-            <a:endParaRPr kumimoji="0" lang="en-US" altLang="en-US" sz="700" b="0" i="0" u="none" strike="noStrike" cap="none" normalizeH="0" baseline="0" dirty="0">
-              <a:ln>
-                <a:noFill/>
-              </a:ln>
-              <a:solidFill>
-                <a:schemeClr val="tx1"/>
-              </a:solidFill>
-              <a:effectLst/>
-            </a:endParaRPr>
-          </a:p>
-          <a:p>
-            <a:pPr marL="0" marR="0" lvl="0" indent="0" algn="l" defTabSz="914400" rtl="0" eaLnBrk="0" fontAlgn="base" latinLnBrk="0" hangingPunct="0">
-              <a:lnSpc>
-                <a:spcPct val="100000"/>
-              </a:lnSpc>
-              <a:spcBef>
-                <a:spcPct val="0"/>
-              </a:spcBef>
-              <a:spcAft>
-                <a:spcPct val="0"/>
-              </a:spcAft>
-              <a:buClrTx/>
-              <a:buSzTx/>
-              <a:buFontTx/>
-              <a:buNone/>
-              <a:tabLst/>
-            </a:pPr>
-            <a:r>
-              <a:rPr kumimoji="0" lang="en-US" altLang="en-US" sz="800" b="0" i="0" u="none" strike="noStrike" cap="none" normalizeH="0" baseline="0" dirty="0">
-                <a:ln>
-                  <a:noFill/>
-                </a:ln>
-                <a:solidFill>
-                  <a:srgbClr val="808080"/>
-                </a:solidFill>
-                <a:effectLst/>
-                <a:latin typeface="Consolas" panose="020B0609020204030204" pitchFamily="49" charset="0"/>
-                <a:cs typeface="Consolas" panose="020B0609020204030204" pitchFamily="49" charset="0"/>
-              </a:rPr>
-              <a:t>(</a:t>
-            </a:r>
-            <a:endParaRPr kumimoji="0" lang="en-US" altLang="en-US" sz="700" b="0" i="0" u="none" strike="noStrike" cap="none" normalizeH="0" baseline="0" dirty="0">
-              <a:ln>
-                <a:noFill/>
-              </a:ln>
-              <a:solidFill>
-                <a:schemeClr val="tx1"/>
-              </a:solidFill>
-              <a:effectLst/>
-            </a:endParaRPr>
-          </a:p>
-          <a:p>
-            <a:pPr marL="0" marR="0" lvl="0" indent="0" algn="l" defTabSz="914400" rtl="0" eaLnBrk="0" fontAlgn="base" latinLnBrk="0" hangingPunct="0">
-              <a:lnSpc>
-                <a:spcPct val="100000"/>
-              </a:lnSpc>
-              <a:spcBef>
-                <a:spcPct val="0"/>
-              </a:spcBef>
-              <a:spcAft>
-                <a:spcPct val="0"/>
-              </a:spcAft>
-              <a:buClrTx/>
-              <a:buSzTx/>
-              <a:buFontTx/>
-              <a:buNone/>
-              <a:tabLst/>
-            </a:pPr>
-            <a:r>
-              <a:rPr kumimoji="0" lang="en-US" altLang="en-US" sz="800" b="0" i="0" u="none" strike="noStrike" cap="none" normalizeH="0" baseline="0" dirty="0">
-                <a:ln>
-                  <a:noFill/>
-                </a:ln>
-                <a:solidFill>
-                  <a:srgbClr val="333333"/>
-                </a:solidFill>
-                <a:effectLst/>
-                <a:latin typeface="Consolas" panose="020B0609020204030204" pitchFamily="49" charset="0"/>
-                <a:cs typeface="Consolas" panose="020B0609020204030204" pitchFamily="49" charset="0"/>
-              </a:rPr>
-              <a:t>    </a:t>
-            </a:r>
-            <a:r>
-              <a:rPr kumimoji="0" lang="en-US" altLang="en-US" sz="800" b="0" i="0" u="none" strike="noStrike" cap="none" normalizeH="0" baseline="0" dirty="0" err="1">
-                <a:ln>
-                  <a:noFill/>
-                </a:ln>
-                <a:solidFill>
-                  <a:srgbClr val="333333"/>
-                </a:solidFill>
-                <a:effectLst/>
-                <a:latin typeface="Consolas" panose="020B0609020204030204" pitchFamily="49" charset="0"/>
-                <a:cs typeface="Consolas" panose="020B0609020204030204" pitchFamily="49" charset="0"/>
-              </a:rPr>
-              <a:t>ManagerID</a:t>
-            </a:r>
-            <a:r>
-              <a:rPr kumimoji="0" lang="en-US" altLang="en-US" sz="800" b="0" i="0" u="none" strike="noStrike" cap="none" normalizeH="0" baseline="0" dirty="0">
-                <a:ln>
-                  <a:noFill/>
-                </a:ln>
-                <a:solidFill>
-                  <a:srgbClr val="333333"/>
-                </a:solidFill>
-                <a:effectLst/>
-                <a:latin typeface="Consolas" panose="020B0609020204030204" pitchFamily="49" charset="0"/>
-                <a:cs typeface="Consolas" panose="020B0609020204030204" pitchFamily="49" charset="0"/>
-              </a:rPr>
-              <a:t>   </a:t>
-            </a:r>
-            <a:r>
-              <a:rPr kumimoji="0" lang="en-US" altLang="en-US" sz="800" b="0" i="0" u="none" strike="noStrike" cap="none" normalizeH="0" baseline="0" dirty="0">
-                <a:ln>
-                  <a:noFill/>
-                </a:ln>
-                <a:solidFill>
-                  <a:srgbClr val="0000FF"/>
-                </a:solidFill>
-                <a:effectLst/>
-                <a:latin typeface="Consolas" panose="020B0609020204030204" pitchFamily="49" charset="0"/>
-                <a:cs typeface="Consolas" panose="020B0609020204030204" pitchFamily="49" charset="0"/>
-              </a:rPr>
-              <a:t>INT</a:t>
-            </a:r>
-            <a:endParaRPr kumimoji="0" lang="en-US" altLang="en-US" sz="700" b="0" i="0" u="none" strike="noStrike" cap="none" normalizeH="0" baseline="0" dirty="0">
-              <a:ln>
-                <a:noFill/>
-              </a:ln>
-              <a:solidFill>
-                <a:schemeClr val="tx1"/>
-              </a:solidFill>
-              <a:effectLst/>
-            </a:endParaRPr>
-          </a:p>
-          <a:p>
-            <a:pPr marL="0" marR="0" lvl="0" indent="0" algn="l" defTabSz="914400" rtl="0" eaLnBrk="0" fontAlgn="base" latinLnBrk="0" hangingPunct="0">
-              <a:lnSpc>
-                <a:spcPct val="100000"/>
-              </a:lnSpc>
-              <a:spcBef>
-                <a:spcPct val="0"/>
-              </a:spcBef>
-              <a:spcAft>
-                <a:spcPct val="0"/>
-              </a:spcAft>
-              <a:buClrTx/>
-              <a:buSzTx/>
-              <a:buFontTx/>
-              <a:buNone/>
-              <a:tabLst/>
-            </a:pPr>
-            <a:r>
-              <a:rPr kumimoji="0" lang="en-US" altLang="en-US" sz="800" b="0" i="0" u="none" strike="noStrike" cap="none" normalizeH="0" baseline="0" dirty="0">
-                <a:ln>
-                  <a:noFill/>
-                </a:ln>
-                <a:solidFill>
-                  <a:srgbClr val="333333"/>
-                </a:solidFill>
-                <a:effectLst/>
-                <a:latin typeface="Consolas" panose="020B0609020204030204" pitchFamily="49" charset="0"/>
-                <a:cs typeface="Consolas" panose="020B0609020204030204" pitchFamily="49" charset="0"/>
-              </a:rPr>
-              <a:t>    </a:t>
-            </a:r>
-            <a:r>
-              <a:rPr kumimoji="0" lang="en-US" altLang="en-US" sz="800" b="0" i="0" u="none" strike="noStrike" cap="none" normalizeH="0" baseline="0" dirty="0">
-                <a:ln>
-                  <a:noFill/>
-                </a:ln>
-                <a:solidFill>
-                  <a:srgbClr val="808080"/>
-                </a:solidFill>
-                <a:effectLst/>
-                <a:latin typeface="Consolas" panose="020B0609020204030204" pitchFamily="49" charset="0"/>
-                <a:cs typeface="Consolas" panose="020B0609020204030204" pitchFamily="49" charset="0"/>
-              </a:rPr>
-              <a:t>,</a:t>
-            </a:r>
-            <a:r>
-              <a:rPr kumimoji="0" lang="en-US" altLang="en-US" sz="800" b="0" i="0" u="none" strike="noStrike" cap="none" normalizeH="0" baseline="0" dirty="0" err="1">
-                <a:ln>
-                  <a:noFill/>
-                </a:ln>
-                <a:solidFill>
-                  <a:srgbClr val="333333"/>
-                </a:solidFill>
-                <a:effectLst/>
-                <a:latin typeface="Consolas" panose="020B0609020204030204" pitchFamily="49" charset="0"/>
-                <a:cs typeface="Consolas" panose="020B0609020204030204" pitchFamily="49" charset="0"/>
-              </a:rPr>
-              <a:t>EmployeeID</a:t>
-            </a:r>
-            <a:r>
-              <a:rPr kumimoji="0" lang="en-US" altLang="en-US" sz="800" b="0" i="0" u="none" strike="noStrike" cap="none" normalizeH="0" baseline="0" dirty="0">
-                <a:ln>
-                  <a:noFill/>
-                </a:ln>
-                <a:solidFill>
-                  <a:srgbClr val="333333"/>
-                </a:solidFill>
-                <a:effectLst/>
-                <a:latin typeface="Consolas" panose="020B0609020204030204" pitchFamily="49" charset="0"/>
-                <a:cs typeface="Consolas" panose="020B0609020204030204" pitchFamily="49" charset="0"/>
-              </a:rPr>
-              <a:t> </a:t>
-            </a:r>
-            <a:r>
-              <a:rPr kumimoji="0" lang="en-US" altLang="en-US" sz="800" b="0" i="0" u="none" strike="noStrike" cap="none" normalizeH="0" baseline="0" dirty="0">
-                <a:ln>
-                  <a:noFill/>
-                </a:ln>
-                <a:solidFill>
-                  <a:srgbClr val="0000FF"/>
-                </a:solidFill>
-                <a:effectLst/>
-                <a:latin typeface="Consolas" panose="020B0609020204030204" pitchFamily="49" charset="0"/>
-                <a:cs typeface="Consolas" panose="020B0609020204030204" pitchFamily="49" charset="0"/>
-              </a:rPr>
-              <a:t>INT</a:t>
-            </a:r>
-            <a:endParaRPr kumimoji="0" lang="en-US" altLang="en-US" sz="700" b="0" i="0" u="none" strike="noStrike" cap="none" normalizeH="0" baseline="0" dirty="0">
-              <a:ln>
-                <a:noFill/>
-              </a:ln>
-              <a:solidFill>
-                <a:schemeClr val="tx1"/>
-              </a:solidFill>
-              <a:effectLst/>
-            </a:endParaRPr>
-          </a:p>
-          <a:p>
-            <a:pPr marL="0" marR="0" lvl="0" indent="0" algn="l" defTabSz="914400" rtl="0" eaLnBrk="0" fontAlgn="base" latinLnBrk="0" hangingPunct="0">
-              <a:lnSpc>
-                <a:spcPct val="100000"/>
-              </a:lnSpc>
-              <a:spcBef>
-                <a:spcPct val="0"/>
-              </a:spcBef>
-              <a:spcAft>
-                <a:spcPct val="0"/>
-              </a:spcAft>
-              <a:buClrTx/>
-              <a:buSzTx/>
-              <a:buFontTx/>
-              <a:buNone/>
-              <a:tabLst/>
-            </a:pPr>
-            <a:r>
-              <a:rPr kumimoji="0" lang="en-US" altLang="en-US" sz="800" b="0" i="0" u="none" strike="noStrike" cap="none" normalizeH="0" baseline="0" dirty="0">
-                <a:ln>
-                  <a:noFill/>
-                </a:ln>
-                <a:solidFill>
-                  <a:srgbClr val="333333"/>
-                </a:solidFill>
-                <a:effectLst/>
-                <a:latin typeface="Consolas" panose="020B0609020204030204" pitchFamily="49" charset="0"/>
-                <a:cs typeface="Consolas" panose="020B0609020204030204" pitchFamily="49" charset="0"/>
-              </a:rPr>
-              <a:t>    </a:t>
-            </a:r>
-            <a:r>
-              <a:rPr kumimoji="0" lang="en-US" altLang="en-US" sz="800" b="0" i="0" u="none" strike="noStrike" cap="none" normalizeH="0" baseline="0" dirty="0">
-                <a:ln>
-                  <a:noFill/>
-                </a:ln>
-                <a:solidFill>
-                  <a:srgbClr val="808080"/>
-                </a:solidFill>
-                <a:effectLst/>
-                <a:latin typeface="Consolas" panose="020B0609020204030204" pitchFamily="49" charset="0"/>
-                <a:cs typeface="Consolas" panose="020B0609020204030204" pitchFamily="49" charset="0"/>
-              </a:rPr>
-              <a:t>,</a:t>
-            </a:r>
-            <a:r>
-              <a:rPr kumimoji="0" lang="en-US" altLang="en-US" sz="800" b="0" i="0" u="none" strike="noStrike" cap="none" normalizeH="0" baseline="0" dirty="0">
-                <a:ln>
-                  <a:noFill/>
-                </a:ln>
-                <a:solidFill>
-                  <a:srgbClr val="0000FF"/>
-                </a:solidFill>
-                <a:effectLst/>
-                <a:latin typeface="Consolas" panose="020B0609020204030204" pitchFamily="49" charset="0"/>
-                <a:cs typeface="Consolas" panose="020B0609020204030204" pitchFamily="49" charset="0"/>
-              </a:rPr>
-              <a:t>CONSTRAINT</a:t>
-            </a:r>
-            <a:r>
-              <a:rPr kumimoji="0" lang="en-US" altLang="en-US" sz="800" b="0" i="0" u="none" strike="noStrike" cap="none" normalizeH="0" baseline="0" dirty="0">
-                <a:ln>
-                  <a:noFill/>
-                </a:ln>
-                <a:solidFill>
-                  <a:srgbClr val="333333"/>
-                </a:solidFill>
-                <a:effectLst/>
-                <a:latin typeface="Consolas" panose="020B0609020204030204" pitchFamily="49" charset="0"/>
-                <a:cs typeface="Consolas" panose="020B0609020204030204" pitchFamily="49" charset="0"/>
-              </a:rPr>
-              <a:t> md_pk1 </a:t>
-            </a:r>
-            <a:r>
-              <a:rPr kumimoji="0" lang="en-US" altLang="en-US" sz="800" b="0" i="0" u="none" strike="noStrike" cap="none" normalizeH="0" baseline="0" dirty="0">
-                <a:ln>
-                  <a:noFill/>
-                </a:ln>
-                <a:solidFill>
-                  <a:srgbClr val="0000FF"/>
-                </a:solidFill>
-                <a:effectLst/>
-                <a:latin typeface="Consolas" panose="020B0609020204030204" pitchFamily="49" charset="0"/>
-                <a:cs typeface="Consolas" panose="020B0609020204030204" pitchFamily="49" charset="0"/>
-              </a:rPr>
-              <a:t>PRIMARY</a:t>
-            </a:r>
-            <a:r>
-              <a:rPr kumimoji="0" lang="en-US" altLang="en-US" sz="800" b="0" i="0" u="none" strike="noStrike" cap="none" normalizeH="0" baseline="0" dirty="0">
-                <a:ln>
-                  <a:noFill/>
-                </a:ln>
-                <a:solidFill>
-                  <a:srgbClr val="333333"/>
-                </a:solidFill>
-                <a:effectLst/>
-                <a:latin typeface="Consolas" panose="020B0609020204030204" pitchFamily="49" charset="0"/>
-                <a:cs typeface="Consolas" panose="020B0609020204030204" pitchFamily="49" charset="0"/>
-              </a:rPr>
-              <a:t> </a:t>
-            </a:r>
-            <a:r>
-              <a:rPr kumimoji="0" lang="en-US" altLang="en-US" sz="800" b="0" i="0" u="none" strike="noStrike" cap="none" normalizeH="0" baseline="0" dirty="0">
-                <a:ln>
-                  <a:noFill/>
-                </a:ln>
-                <a:solidFill>
-                  <a:srgbClr val="0000FF"/>
-                </a:solidFill>
-                <a:effectLst/>
-                <a:latin typeface="Consolas" panose="020B0609020204030204" pitchFamily="49" charset="0"/>
-                <a:cs typeface="Consolas" panose="020B0609020204030204" pitchFamily="49" charset="0"/>
-              </a:rPr>
-              <a:t>KEY </a:t>
-            </a:r>
-            <a:r>
-              <a:rPr kumimoji="0" lang="en-US" altLang="en-US" sz="800" b="0" i="0" u="none" strike="noStrike" cap="none" normalizeH="0" baseline="0" dirty="0">
-                <a:ln>
-                  <a:noFill/>
-                </a:ln>
-                <a:solidFill>
-                  <a:srgbClr val="808080"/>
-                </a:solidFill>
-                <a:effectLst/>
-                <a:latin typeface="Consolas" panose="020B0609020204030204" pitchFamily="49" charset="0"/>
-                <a:cs typeface="Consolas" panose="020B0609020204030204" pitchFamily="49" charset="0"/>
-              </a:rPr>
-              <a:t>(</a:t>
-            </a:r>
-            <a:r>
-              <a:rPr kumimoji="0" lang="en-US" altLang="en-US" sz="800" b="0" i="0" u="none" strike="noStrike" cap="none" normalizeH="0" baseline="0" dirty="0" err="1">
-                <a:ln>
-                  <a:noFill/>
-                </a:ln>
-                <a:solidFill>
-                  <a:srgbClr val="333333"/>
-                </a:solidFill>
-                <a:effectLst/>
-                <a:latin typeface="Consolas" panose="020B0609020204030204" pitchFamily="49" charset="0"/>
-                <a:cs typeface="Consolas" panose="020B0609020204030204" pitchFamily="49" charset="0"/>
-              </a:rPr>
-              <a:t>ManagerID</a:t>
-            </a:r>
-            <a:r>
-              <a:rPr kumimoji="0" lang="en-US" altLang="en-US" sz="800" b="0" i="0" u="none" strike="noStrike" cap="none" normalizeH="0" baseline="0" dirty="0">
-                <a:ln>
-                  <a:noFill/>
-                </a:ln>
-                <a:solidFill>
-                  <a:srgbClr val="808080"/>
-                </a:solidFill>
-                <a:effectLst/>
-                <a:latin typeface="Consolas" panose="020B0609020204030204" pitchFamily="49" charset="0"/>
-                <a:cs typeface="Consolas" panose="020B0609020204030204" pitchFamily="49" charset="0"/>
-              </a:rPr>
-              <a:t>,</a:t>
-            </a:r>
-            <a:r>
-              <a:rPr kumimoji="0" lang="en-US" altLang="en-US" sz="800" b="0" i="0" u="none" strike="noStrike" cap="none" normalizeH="0" baseline="0" dirty="0">
-                <a:ln>
-                  <a:noFill/>
-                </a:ln>
-                <a:solidFill>
-                  <a:srgbClr val="333333"/>
-                </a:solidFill>
-                <a:effectLst/>
-                <a:latin typeface="Consolas" panose="020B0609020204030204" pitchFamily="49" charset="0"/>
-                <a:cs typeface="Consolas" panose="020B0609020204030204" pitchFamily="49" charset="0"/>
-              </a:rPr>
-              <a:t> </a:t>
-            </a:r>
-            <a:r>
-              <a:rPr kumimoji="0" lang="en-US" altLang="en-US" sz="800" b="0" i="0" u="none" strike="noStrike" cap="none" normalizeH="0" baseline="0" dirty="0" err="1">
-                <a:ln>
-                  <a:noFill/>
-                </a:ln>
-                <a:solidFill>
-                  <a:srgbClr val="333333"/>
-                </a:solidFill>
-                <a:effectLst/>
-                <a:latin typeface="Consolas" panose="020B0609020204030204" pitchFamily="49" charset="0"/>
-                <a:cs typeface="Consolas" panose="020B0609020204030204" pitchFamily="49" charset="0"/>
-              </a:rPr>
-              <a:t>EmployeeID</a:t>
-            </a:r>
-            <a:r>
-              <a:rPr kumimoji="0" lang="en-US" altLang="en-US" sz="800" b="0" i="0" u="none" strike="noStrike" cap="none" normalizeH="0" baseline="0" dirty="0">
-                <a:ln>
-                  <a:noFill/>
-                </a:ln>
-                <a:solidFill>
-                  <a:srgbClr val="808080"/>
-                </a:solidFill>
-                <a:effectLst/>
-                <a:latin typeface="Consolas" panose="020B0609020204030204" pitchFamily="49" charset="0"/>
-                <a:cs typeface="Consolas" panose="020B0609020204030204" pitchFamily="49" charset="0"/>
-              </a:rPr>
-              <a:t>)</a:t>
-            </a:r>
-            <a:endParaRPr kumimoji="0" lang="en-US" altLang="en-US" sz="700" b="0" i="0" u="none" strike="noStrike" cap="none" normalizeH="0" baseline="0" dirty="0">
-              <a:ln>
-                <a:noFill/>
-              </a:ln>
-              <a:solidFill>
-                <a:schemeClr val="tx1"/>
-              </a:solidFill>
-              <a:effectLst/>
-            </a:endParaRPr>
-          </a:p>
-          <a:p>
-            <a:pPr marL="0" marR="0" lvl="0" indent="0" algn="l" defTabSz="914400" rtl="0" eaLnBrk="0" fontAlgn="base" latinLnBrk="0" hangingPunct="0">
-              <a:lnSpc>
-                <a:spcPct val="100000"/>
-              </a:lnSpc>
-              <a:spcBef>
-                <a:spcPct val="0"/>
-              </a:spcBef>
-              <a:spcAft>
-                <a:spcPct val="0"/>
-              </a:spcAft>
-              <a:buClrTx/>
-              <a:buSzTx/>
-              <a:buFontTx/>
-              <a:buNone/>
-              <a:tabLst/>
-            </a:pPr>
-            <a:r>
-              <a:rPr kumimoji="0" lang="en-US" altLang="en-US" sz="800" b="0" i="0" u="none" strike="noStrike" cap="none" normalizeH="0" baseline="0" dirty="0">
-                <a:ln>
-                  <a:noFill/>
-                </a:ln>
-                <a:solidFill>
-                  <a:srgbClr val="808080"/>
-                </a:solidFill>
-                <a:effectLst/>
-                <a:latin typeface="Consolas" panose="020B0609020204030204" pitchFamily="49" charset="0"/>
-                <a:cs typeface="Consolas" panose="020B0609020204030204" pitchFamily="49" charset="0"/>
-              </a:rPr>
-              <a:t>);</a:t>
-            </a:r>
-            <a:endParaRPr kumimoji="0" lang="en-US" altLang="en-US" sz="700" b="0" i="0" u="none" strike="noStrike" cap="none" normalizeH="0" baseline="0" dirty="0">
-              <a:ln>
-                <a:noFill/>
-              </a:ln>
-              <a:solidFill>
-                <a:schemeClr val="tx1"/>
-              </a:solidFill>
-              <a:effectLst/>
-            </a:endParaRPr>
-          </a:p>
-          <a:p>
-            <a:pPr marL="0" marR="0" lvl="0" indent="0" algn="l" defTabSz="914400" rtl="0" eaLnBrk="0" fontAlgn="base" latinLnBrk="0" hangingPunct="0">
-              <a:lnSpc>
-                <a:spcPct val="100000"/>
-              </a:lnSpc>
-              <a:spcBef>
-                <a:spcPct val="0"/>
-              </a:spcBef>
-              <a:spcAft>
-                <a:spcPct val="0"/>
-              </a:spcAft>
-              <a:buClrTx/>
-              <a:buSzTx/>
-              <a:buFontTx/>
-              <a:buNone/>
-              <a:tabLst/>
-            </a:pPr>
-            <a:r>
-              <a:rPr kumimoji="0" lang="en-US" altLang="en-US" sz="800" b="0" i="0" u="none" strike="noStrike" cap="none" normalizeH="0" baseline="0" dirty="0">
-                <a:ln>
-                  <a:noFill/>
-                </a:ln>
-                <a:solidFill>
-                  <a:srgbClr val="0000FF"/>
-                </a:solidFill>
-                <a:effectLst/>
-                <a:latin typeface="Consolas" panose="020B0609020204030204" pitchFamily="49" charset="0"/>
-                <a:cs typeface="Consolas" panose="020B0609020204030204" pitchFamily="49" charset="0"/>
-              </a:rPr>
-              <a:t>GO</a:t>
-            </a:r>
-            <a:endParaRPr kumimoji="0" lang="en-US" altLang="en-US" sz="1800" b="0" i="0" u="none" strike="noStrike" cap="none" normalizeH="0" baseline="0" dirty="0">
-              <a:ln>
-                <a:noFill/>
-              </a:ln>
-              <a:solidFill>
-                <a:schemeClr val="tx1"/>
-              </a:solidFill>
-              <a:effectLst/>
-              <a:latin typeface="Arial" panose="020B0604020202020204" pitchFamily="34" charset="0"/>
-            </a:endParaRPr>
-          </a:p>
-        </p:txBody>
-      </p:sp>
-      <p:sp>
-        <p:nvSpPr>
-          <p:cNvPr id="6" name="Rectangle 5"/>
-          <p:cNvSpPr/>
-          <p:nvPr/>
-        </p:nvSpPr>
-        <p:spPr>
-          <a:xfrm>
-            <a:off x="4295827" y="3095478"/>
-            <a:ext cx="4572000" cy="523220"/>
-          </a:xfrm>
-          <a:prstGeom prst="rect">
-            <a:avLst/>
-          </a:prstGeom>
-        </p:spPr>
-        <p:txBody>
-          <a:bodyPr>
-            <a:spAutoFit/>
-          </a:bodyPr>
-          <a:lstStyle/>
-          <a:p>
-            <a:r>
-              <a:rPr lang="en-US" dirty="0"/>
-              <a:t>https://www.simple-talk.com/sql/performance/the-performance-of-traversing-a-sql-hierarchy-/</a:t>
-            </a:r>
-          </a:p>
-        </p:txBody>
-      </p:sp>
+      </p:pic>
     </p:spTree>
     <p:extLst>
       <p:ext uri="{BB962C8B-B14F-4D97-AF65-F5344CB8AC3E}">
-        <p14:creationId xmlns:p14="http://schemas.microsoft.com/office/powerpoint/2010/main" val="1537406503"/>
+        <p14:creationId xmlns:p14="http://schemas.microsoft.com/office/powerpoint/2010/main" val="4256264519"/>
       </p:ext>
     </p:extLst>
   </p:cSld>
@@ -16569,7 +16636,7 @@
       </p:sp>
       <p:pic>
         <p:nvPicPr>
-          <p:cNvPr id="2050" name="Picture 2" descr="https://upload.wikimedia.org/wikipedia/commons/thumb/4/41/NestedSetModel.svg/400px-NestedSetModel.svg.png"/>
+          <p:cNvPr id="3074" name="Picture 2" descr="https://upload.wikimedia.org/wikipedia/commons/thumb/b/b5/Clothing-hierarchy-traversal-2.svg/400px-Clothing-hierarchy-traversal-2.svg.png"/>
           <p:cNvPicPr>
             <a:picLocks noChangeAspect="1" noChangeArrowheads="1"/>
           </p:cNvPicPr>
@@ -16590,8 +16657,8 @@
         </p:blipFill>
         <p:spPr bwMode="auto">
           <a:xfrm>
-            <a:off x="3421296" y="872103"/>
-            <a:ext cx="5326294" cy="3528671"/>
+            <a:off x="4213867" y="1273795"/>
+            <a:ext cx="3810000" cy="2552700"/>
           </a:xfrm>
           <a:prstGeom prst="rect">
             <a:avLst/>
@@ -16611,7 +16678,7 @@
     </p:spTree>
     <p:extLst>
       <p:ext uri="{BB962C8B-B14F-4D97-AF65-F5344CB8AC3E}">
-        <p14:creationId xmlns:p14="http://schemas.microsoft.com/office/powerpoint/2010/main" val="4256264519"/>
+        <p14:creationId xmlns:p14="http://schemas.microsoft.com/office/powerpoint/2010/main" val="3372983144"/>
       </p:ext>
     </p:extLst>
   </p:cSld>
@@ -17043,7 +17110,7 @@
               <a:defRPr/>
             </a:pPr>
             <a:r>
-              <a:rPr lang="en-US" sz="1600" b="1" i="1" dirty="0"/>
+              <a:rPr lang="en-US" sz="1600" dirty="0"/>
               <a:t>Nested Set Model of Hierarchies</a:t>
             </a:r>
           </a:p>
@@ -17064,7 +17131,7 @@
               <a:defRPr/>
             </a:pPr>
             <a:r>
-              <a:rPr lang="en-US" sz="1600" dirty="0" err="1">
+              <a:rPr lang="en-US" sz="1600" b="1" i="1" dirty="0" err="1">
                 <a:solidFill>
                   <a:srgbClr val="444444"/>
                 </a:solidFill>
@@ -17072,7 +17139,7 @@
               </a:rPr>
               <a:t>HierarchyID</a:t>
             </a:r>
-            <a:endParaRPr lang="en-US" sz="1600" dirty="0">
+            <a:endParaRPr lang="en-US" sz="1600" b="1" i="1" dirty="0">
               <a:solidFill>
                 <a:srgbClr val="444444"/>
               </a:solidFill>
@@ -17083,85 +17150,36 @@
       </p:sp>
       <p:sp>
         <p:nvSpPr>
-          <p:cNvPr id="3" name="Rectangle 2"/>
+          <p:cNvPr id="2" name="Rectangle 1"/>
           <p:cNvSpPr/>
           <p:nvPr/>
         </p:nvSpPr>
         <p:spPr>
           <a:xfrm>
-            <a:off x="4651737" y="4400774"/>
-            <a:ext cx="3991285" cy="307777"/>
+            <a:off x="4572000" y="3738248"/>
+            <a:ext cx="4572000" cy="523220"/>
           </a:xfrm>
           <a:prstGeom prst="rect">
             <a:avLst/>
           </a:prstGeom>
         </p:spPr>
         <p:txBody>
-          <a:bodyPr wrap="none">
+          <a:bodyPr>
             <a:spAutoFit/>
           </a:bodyPr>
           <a:lstStyle/>
           <a:p>
             <a:r>
               <a:rPr lang="en-US" dirty="0"/>
-              <a:t>Joe </a:t>
-            </a:r>
-            <a:r>
-              <a:rPr lang="en-US" dirty="0" err="1"/>
-              <a:t>Celko’s</a:t>
-            </a:r>
-            <a:r>
-              <a:rPr lang="en-US" dirty="0"/>
-              <a:t> Trees and Hierarchies in SQL for Smarties</a:t>
+              <a:t>https://technet.microsoft.com/ru-ru/library/bb677290(v=sql.105).aspx</a:t>
             </a:r>
           </a:p>
         </p:txBody>
       </p:sp>
-      <p:pic>
-        <p:nvPicPr>
-          <p:cNvPr id="3074" name="Picture 2" descr="https://upload.wikimedia.org/wikipedia/commons/thumb/b/b5/Clothing-hierarchy-traversal-2.svg/400px-Clothing-hierarchy-traversal-2.svg.png"/>
-          <p:cNvPicPr>
-            <a:picLocks noChangeAspect="1" noChangeArrowheads="1"/>
-          </p:cNvPicPr>
-          <p:nvPr/>
-        </p:nvPicPr>
-        <p:blipFill>
-          <a:blip r:embed="rId3">
-            <a:extLst>
-              <a:ext uri="{28A0092B-C50C-407E-A947-70E740481C1C}">
-                <a14:useLocalDpi xmlns:a14="http://schemas.microsoft.com/office/drawing/2010/main" val="0"/>
-              </a:ext>
-            </a:extLst>
-          </a:blip>
-          <a:srcRect/>
-          <a:stretch>
-            <a:fillRect/>
-          </a:stretch>
-        </p:blipFill>
-        <p:spPr bwMode="auto">
-          <a:xfrm>
-            <a:off x="4213867" y="1273795"/>
-            <a:ext cx="3810000" cy="2552700"/>
-          </a:xfrm>
-          <a:prstGeom prst="rect">
-            <a:avLst/>
-          </a:prstGeom>
-          <a:noFill/>
-          <a:extLst>
-            <a:ext uri="{909E8E84-426E-40DD-AFC4-6F175D3DCCD1}">
-              <a14:hiddenFill xmlns:a14="http://schemas.microsoft.com/office/drawing/2010/main">
-                <a:solidFill>
-                  <a:srgbClr val="FFFFFF"/>
-                </a:solidFill>
-              </a14:hiddenFill>
-            </a:ext>
-          </a:extLst>
-        </p:spPr>
-      </p:pic>
     </p:spTree>
     <p:extLst>
       <p:ext uri="{BB962C8B-B14F-4D97-AF65-F5344CB8AC3E}">
-        <p14:creationId xmlns:p14="http://schemas.microsoft.com/office/powerpoint/2010/main" val="3372983144"/>
+        <p14:creationId xmlns:p14="http://schemas.microsoft.com/office/powerpoint/2010/main" val="1516627830"/>
       </p:ext>
     </p:extLst>
   </p:cSld>
@@ -17190,37 +17208,52 @@
       </p:grpSpPr>
       <p:sp>
         <p:nvSpPr>
-          <p:cNvPr id="13" name="Text Placeholder 12"/>
-          <p:cNvSpPr>
-            <a:spLocks noGrp="1"/>
-          </p:cNvSpPr>
-          <p:nvPr>
-            <p:ph type="body" sz="quarter" idx="10"/>
-          </p:nvPr>
+          <p:cNvPr id="5" name="Rectangle 4"/>
+          <p:cNvSpPr/>
+          <p:nvPr/>
         </p:nvSpPr>
-        <p:spPr/>
+        <p:spPr>
+          <a:xfrm>
+            <a:off x="0" y="0"/>
+            <a:ext cx="9144000" cy="4826639"/>
+          </a:xfrm>
+          <a:prstGeom prst="rect">
+            <a:avLst/>
+          </a:prstGeom>
+          <a:solidFill>
+            <a:srgbClr val="77CED7"/>
+          </a:solidFill>
+          <a:ln>
+            <a:noFill/>
+          </a:ln>
+          <a:effectLst/>
+        </p:spPr>
+        <p:style>
+          <a:lnRef idx="1">
+            <a:schemeClr val="accent1"/>
+          </a:lnRef>
+          <a:fillRef idx="3">
+            <a:schemeClr val="accent1"/>
+          </a:fillRef>
+          <a:effectRef idx="2">
+            <a:schemeClr val="accent1"/>
+          </a:effectRef>
+          <a:fontRef idx="minor">
+            <a:schemeClr val="lt1"/>
+          </a:fontRef>
+        </p:style>
         <p:txBody>
-          <a:bodyPr>
-            <a:normAutofit/>
-          </a:bodyPr>
+          <a:bodyPr rtlCol="0" anchor="ctr"/>
           <a:lstStyle/>
           <a:p>
-            <a:pPr>
-              <a:buClr>
-                <a:schemeClr val="bg1"/>
-              </a:buClr>
-              <a:buSzPct val="140000"/>
-            </a:pPr>
-            <a:r>
-              <a:rPr lang="en-US" b="1" dirty="0"/>
-              <a:t>Design for  OLTP Database</a:t>
-            </a:r>
+            <a:pPr algn="ctr"/>
+            <a:endParaRPr lang="en-US"/>
           </a:p>
         </p:txBody>
       </p:sp>
       <p:sp>
         <p:nvSpPr>
-          <p:cNvPr id="25" name="Text Placeholder 4"/>
+          <p:cNvPr id="6" name="Text Placeholder 3"/>
           <p:cNvSpPr txBox="1">
             <a:spLocks/>
           </p:cNvSpPr>
@@ -17228,219 +17261,48 @@
         </p:nvSpPr>
         <p:spPr>
           <a:xfrm>
-            <a:off x="236117" y="953766"/>
-            <a:ext cx="1117357" cy="295466"/>
-          </a:xfrm>
-          <a:prstGeom prst="rect">
-            <a:avLst/>
-          </a:prstGeom>
-          <a:solidFill>
-            <a:srgbClr val="39C2D7"/>
-          </a:solidFill>
-          <a:ln>
-            <a:noFill/>
-          </a:ln>
-        </p:spPr>
-        <p:txBody>
-          <a:bodyPr wrap="none" lIns="68580" tIns="54864" rIns="68580" bIns="54864" anchor="ctr" anchorCtr="0">
-            <a:spAutoFit/>
-          </a:bodyPr>
-          <a:lstStyle>
-            <a:lvl1pPr marL="0" indent="0" algn="l" defTabSz="457200" rtl="0" eaLnBrk="1" latinLnBrk="0" hangingPunct="1">
-              <a:spcBef>
-                <a:spcPts val="0"/>
-              </a:spcBef>
-              <a:buClr>
-                <a:schemeClr val="accent2"/>
-              </a:buClr>
-              <a:buFont typeface="Arial"/>
-              <a:buNone/>
-              <a:defRPr sz="1200" kern="1200">
-                <a:solidFill>
-                  <a:schemeClr val="bg1"/>
-                </a:solidFill>
-                <a:latin typeface="Arial Black"/>
-                <a:ea typeface="+mn-ea"/>
-                <a:cs typeface="Arial Black"/>
-              </a:defRPr>
-            </a:lvl1pPr>
-            <a:lvl2pPr marL="742950" indent="-285750" algn="l" defTabSz="457200" rtl="0" eaLnBrk="1" latinLnBrk="0" hangingPunct="1">
-              <a:spcBef>
-                <a:spcPct val="20000"/>
-              </a:spcBef>
-              <a:buFont typeface="Arial"/>
-              <a:buChar char="–"/>
-              <a:defRPr sz="1800" kern="1200">
-                <a:solidFill>
-                  <a:schemeClr val="tx1"/>
-                </a:solidFill>
-                <a:latin typeface="Trebuchet MS"/>
-                <a:ea typeface="+mn-ea"/>
-                <a:cs typeface="Trebuchet MS"/>
-              </a:defRPr>
-            </a:lvl2pPr>
-            <a:lvl3pPr marL="1143000" indent="-228600" algn="l" defTabSz="457200" rtl="0" eaLnBrk="1" latinLnBrk="0" hangingPunct="1">
-              <a:spcBef>
-                <a:spcPct val="20000"/>
-              </a:spcBef>
-              <a:buFont typeface="Arial"/>
-              <a:buChar char="•"/>
-              <a:defRPr sz="1600" kern="1200">
-                <a:solidFill>
-                  <a:schemeClr val="tx1"/>
-                </a:solidFill>
-                <a:latin typeface="Trebuchet MS"/>
-                <a:ea typeface="+mn-ea"/>
-                <a:cs typeface="Trebuchet MS"/>
-              </a:defRPr>
-            </a:lvl3pPr>
-            <a:lvl4pPr marL="1600200" indent="-228600" algn="l" defTabSz="457200" rtl="0" eaLnBrk="1" latinLnBrk="0" hangingPunct="1">
-              <a:spcBef>
-                <a:spcPct val="20000"/>
-              </a:spcBef>
-              <a:buFont typeface="Arial"/>
-              <a:buChar char="–"/>
-              <a:defRPr sz="1300" kern="1200">
-                <a:solidFill>
-                  <a:schemeClr val="tx1"/>
-                </a:solidFill>
-                <a:latin typeface="Trebuchet MS"/>
-                <a:ea typeface="+mn-ea"/>
-                <a:cs typeface="Trebuchet MS"/>
-              </a:defRPr>
-            </a:lvl4pPr>
-            <a:lvl5pPr marL="2057400" indent="-228600" algn="l" defTabSz="457200" rtl="0" eaLnBrk="1" latinLnBrk="0" hangingPunct="1">
-              <a:spcBef>
-                <a:spcPct val="20000"/>
-              </a:spcBef>
-              <a:buFont typeface="Arial"/>
-              <a:buChar char="»"/>
-              <a:defRPr sz="1100" kern="1200">
-                <a:solidFill>
-                  <a:schemeClr val="tx1"/>
-                </a:solidFill>
-                <a:latin typeface="Trebuchet MS"/>
-                <a:ea typeface="+mn-ea"/>
-                <a:cs typeface="Trebuchet MS"/>
-              </a:defRPr>
-            </a:lvl5pPr>
-            <a:lvl6pPr marL="2514600" indent="-228600" algn="l" defTabSz="457200" rtl="0" eaLnBrk="1" latinLnBrk="0" hangingPunct="1">
-              <a:spcBef>
-                <a:spcPct val="20000"/>
-              </a:spcBef>
-              <a:buFont typeface="Arial"/>
-              <a:buChar char="•"/>
-              <a:defRPr sz="2000" kern="1200">
-                <a:solidFill>
-                  <a:schemeClr val="tx1"/>
-                </a:solidFill>
-                <a:latin typeface="+mn-lt"/>
-                <a:ea typeface="+mn-ea"/>
-                <a:cs typeface="+mn-cs"/>
-              </a:defRPr>
-            </a:lvl6pPr>
-            <a:lvl7pPr marL="2971800" indent="-228600" algn="l" defTabSz="457200" rtl="0" eaLnBrk="1" latinLnBrk="0" hangingPunct="1">
-              <a:spcBef>
-                <a:spcPct val="20000"/>
-              </a:spcBef>
-              <a:buFont typeface="Arial"/>
-              <a:buChar char="•"/>
-              <a:defRPr sz="2000" kern="1200">
-                <a:solidFill>
-                  <a:schemeClr val="tx1"/>
-                </a:solidFill>
-                <a:latin typeface="+mn-lt"/>
-                <a:ea typeface="+mn-ea"/>
-                <a:cs typeface="+mn-cs"/>
-              </a:defRPr>
-            </a:lvl7pPr>
-            <a:lvl8pPr marL="3429000" indent="-228600" algn="l" defTabSz="457200" rtl="0" eaLnBrk="1" latinLnBrk="0" hangingPunct="1">
-              <a:spcBef>
-                <a:spcPct val="20000"/>
-              </a:spcBef>
-              <a:buFont typeface="Arial"/>
-              <a:buChar char="•"/>
-              <a:defRPr sz="2000" kern="1200">
-                <a:solidFill>
-                  <a:schemeClr val="tx1"/>
-                </a:solidFill>
-                <a:latin typeface="+mn-lt"/>
-                <a:ea typeface="+mn-ea"/>
-                <a:cs typeface="+mn-cs"/>
-              </a:defRPr>
-            </a:lvl8pPr>
-            <a:lvl9pPr marL="3886200" indent="-228600" algn="l" defTabSz="457200" rtl="0" eaLnBrk="1" latinLnBrk="0" hangingPunct="1">
-              <a:spcBef>
-                <a:spcPct val="20000"/>
-              </a:spcBef>
-              <a:buFont typeface="Arial"/>
-              <a:buChar char="•"/>
-              <a:defRPr sz="2000" kern="1200">
-                <a:solidFill>
-                  <a:schemeClr val="tx1"/>
-                </a:solidFill>
-                <a:latin typeface="+mn-lt"/>
-                <a:ea typeface="+mn-ea"/>
-                <a:cs typeface="+mn-cs"/>
-              </a:defRPr>
-            </a:lvl9pPr>
-          </a:lstStyle>
-          <a:p>
-            <a:pPr>
-              <a:buClr>
-                <a:schemeClr val="bg1"/>
-              </a:buClr>
-              <a:buSzPct val="140000"/>
-            </a:pPr>
-            <a:r>
-              <a:rPr lang="en-US" b="1" dirty="0"/>
-              <a:t>Hierarchies</a:t>
-            </a:r>
-          </a:p>
-        </p:txBody>
-      </p:sp>
-      <p:sp>
-        <p:nvSpPr>
-          <p:cNvPr id="11" name="Content Placeholder 2"/>
-          <p:cNvSpPr txBox="1">
-            <a:spLocks/>
-          </p:cNvSpPr>
-          <p:nvPr/>
-        </p:nvSpPr>
-        <p:spPr>
-          <a:xfrm>
-            <a:off x="386227" y="1503470"/>
-            <a:ext cx="4134402" cy="3287972"/>
+            <a:off x="1780954" y="2098360"/>
+            <a:ext cx="5582093" cy="587388"/>
           </a:xfrm>
           <a:prstGeom prst="rect">
             <a:avLst/>
           </a:prstGeom>
         </p:spPr>
         <p:txBody>
-          <a:bodyPr/>
+          <a:bodyPr anchor="ctr"/>
           <a:lstStyle>
-            <a:lvl1pPr marL="257175" indent="-257175" algn="l" defTabSz="342900" rtl="0" eaLnBrk="1" latinLnBrk="0" hangingPunct="1">
-              <a:spcBef>
-                <a:spcPct val="20000"/>
-              </a:spcBef>
-              <a:buFont typeface="Arial"/>
-              <a:buChar char="•"/>
-              <a:defRPr sz="2400" kern="1200">
-                <a:solidFill>
-                  <a:schemeClr val="tx1"/>
-                </a:solidFill>
-                <a:latin typeface="+mn-lt"/>
-                <a:ea typeface="+mn-ea"/>
-                <a:cs typeface="+mn-cs"/>
+            <a:lvl1pPr marL="0" indent="0" algn="l" defTabSz="342875" rtl="0" eaLnBrk="1" latinLnBrk="0" hangingPunct="1">
+              <a:spcBef>
+                <a:spcPct val="20000"/>
+              </a:spcBef>
+              <a:spcAft>
+                <a:spcPts val="300"/>
+              </a:spcAft>
+              <a:buFont typeface="Arial"/>
+              <a:buNone/>
+              <a:defRPr sz="1200" b="0" i="0" kern="1200">
+                <a:solidFill>
+                  <a:schemeClr val="tx1"/>
+                </a:solidFill>
+                <a:latin typeface="+mn-lt"/>
+                <a:ea typeface="+mn-ea"/>
+                <a:cs typeface="Trebuchet MS Bold Italic"/>
               </a:defRPr>
             </a:lvl1pPr>
-            <a:lvl2pPr marL="557213" indent="-214313" algn="l" defTabSz="342900" rtl="0" eaLnBrk="1" latinLnBrk="0" hangingPunct="1">
-              <a:spcBef>
-                <a:spcPct val="20000"/>
-              </a:spcBef>
-              <a:buFont typeface="Arial"/>
-              <a:buChar char="–"/>
-              <a:defRPr sz="2100" kern="1200">
+            <a:lvl2pPr marL="228582" indent="-228582" algn="l" defTabSz="342875" rtl="0" eaLnBrk="1" latinLnBrk="0" hangingPunct="1">
+              <a:spcBef>
+                <a:spcPct val="20000"/>
+              </a:spcBef>
+              <a:spcAft>
+                <a:spcPts val="300"/>
+              </a:spcAft>
+              <a:buClr>
+                <a:schemeClr val="accent2"/>
+              </a:buClr>
+              <a:buSzPct val="120000"/>
+              <a:buFont typeface="Arial"/>
+              <a:buChar char="•"/>
+              <a:defRPr sz="1200" kern="1200">
                 <a:solidFill>
                   <a:schemeClr val="tx1"/>
                 </a:solidFill>
@@ -17449,27 +17311,78 @@
                 <a:cs typeface="+mn-cs"/>
               </a:defRPr>
             </a:lvl2pPr>
-            <a:lvl3pPr marL="857250" indent="-171450" algn="l" defTabSz="342900" rtl="0" eaLnBrk="1" latinLnBrk="0" hangingPunct="1">
-              <a:spcBef>
-                <a:spcPct val="20000"/>
-              </a:spcBef>
-              <a:buFont typeface="Arial"/>
-              <a:buChar char="•"/>
-              <a:defRPr sz="1800" kern="1200">
-                <a:solidFill>
-                  <a:schemeClr val="tx1"/>
+            <a:lvl3pPr marL="457166" indent="-228582" algn="l" defTabSz="342875" rtl="0" eaLnBrk="1" latinLnBrk="0" hangingPunct="1">
+              <a:spcBef>
+                <a:spcPct val="20000"/>
+              </a:spcBef>
+              <a:spcAft>
+                <a:spcPts val="300"/>
+              </a:spcAft>
+              <a:buClr>
+                <a:schemeClr val="accent2"/>
+              </a:buClr>
+              <a:buSzPct val="120000"/>
+              <a:buFont typeface="Arial"/>
+              <a:buChar char="•"/>
+              <a:defRPr sz="1200" kern="1200">
+                <a:solidFill>
+                  <a:schemeClr val="tx2"/>
                 </a:solidFill>
                 <a:latin typeface="+mn-lt"/>
                 <a:ea typeface="+mn-ea"/>
                 <a:cs typeface="+mn-cs"/>
               </a:defRPr>
             </a:lvl3pPr>
-            <a:lvl4pPr marL="1200150" indent="-171450" algn="l" defTabSz="342900" rtl="0" eaLnBrk="1" latinLnBrk="0" hangingPunct="1">
-              <a:spcBef>
-                <a:spcPct val="20000"/>
-              </a:spcBef>
-              <a:buFont typeface="Arial"/>
-              <a:buChar char="–"/>
+            <a:lvl4pPr marL="649176" indent="-171438" algn="l" defTabSz="342875" rtl="0" eaLnBrk="1" latinLnBrk="0" hangingPunct="1">
+              <a:spcBef>
+                <a:spcPct val="20000"/>
+              </a:spcBef>
+              <a:spcAft>
+                <a:spcPts val="300"/>
+              </a:spcAft>
+              <a:buClr>
+                <a:schemeClr val="accent2"/>
+              </a:buClr>
+              <a:buSzPct val="120000"/>
+              <a:buFont typeface="Arial"/>
+              <a:buChar char="•"/>
+              <a:defRPr sz="1200" kern="1200">
+                <a:solidFill>
+                  <a:schemeClr val="tx2"/>
+                </a:solidFill>
+                <a:latin typeface="+mn-lt"/>
+                <a:ea typeface="+mn-ea"/>
+                <a:cs typeface="+mn-cs"/>
+              </a:defRPr>
+            </a:lvl4pPr>
+            <a:lvl5pPr marL="813756" indent="-171438" algn="l" defTabSz="342875" rtl="0" eaLnBrk="1" latinLnBrk="0" hangingPunct="1">
+              <a:spcBef>
+                <a:spcPct val="20000"/>
+              </a:spcBef>
+              <a:spcAft>
+                <a:spcPts val="300"/>
+              </a:spcAft>
+              <a:buClr>
+                <a:schemeClr val="accent2"/>
+              </a:buClr>
+              <a:buSzPct val="120000"/>
+              <a:buFont typeface="Arial"/>
+              <a:buChar char="•"/>
+              <a:defRPr sz="1200" kern="1200">
+                <a:solidFill>
+                  <a:schemeClr val="tx2"/>
+                </a:solidFill>
+                <a:latin typeface="+mn-lt"/>
+                <a:ea typeface="+mn-ea"/>
+                <a:cs typeface="+mn-cs"/>
+              </a:defRPr>
+            </a:lvl5pPr>
+            <a:lvl6pPr marL="1885809" indent="-171438" algn="l" defTabSz="342875" rtl="0" eaLnBrk="1" latinLnBrk="0" hangingPunct="1">
+              <a:spcBef>
+                <a:spcPct val="20000"/>
+              </a:spcBef>
+              <a:buFont typeface="Arial"/>
+              <a:buChar char="•"/>
               <a:defRPr sz="1500" kern="1200">
                 <a:solidFill>
                   <a:schemeClr val="tx1"/>
@@ -17478,13 +17391,13 @@
                 <a:ea typeface="+mn-ea"/>
                 <a:cs typeface="+mn-cs"/>
               </a:defRPr>
-            </a:lvl4pPr>
-            <a:lvl5pPr marL="1543050" indent="-171450" algn="l" defTabSz="342900" rtl="0" eaLnBrk="1" latinLnBrk="0" hangingPunct="1">
-              <a:spcBef>
-                <a:spcPct val="20000"/>
-              </a:spcBef>
-              <a:buFont typeface="Arial"/>
-              <a:buChar char="»"/>
+            </a:lvl6pPr>
+            <a:lvl7pPr marL="2228684" indent="-171438" algn="l" defTabSz="342875" rtl="0" eaLnBrk="1" latinLnBrk="0" hangingPunct="1">
+              <a:spcBef>
+                <a:spcPct val="20000"/>
+              </a:spcBef>
+              <a:buFont typeface="Arial"/>
+              <a:buChar char="•"/>
               <a:defRPr sz="1500" kern="1200">
                 <a:solidFill>
                   <a:schemeClr val="tx1"/>
@@ -17493,8 +17406,8 @@
                 <a:ea typeface="+mn-ea"/>
                 <a:cs typeface="+mn-cs"/>
               </a:defRPr>
-            </a:lvl5pPr>
-            <a:lvl6pPr marL="1885950" indent="-171450" algn="l" defTabSz="342900" rtl="0" eaLnBrk="1" latinLnBrk="0" hangingPunct="1">
+            </a:lvl7pPr>
+            <a:lvl8pPr marL="2571558" indent="-171438" algn="l" defTabSz="342875" rtl="0" eaLnBrk="1" latinLnBrk="0" hangingPunct="1">
               <a:spcBef>
                 <a:spcPct val="20000"/>
               </a:spcBef>
@@ -17508,38 +17421,8 @@
                 <a:ea typeface="+mn-ea"/>
                 <a:cs typeface="+mn-cs"/>
               </a:defRPr>
-            </a:lvl6pPr>
-            <a:lvl7pPr marL="2228850" indent="-171450" algn="l" defTabSz="342900" rtl="0" eaLnBrk="1" latinLnBrk="0" hangingPunct="1">
-              <a:spcBef>
-                <a:spcPct val="20000"/>
-              </a:spcBef>
-              <a:buFont typeface="Arial"/>
-              <a:buChar char="•"/>
-              <a:defRPr sz="1500" kern="1200">
-                <a:solidFill>
-                  <a:schemeClr val="tx1"/>
-                </a:solidFill>
-                <a:latin typeface="+mn-lt"/>
-                <a:ea typeface="+mn-ea"/>
-                <a:cs typeface="+mn-cs"/>
-              </a:defRPr>
-            </a:lvl7pPr>
-            <a:lvl8pPr marL="2571750" indent="-171450" algn="l" defTabSz="342900" rtl="0" eaLnBrk="1" latinLnBrk="0" hangingPunct="1">
-              <a:spcBef>
-                <a:spcPct val="20000"/>
-              </a:spcBef>
-              <a:buFont typeface="Arial"/>
-              <a:buChar char="•"/>
-              <a:defRPr sz="1500" kern="1200">
-                <a:solidFill>
-                  <a:schemeClr val="tx1"/>
-                </a:solidFill>
-                <a:latin typeface="+mn-lt"/>
-                <a:ea typeface="+mn-ea"/>
-                <a:cs typeface="+mn-cs"/>
-              </a:defRPr>
             </a:lvl8pPr>
-            <a:lvl9pPr marL="2914650" indent="-171450" algn="l" defTabSz="342900" rtl="0" eaLnBrk="1" latinLnBrk="0" hangingPunct="1">
+            <a:lvl9pPr marL="2914433" indent="-171438" algn="l" defTabSz="342875" rtl="0" eaLnBrk="1" latinLnBrk="0" hangingPunct="1">
               <a:spcBef>
                 <a:spcPct val="20000"/>
               </a:spcBef>
@@ -17556,113 +17439,77 @@
             </a:lvl9pPr>
           </a:lstStyle>
           <a:p>
-            <a:pPr marL="173736" lvl="2" indent="-173736">
-              <a:lnSpc>
-                <a:spcPct val="110000"/>
-              </a:lnSpc>
-              <a:spcBef>
-                <a:spcPts val="0"/>
-              </a:spcBef>
-              <a:spcAft>
-                <a:spcPts val="1300"/>
-              </a:spcAft>
-              <a:buClr>
-                <a:srgbClr val="2FC2D9"/>
-              </a:buClr>
-              <a:defRPr/>
-            </a:pPr>
-            <a:r>
-              <a:rPr lang="en-US" sz="1600" dirty="0"/>
-              <a:t>Adjacency List Model</a:t>
-            </a:r>
-          </a:p>
-          <a:p>
-            <a:pPr marL="173736" lvl="2" indent="-173736">
-              <a:lnSpc>
-                <a:spcPct val="110000"/>
-              </a:lnSpc>
-              <a:spcBef>
-                <a:spcPts val="0"/>
-              </a:spcBef>
-              <a:spcAft>
-                <a:spcPts val="1300"/>
-              </a:spcAft>
-              <a:buClr>
-                <a:srgbClr val="2FC2D9"/>
-              </a:buClr>
-              <a:defRPr/>
-            </a:pPr>
-            <a:r>
-              <a:rPr lang="en-US" sz="1600" dirty="0"/>
-              <a:t>Nested Set Model of Hierarchies</a:t>
-            </a:r>
-          </a:p>
-          <a:p>
-            <a:pPr marL="173736" lvl="2" indent="-173736">
-              <a:lnSpc>
-                <a:spcPct val="110000"/>
-              </a:lnSpc>
-              <a:spcBef>
-                <a:spcPts val="0"/>
-              </a:spcBef>
-              <a:spcAft>
-                <a:spcPts val="1300"/>
-              </a:spcAft>
-              <a:buClr>
-                <a:srgbClr val="2FC2D9"/>
-              </a:buClr>
-              <a:defRPr/>
-            </a:pPr>
-            <a:r>
-              <a:rPr lang="en-US" sz="1600" b="1" i="1" dirty="0" err="1">
-                <a:solidFill>
-                  <a:srgbClr val="444444"/>
-                </a:solidFill>
-                <a:ea typeface="ＭＳ Ｐゴシック" pitchFamily="34" charset="-128"/>
+            <a:pPr algn="ctr"/>
+            <a:r>
+              <a:rPr lang="en-US" sz="1600" b="1" spc="200" dirty="0">
+                <a:solidFill>
+                  <a:schemeClr val="bg1"/>
+                </a:solidFill>
+                <a:latin typeface="Calibri" charset="0"/>
+                <a:ea typeface="Calibri" charset="0"/>
+                <a:cs typeface="Calibri" charset="0"/>
               </a:rPr>
-              <a:t>HierarchyID</a:t>
-            </a:r>
-            <a:endParaRPr lang="en-US" sz="1600" b="1" i="1" dirty="0">
+              <a:t>Introduction in Power BI</a:t>
+            </a:r>
+            <a:endParaRPr lang="en-US" sz="1600" b="1" spc="200" dirty="0">
               <a:solidFill>
-                <a:srgbClr val="444444"/>
+                <a:schemeClr val="bg1"/>
               </a:solidFill>
-              <a:ea typeface="ＭＳ Ｐゴシック" pitchFamily="34" charset="-128"/>
+              <a:latin typeface="Calibri" charset="0"/>
+              <a:cs typeface="Calibri" charset="0"/>
             </a:endParaRPr>
           </a:p>
         </p:txBody>
       </p:sp>
       <p:sp>
         <p:nvSpPr>
-          <p:cNvPr id="2" name="Rectangle 1"/>
+          <p:cNvPr id="7" name="Rectangle 6"/>
           <p:cNvSpPr/>
           <p:nvPr/>
         </p:nvSpPr>
         <p:spPr>
           <a:xfrm>
-            <a:off x="4572000" y="3738248"/>
-            <a:ext cx="4572000" cy="523220"/>
+            <a:off x="1780954" y="1803228"/>
+            <a:ext cx="5582093" cy="1220182"/>
           </a:xfrm>
           <a:prstGeom prst="rect">
             <a:avLst/>
           </a:prstGeom>
+          <a:noFill/>
+          <a:ln>
+            <a:solidFill>
+              <a:schemeClr val="bg1"/>
+            </a:solidFill>
+          </a:ln>
+          <a:effectLst/>
         </p:spPr>
+        <p:style>
+          <a:lnRef idx="1">
+            <a:schemeClr val="accent1"/>
+          </a:lnRef>
+          <a:fillRef idx="3">
+            <a:schemeClr val="accent1"/>
+          </a:fillRef>
+          <a:effectRef idx="2">
+            <a:schemeClr val="accent1"/>
+          </a:effectRef>
+          <a:fontRef idx="minor">
+            <a:schemeClr val="lt1"/>
+          </a:fontRef>
+        </p:style>
         <p:txBody>
-          <a:bodyPr>
-            <a:spAutoFit/>
-          </a:bodyPr>
+          <a:bodyPr rtlCol="0" anchor="ctr"/>
           <a:lstStyle/>
           <a:p>
-            <a:r>
-              <a:rPr lang="en-US" dirty="0"/>
-              <a:t>https://technet.microsoft.com/ru-ru/library/bb677290(v=sql.105).aspx</a:t>
-            </a:r>
+            <a:pPr algn="ctr"/>
+            <a:endParaRPr lang="en-US"/>
           </a:p>
         </p:txBody>
       </p:sp>
     </p:spTree>
     <p:extLst>
       <p:ext uri="{BB962C8B-B14F-4D97-AF65-F5344CB8AC3E}">
-        <p14:creationId xmlns:p14="http://schemas.microsoft.com/office/powerpoint/2010/main" val="1516627830"/>
+        <p14:creationId xmlns:p14="http://schemas.microsoft.com/office/powerpoint/2010/main" val="116296530"/>
       </p:ext>
     </p:extLst>
   </p:cSld>
@@ -20283,15 +20130,18 @@
                 <a:ea typeface="Calibri" charset="0"/>
                 <a:cs typeface="Calibri" charset="0"/>
               </a:rPr>
-              <a:t>Introduction in Power BI</a:t>
-            </a:r>
-            <a:endParaRPr lang="en-US" sz="1600" b="1" spc="200" dirty="0">
-              <a:solidFill>
-                <a:schemeClr val="bg1"/>
-              </a:solidFill>
-              <a:latin typeface="Calibri" charset="0"/>
-              <a:cs typeface="Calibri" charset="0"/>
-            </a:endParaRPr>
+              <a:t>GIT </a:t>
+            </a:r>
+            <a:r>
+              <a:rPr lang="en-US" sz="1600" b="1" spc="200" dirty="0">
+                <a:solidFill>
+                  <a:schemeClr val="bg1"/>
+                </a:solidFill>
+                <a:latin typeface="Calibri" charset="0"/>
+                <a:cs typeface="Calibri" charset="0"/>
+              </a:rPr>
+              <a:t>Team Work</a:t>
+            </a:r>
           </a:p>
         </p:txBody>
       </p:sp>
@@ -20343,7 +20193,7 @@
     </p:spTree>
     <p:extLst>
       <p:ext uri="{BB962C8B-B14F-4D97-AF65-F5344CB8AC3E}">
-        <p14:creationId xmlns:p14="http://schemas.microsoft.com/office/powerpoint/2010/main" val="116296530"/>
+        <p14:creationId xmlns:p14="http://schemas.microsoft.com/office/powerpoint/2010/main" val="1384754078"/>
       </p:ext>
     </p:extLst>
   </p:cSld>
@@ -20354,339 +20204,6 @@
 </file>
 
 <file path=ppt/slides/slide31.xml><?xml version="1.0" encoding="utf-8"?>
-<p:sld xmlns:a="http://schemas.openxmlformats.org/drawingml/2006/main" xmlns:r="http://schemas.openxmlformats.org/officeDocument/2006/relationships" xmlns:p="http://schemas.openxmlformats.org/presentationml/2006/main">
-  <p:cSld>
-    <p:spTree>
-      <p:nvGrpSpPr>
-        <p:cNvPr id="1" name=""/>
-        <p:cNvGrpSpPr/>
-        <p:nvPr/>
-      </p:nvGrpSpPr>
-      <p:grpSpPr>
-        <a:xfrm>
-          <a:off x="0" y="0"/>
-          <a:ext cx="0" cy="0"/>
-          <a:chOff x="0" y="0"/>
-          <a:chExt cx="0" cy="0"/>
-        </a:xfrm>
-      </p:grpSpPr>
-      <p:sp>
-        <p:nvSpPr>
-          <p:cNvPr id="5" name="Rectangle 4"/>
-          <p:cNvSpPr/>
-          <p:nvPr/>
-        </p:nvSpPr>
-        <p:spPr>
-          <a:xfrm>
-            <a:off x="0" y="0"/>
-            <a:ext cx="9144000" cy="4826639"/>
-          </a:xfrm>
-          <a:prstGeom prst="rect">
-            <a:avLst/>
-          </a:prstGeom>
-          <a:solidFill>
-            <a:srgbClr val="77CED7"/>
-          </a:solidFill>
-          <a:ln>
-            <a:noFill/>
-          </a:ln>
-          <a:effectLst/>
-        </p:spPr>
-        <p:style>
-          <a:lnRef idx="1">
-            <a:schemeClr val="accent1"/>
-          </a:lnRef>
-          <a:fillRef idx="3">
-            <a:schemeClr val="accent1"/>
-          </a:fillRef>
-          <a:effectRef idx="2">
-            <a:schemeClr val="accent1"/>
-          </a:effectRef>
-          <a:fontRef idx="minor">
-            <a:schemeClr val="lt1"/>
-          </a:fontRef>
-        </p:style>
-        <p:txBody>
-          <a:bodyPr rtlCol="0" anchor="ctr"/>
-          <a:lstStyle/>
-          <a:p>
-            <a:pPr algn="ctr"/>
-            <a:endParaRPr lang="en-US"/>
-          </a:p>
-        </p:txBody>
-      </p:sp>
-      <p:sp>
-        <p:nvSpPr>
-          <p:cNvPr id="6" name="Text Placeholder 3"/>
-          <p:cNvSpPr txBox="1">
-            <a:spLocks/>
-          </p:cNvSpPr>
-          <p:nvPr/>
-        </p:nvSpPr>
-        <p:spPr>
-          <a:xfrm>
-            <a:off x="1780954" y="2098360"/>
-            <a:ext cx="5582093" cy="587388"/>
-          </a:xfrm>
-          <a:prstGeom prst="rect">
-            <a:avLst/>
-          </a:prstGeom>
-        </p:spPr>
-        <p:txBody>
-          <a:bodyPr anchor="ctr"/>
-          <a:lstStyle>
-            <a:lvl1pPr marL="0" indent="0" algn="l" defTabSz="342875" rtl="0" eaLnBrk="1" latinLnBrk="0" hangingPunct="1">
-              <a:spcBef>
-                <a:spcPct val="20000"/>
-              </a:spcBef>
-              <a:spcAft>
-                <a:spcPts val="300"/>
-              </a:spcAft>
-              <a:buFont typeface="Arial"/>
-              <a:buNone/>
-              <a:defRPr sz="1200" b="0" i="0" kern="1200">
-                <a:solidFill>
-                  <a:schemeClr val="tx1"/>
-                </a:solidFill>
-                <a:latin typeface="+mn-lt"/>
-                <a:ea typeface="+mn-ea"/>
-                <a:cs typeface="Trebuchet MS Bold Italic"/>
-              </a:defRPr>
-            </a:lvl1pPr>
-            <a:lvl2pPr marL="228582" indent="-228582" algn="l" defTabSz="342875" rtl="0" eaLnBrk="1" latinLnBrk="0" hangingPunct="1">
-              <a:spcBef>
-                <a:spcPct val="20000"/>
-              </a:spcBef>
-              <a:spcAft>
-                <a:spcPts val="300"/>
-              </a:spcAft>
-              <a:buClr>
-                <a:schemeClr val="accent2"/>
-              </a:buClr>
-              <a:buSzPct val="120000"/>
-              <a:buFont typeface="Arial"/>
-              <a:buChar char="•"/>
-              <a:defRPr sz="1200" kern="1200">
-                <a:solidFill>
-                  <a:schemeClr val="tx1"/>
-                </a:solidFill>
-                <a:latin typeface="+mn-lt"/>
-                <a:ea typeface="+mn-ea"/>
-                <a:cs typeface="+mn-cs"/>
-              </a:defRPr>
-            </a:lvl2pPr>
-            <a:lvl3pPr marL="457166" indent="-228582" algn="l" defTabSz="342875" rtl="0" eaLnBrk="1" latinLnBrk="0" hangingPunct="1">
-              <a:spcBef>
-                <a:spcPct val="20000"/>
-              </a:spcBef>
-              <a:spcAft>
-                <a:spcPts val="300"/>
-              </a:spcAft>
-              <a:buClr>
-                <a:schemeClr val="accent2"/>
-              </a:buClr>
-              <a:buSzPct val="120000"/>
-              <a:buFont typeface="Arial"/>
-              <a:buChar char="•"/>
-              <a:defRPr sz="1200" kern="1200">
-                <a:solidFill>
-                  <a:schemeClr val="tx2"/>
-                </a:solidFill>
-                <a:latin typeface="+mn-lt"/>
-                <a:ea typeface="+mn-ea"/>
-                <a:cs typeface="+mn-cs"/>
-              </a:defRPr>
-            </a:lvl3pPr>
-            <a:lvl4pPr marL="649176" indent="-171438" algn="l" defTabSz="342875" rtl="0" eaLnBrk="1" latinLnBrk="0" hangingPunct="1">
-              <a:spcBef>
-                <a:spcPct val="20000"/>
-              </a:spcBef>
-              <a:spcAft>
-                <a:spcPts val="300"/>
-              </a:spcAft>
-              <a:buClr>
-                <a:schemeClr val="accent2"/>
-              </a:buClr>
-              <a:buSzPct val="120000"/>
-              <a:buFont typeface="Arial"/>
-              <a:buChar char="•"/>
-              <a:defRPr sz="1200" kern="1200">
-                <a:solidFill>
-                  <a:schemeClr val="tx2"/>
-                </a:solidFill>
-                <a:latin typeface="+mn-lt"/>
-                <a:ea typeface="+mn-ea"/>
-                <a:cs typeface="+mn-cs"/>
-              </a:defRPr>
-            </a:lvl4pPr>
-            <a:lvl5pPr marL="813756" indent="-171438" algn="l" defTabSz="342875" rtl="0" eaLnBrk="1" latinLnBrk="0" hangingPunct="1">
-              <a:spcBef>
-                <a:spcPct val="20000"/>
-              </a:spcBef>
-              <a:spcAft>
-                <a:spcPts val="300"/>
-              </a:spcAft>
-              <a:buClr>
-                <a:schemeClr val="accent2"/>
-              </a:buClr>
-              <a:buSzPct val="120000"/>
-              <a:buFont typeface="Arial"/>
-              <a:buChar char="•"/>
-              <a:defRPr sz="1200" kern="1200">
-                <a:solidFill>
-                  <a:schemeClr val="tx2"/>
-                </a:solidFill>
-                <a:latin typeface="+mn-lt"/>
-                <a:ea typeface="+mn-ea"/>
-                <a:cs typeface="+mn-cs"/>
-              </a:defRPr>
-            </a:lvl5pPr>
-            <a:lvl6pPr marL="1885809" indent="-171438" algn="l" defTabSz="342875" rtl="0" eaLnBrk="1" latinLnBrk="0" hangingPunct="1">
-              <a:spcBef>
-                <a:spcPct val="20000"/>
-              </a:spcBef>
-              <a:buFont typeface="Arial"/>
-              <a:buChar char="•"/>
-              <a:defRPr sz="1500" kern="1200">
-                <a:solidFill>
-                  <a:schemeClr val="tx1"/>
-                </a:solidFill>
-                <a:latin typeface="+mn-lt"/>
-                <a:ea typeface="+mn-ea"/>
-                <a:cs typeface="+mn-cs"/>
-              </a:defRPr>
-            </a:lvl6pPr>
-            <a:lvl7pPr marL="2228684" indent="-171438" algn="l" defTabSz="342875" rtl="0" eaLnBrk="1" latinLnBrk="0" hangingPunct="1">
-              <a:spcBef>
-                <a:spcPct val="20000"/>
-              </a:spcBef>
-              <a:buFont typeface="Arial"/>
-              <a:buChar char="•"/>
-              <a:defRPr sz="1500" kern="1200">
-                <a:solidFill>
-                  <a:schemeClr val="tx1"/>
-                </a:solidFill>
-                <a:latin typeface="+mn-lt"/>
-                <a:ea typeface="+mn-ea"/>
-                <a:cs typeface="+mn-cs"/>
-              </a:defRPr>
-            </a:lvl7pPr>
-            <a:lvl8pPr marL="2571558" indent="-171438" algn="l" defTabSz="342875" rtl="0" eaLnBrk="1" latinLnBrk="0" hangingPunct="1">
-              <a:spcBef>
-                <a:spcPct val="20000"/>
-              </a:spcBef>
-              <a:buFont typeface="Arial"/>
-              <a:buChar char="•"/>
-              <a:defRPr sz="1500" kern="1200">
-                <a:solidFill>
-                  <a:schemeClr val="tx1"/>
-                </a:solidFill>
-                <a:latin typeface="+mn-lt"/>
-                <a:ea typeface="+mn-ea"/>
-                <a:cs typeface="+mn-cs"/>
-              </a:defRPr>
-            </a:lvl8pPr>
-            <a:lvl9pPr marL="2914433" indent="-171438" algn="l" defTabSz="342875" rtl="0" eaLnBrk="1" latinLnBrk="0" hangingPunct="1">
-              <a:spcBef>
-                <a:spcPct val="20000"/>
-              </a:spcBef>
-              <a:buFont typeface="Arial"/>
-              <a:buChar char="•"/>
-              <a:defRPr sz="1500" kern="1200">
-                <a:solidFill>
-                  <a:schemeClr val="tx1"/>
-                </a:solidFill>
-                <a:latin typeface="+mn-lt"/>
-                <a:ea typeface="+mn-ea"/>
-                <a:cs typeface="+mn-cs"/>
-              </a:defRPr>
-            </a:lvl9pPr>
-          </a:lstStyle>
-          <a:p>
-            <a:pPr algn="ctr"/>
-            <a:r>
-              <a:rPr lang="en-US" sz="1600" b="1" spc="200" dirty="0">
-                <a:solidFill>
-                  <a:schemeClr val="bg1"/>
-                </a:solidFill>
-                <a:latin typeface="Calibri" charset="0"/>
-                <a:ea typeface="Calibri" charset="0"/>
-                <a:cs typeface="Calibri" charset="0"/>
-              </a:rPr>
-              <a:t>GIT </a:t>
-            </a:r>
-            <a:r>
-              <a:rPr lang="en-US" sz="1600" b="1" spc="200" dirty="0">
-                <a:solidFill>
-                  <a:schemeClr val="bg1"/>
-                </a:solidFill>
-                <a:latin typeface="Calibri" charset="0"/>
-                <a:cs typeface="Calibri" charset="0"/>
-              </a:rPr>
-              <a:t>Team Work</a:t>
-            </a:r>
-          </a:p>
-        </p:txBody>
-      </p:sp>
-      <p:sp>
-        <p:nvSpPr>
-          <p:cNvPr id="7" name="Rectangle 6"/>
-          <p:cNvSpPr/>
-          <p:nvPr/>
-        </p:nvSpPr>
-        <p:spPr>
-          <a:xfrm>
-            <a:off x="1780954" y="1803228"/>
-            <a:ext cx="5582093" cy="1220182"/>
-          </a:xfrm>
-          <a:prstGeom prst="rect">
-            <a:avLst/>
-          </a:prstGeom>
-          <a:noFill/>
-          <a:ln>
-            <a:solidFill>
-              <a:schemeClr val="bg1"/>
-            </a:solidFill>
-          </a:ln>
-          <a:effectLst/>
-        </p:spPr>
-        <p:style>
-          <a:lnRef idx="1">
-            <a:schemeClr val="accent1"/>
-          </a:lnRef>
-          <a:fillRef idx="3">
-            <a:schemeClr val="accent1"/>
-          </a:fillRef>
-          <a:effectRef idx="2">
-            <a:schemeClr val="accent1"/>
-          </a:effectRef>
-          <a:fontRef idx="minor">
-            <a:schemeClr val="lt1"/>
-          </a:fontRef>
-        </p:style>
-        <p:txBody>
-          <a:bodyPr rtlCol="0" anchor="ctr"/>
-          <a:lstStyle/>
-          <a:p>
-            <a:pPr algn="ctr"/>
-            <a:endParaRPr lang="en-US"/>
-          </a:p>
-        </p:txBody>
-      </p:sp>
-    </p:spTree>
-    <p:extLst>
-      <p:ext uri="{BB962C8B-B14F-4D97-AF65-F5344CB8AC3E}">
-        <p14:creationId xmlns:p14="http://schemas.microsoft.com/office/powerpoint/2010/main" val="1384754078"/>
-      </p:ext>
-    </p:extLst>
-  </p:cSld>
-  <p:clrMapOvr>
-    <a:masterClrMapping/>
-  </p:clrMapOvr>
-</p:sld>
-</file>
-
-<file path=ppt/slides/slide32.xml><?xml version="1.0" encoding="utf-8"?>
 <p:sld xmlns:a="http://schemas.openxmlformats.org/drawingml/2006/main" xmlns:r="http://schemas.openxmlformats.org/officeDocument/2006/relationships" xmlns:p="http://schemas.openxmlformats.org/presentationml/2006/main">
   <p:cSld>
     <p:spTree>
@@ -20749,7 +20266,7 @@
           <a:p>
             <a:r>
               <a:rPr lang="en-US" dirty="0"/>
-              <a:t>Git branching model</a:t>
+              <a:t>Git Team Work</a:t>
             </a:r>
           </a:p>
         </p:txBody>
@@ -20951,6 +20468,284 @@
           </a:p>
         </p:txBody>
       </p:sp>
+    </p:spTree>
+    <p:extLst>
+      <p:ext uri="{BB962C8B-B14F-4D97-AF65-F5344CB8AC3E}">
+        <p14:creationId xmlns:p14="http://schemas.microsoft.com/office/powerpoint/2010/main" val="2602428693"/>
+      </p:ext>
+    </p:extLst>
+  </p:cSld>
+  <p:clrMapOvr>
+    <a:masterClrMapping/>
+  </p:clrMapOvr>
+</p:sld>
+</file>
+
+<file path=ppt/slides/slide32.xml><?xml version="1.0" encoding="utf-8"?>
+<p:sld xmlns:a="http://schemas.openxmlformats.org/drawingml/2006/main" xmlns:r="http://schemas.openxmlformats.org/officeDocument/2006/relationships" xmlns:p="http://schemas.openxmlformats.org/presentationml/2006/main">
+  <p:cSld>
+    <p:spTree>
+      <p:nvGrpSpPr>
+        <p:cNvPr id="1" name=""/>
+        <p:cNvGrpSpPr/>
+        <p:nvPr/>
+      </p:nvGrpSpPr>
+      <p:grpSpPr>
+        <a:xfrm>
+          <a:off x="0" y="0"/>
+          <a:ext cx="0" cy="0"/>
+          <a:chOff x="0" y="0"/>
+          <a:chExt cx="0" cy="0"/>
+        </a:xfrm>
+      </p:grpSpPr>
+      <p:sp>
+        <p:nvSpPr>
+          <p:cNvPr id="40" name="Title Placeholder 1"/>
+          <p:cNvSpPr txBox="1">
+            <a:spLocks/>
+          </p:cNvSpPr>
+          <p:nvPr/>
+        </p:nvSpPr>
+        <p:spPr>
+          <a:xfrm>
+            <a:off x="0" y="231086"/>
+            <a:ext cx="9144000" cy="300715"/>
+          </a:xfrm>
+          <a:prstGeom prst="rect">
+            <a:avLst/>
+          </a:prstGeom>
+          <a:noFill/>
+          <a:ln>
+            <a:noFill/>
+          </a:ln>
+          <a:effectLst/>
+        </p:spPr>
+        <p:txBody>
+          <a:bodyPr vert="horz" lIns="274301" tIns="45717" rIns="274301" bIns="45717" rtlCol="0" anchor="ctr">
+            <a:noAutofit/>
+          </a:bodyPr>
+          <a:lstStyle>
+            <a:lvl1pPr algn="l" defTabSz="342875" rtl="0" eaLnBrk="1" latinLnBrk="0" hangingPunct="1">
+              <a:spcBef>
+                <a:spcPct val="0"/>
+              </a:spcBef>
+              <a:buNone/>
+              <a:defRPr sz="2000" kern="1200" spc="100" baseline="0">
+                <a:solidFill>
+                  <a:schemeClr val="tx1"/>
+                </a:solidFill>
+                <a:effectLst/>
+                <a:latin typeface="+mj-lt"/>
+                <a:ea typeface="+mj-ea"/>
+                <a:cs typeface="Arial Black"/>
+              </a:defRPr>
+            </a:lvl1pPr>
+          </a:lstStyle>
+          <a:p>
+            <a:r>
+              <a:rPr lang="en-US" dirty="0"/>
+              <a:t>Git branching model</a:t>
+            </a:r>
+          </a:p>
+        </p:txBody>
+      </p:sp>
+      <p:cxnSp>
+        <p:nvCxnSpPr>
+          <p:cNvPr id="41" name="Straight Connector 40"/>
+          <p:cNvCxnSpPr/>
+          <p:nvPr/>
+        </p:nvCxnSpPr>
+        <p:spPr>
+          <a:xfrm>
+            <a:off x="277092" y="716437"/>
+            <a:ext cx="4319292" cy="0"/>
+          </a:xfrm>
+          <a:prstGeom prst="line">
+            <a:avLst/>
+          </a:prstGeom>
+          <a:ln w="19050" cmpd="sng">
+            <a:solidFill>
+              <a:schemeClr val="bg2">
+                <a:lumMod val="20000"/>
+                <a:lumOff val="80000"/>
+              </a:schemeClr>
+            </a:solidFill>
+          </a:ln>
+          <a:effectLst/>
+        </p:spPr>
+        <p:style>
+          <a:lnRef idx="2">
+            <a:schemeClr val="accent1"/>
+          </a:lnRef>
+          <a:fillRef idx="0">
+            <a:schemeClr val="accent1"/>
+          </a:fillRef>
+          <a:effectRef idx="1">
+            <a:schemeClr val="accent1"/>
+          </a:effectRef>
+          <a:fontRef idx="minor">
+            <a:schemeClr val="tx1"/>
+          </a:fontRef>
+        </p:style>
+      </p:cxnSp>
+      <p:pic>
+        <p:nvPicPr>
+          <p:cNvPr id="43" name="Picture 42"/>
+          <p:cNvPicPr>
+            <a:picLocks noChangeAspect="1"/>
+          </p:cNvPicPr>
+          <p:nvPr/>
+        </p:nvPicPr>
+        <p:blipFill>
+          <a:blip r:embed="rId3" cstate="screen">
+            <a:extLst>
+              <a:ext uri="{28A0092B-C50C-407E-A947-70E740481C1C}">
+                <a14:useLocalDpi xmlns:a14="http://schemas.microsoft.com/office/drawing/2010/main"/>
+              </a:ext>
+            </a:extLst>
+          </a:blip>
+          <a:stretch>
+            <a:fillRect/>
+          </a:stretch>
+        </p:blipFill>
+        <p:spPr>
+          <a:xfrm>
+            <a:off x="360364" y="4911973"/>
+            <a:ext cx="470910" cy="166976"/>
+          </a:xfrm>
+          <a:prstGeom prst="rect">
+            <a:avLst/>
+          </a:prstGeom>
+        </p:spPr>
+      </p:pic>
+      <p:sp>
+        <p:nvSpPr>
+          <p:cNvPr id="29" name="Slide Number Placeholder 2"/>
+          <p:cNvSpPr txBox="1">
+            <a:spLocks/>
+          </p:cNvSpPr>
+          <p:nvPr/>
+        </p:nvSpPr>
+        <p:spPr>
+          <a:xfrm>
+            <a:off x="7487582" y="4826638"/>
+            <a:ext cx="1373372" cy="316862"/>
+          </a:xfrm>
+          <a:prstGeom prst="rect">
+            <a:avLst/>
+          </a:prstGeom>
+        </p:spPr>
+        <p:txBody>
+          <a:bodyPr/>
+          <a:lstStyle>
+            <a:defPPr>
+              <a:defRPr lang="en-US"/>
+            </a:defPPr>
+            <a:lvl1pPr marL="0" algn="l" defTabSz="685800" rtl="0" eaLnBrk="1" latinLnBrk="0" hangingPunct="1">
+              <a:defRPr sz="1350" kern="1200">
+                <a:solidFill>
+                  <a:schemeClr val="tx1"/>
+                </a:solidFill>
+                <a:latin typeface="+mn-lt"/>
+                <a:ea typeface="+mn-ea"/>
+                <a:cs typeface="+mn-cs"/>
+              </a:defRPr>
+            </a:lvl1pPr>
+            <a:lvl2pPr marL="342900" algn="l" defTabSz="685800" rtl="0" eaLnBrk="1" latinLnBrk="0" hangingPunct="1">
+              <a:defRPr sz="1350" kern="1200">
+                <a:solidFill>
+                  <a:schemeClr val="tx1"/>
+                </a:solidFill>
+                <a:latin typeface="+mn-lt"/>
+                <a:ea typeface="+mn-ea"/>
+                <a:cs typeface="+mn-cs"/>
+              </a:defRPr>
+            </a:lvl2pPr>
+            <a:lvl3pPr marL="685800" algn="l" defTabSz="685800" rtl="0" eaLnBrk="1" latinLnBrk="0" hangingPunct="1">
+              <a:defRPr sz="1350" kern="1200">
+                <a:solidFill>
+                  <a:schemeClr val="tx1"/>
+                </a:solidFill>
+                <a:latin typeface="+mn-lt"/>
+                <a:ea typeface="+mn-ea"/>
+                <a:cs typeface="+mn-cs"/>
+              </a:defRPr>
+            </a:lvl3pPr>
+            <a:lvl4pPr marL="1028700" algn="l" defTabSz="685800" rtl="0" eaLnBrk="1" latinLnBrk="0" hangingPunct="1">
+              <a:defRPr sz="1350" kern="1200">
+                <a:solidFill>
+                  <a:schemeClr val="tx1"/>
+                </a:solidFill>
+                <a:latin typeface="+mn-lt"/>
+                <a:ea typeface="+mn-ea"/>
+                <a:cs typeface="+mn-cs"/>
+              </a:defRPr>
+            </a:lvl4pPr>
+            <a:lvl5pPr marL="1371600" algn="l" defTabSz="685800" rtl="0" eaLnBrk="1" latinLnBrk="0" hangingPunct="1">
+              <a:defRPr sz="1350" kern="1200">
+                <a:solidFill>
+                  <a:schemeClr val="tx1"/>
+                </a:solidFill>
+                <a:latin typeface="+mn-lt"/>
+                <a:ea typeface="+mn-ea"/>
+                <a:cs typeface="+mn-cs"/>
+              </a:defRPr>
+            </a:lvl5pPr>
+            <a:lvl6pPr marL="1714500" algn="l" defTabSz="685800" rtl="0" eaLnBrk="1" latinLnBrk="0" hangingPunct="1">
+              <a:defRPr sz="1350" kern="1200">
+                <a:solidFill>
+                  <a:schemeClr val="tx1"/>
+                </a:solidFill>
+                <a:latin typeface="+mn-lt"/>
+                <a:ea typeface="+mn-ea"/>
+                <a:cs typeface="+mn-cs"/>
+              </a:defRPr>
+            </a:lvl6pPr>
+            <a:lvl7pPr marL="2057400" algn="l" defTabSz="685800" rtl="0" eaLnBrk="1" latinLnBrk="0" hangingPunct="1">
+              <a:defRPr sz="1350" kern="1200">
+                <a:solidFill>
+                  <a:schemeClr val="tx1"/>
+                </a:solidFill>
+                <a:latin typeface="+mn-lt"/>
+                <a:ea typeface="+mn-ea"/>
+                <a:cs typeface="+mn-cs"/>
+              </a:defRPr>
+            </a:lvl7pPr>
+            <a:lvl8pPr marL="2400300" algn="l" defTabSz="685800" rtl="0" eaLnBrk="1" latinLnBrk="0" hangingPunct="1">
+              <a:defRPr sz="1350" kern="1200">
+                <a:solidFill>
+                  <a:schemeClr val="tx1"/>
+                </a:solidFill>
+                <a:latin typeface="+mn-lt"/>
+                <a:ea typeface="+mn-ea"/>
+                <a:cs typeface="+mn-cs"/>
+              </a:defRPr>
+            </a:lvl8pPr>
+            <a:lvl9pPr marL="2743200" algn="l" defTabSz="685800" rtl="0" eaLnBrk="1" latinLnBrk="0" hangingPunct="1">
+              <a:defRPr sz="1350" kern="1200">
+                <a:solidFill>
+                  <a:schemeClr val="tx1"/>
+                </a:solidFill>
+                <a:latin typeface="+mn-lt"/>
+                <a:ea typeface="+mn-ea"/>
+                <a:cs typeface="+mn-cs"/>
+              </a:defRPr>
+            </a:lvl9pPr>
+          </a:lstStyle>
+          <a:p>
+            <a:pPr algn="r"/>
+            <a:r>
+              <a:rPr lang="en-US" sz="1400" b="1" dirty="0">
+                <a:solidFill>
+                  <a:schemeClr val="bg1"/>
+                </a:solidFill>
+                <a:latin typeface="+mj-lt"/>
+              </a:rPr>
+              <a:t>3</a:t>
+            </a:r>
+          </a:p>
+        </p:txBody>
+      </p:sp>
       <p:pic>
         <p:nvPicPr>
           <p:cNvPr id="3" name="Picture 2">
@@ -21014,7 +20809,7 @@
     </p:spTree>
     <p:extLst>
       <p:ext uri="{BB962C8B-B14F-4D97-AF65-F5344CB8AC3E}">
-        <p14:creationId xmlns:p14="http://schemas.microsoft.com/office/powerpoint/2010/main" val="2602428693"/>
+        <p14:creationId xmlns:p14="http://schemas.microsoft.com/office/powerpoint/2010/main" val="785385163"/>
       </p:ext>
     </p:extLst>
   </p:cSld>
@@ -22865,7 +22660,7 @@
                 <a:ea typeface="Calibri" charset="0"/>
                 <a:cs typeface="Calibri" charset="0"/>
               </a:rPr>
-              <a:t>Designing and Implementing Views and Inline Functions</a:t>
+              <a:t>Designing and Implementing</a:t>
             </a:r>
           </a:p>
         </p:txBody>
@@ -22970,7 +22765,7 @@
             </a:pPr>
             <a:r>
               <a:rPr lang="en-US" b="1" dirty="0"/>
-              <a:t>Designing and Creating Views, Inline Functions, and Synonyms</a:t>
+              <a:t>Designing and Creating Views</a:t>
             </a:r>
           </a:p>
         </p:txBody>
@@ -23211,7 +23006,7 @@
             </a:pPr>
             <a:r>
               <a:rPr lang="en-US" b="1" dirty="0"/>
-              <a:t>Designing and Creating Views, Inline Functions, and Synonyms</a:t>
+              <a:t>Designing and Creating Views</a:t>
             </a:r>
           </a:p>
         </p:txBody>
@@ -23738,7 +23533,7 @@
             </a:pPr>
             <a:r>
               <a:rPr lang="en-US" b="1" dirty="0"/>
-              <a:t>Designing and Creating Views, Inline Functions, and Synonyms</a:t>
+              <a:t>Designing and Creating Views</a:t>
             </a:r>
           </a:p>
         </p:txBody>
@@ -24241,7 +24036,7 @@
             </a:pPr>
             <a:r>
               <a:rPr lang="en-US" b="1" dirty="0"/>
-              <a:t>Designing and Creating Views, Inline Functions, and Synonyms</a:t>
+              <a:t>Designing and Creating Views</a:t>
             </a:r>
           </a:p>
         </p:txBody>
@@ -25590,6 +25385,12 @@
 </file>
 
 <file path=customXml/item1.xml><?xml version="1.0" encoding="utf-8"?>
+<p:properties xmlns:p="http://schemas.microsoft.com/office/2006/metadata/properties" xmlns:xsi="http://www.w3.org/2001/XMLSchema-instance" xmlns:pc="http://schemas.microsoft.com/office/infopath/2007/PartnerControls">
+  <documentManagement/>
+</p:properties>
+</file>
+
+<file path=customXml/item2.xml><?xml version="1.0" encoding="utf-8"?>
 <ct:contentTypeSchema xmlns:ct="http://schemas.microsoft.com/office/2006/metadata/contentType" xmlns:ma="http://schemas.microsoft.com/office/2006/metadata/properties/metaAttributes" ct:_="" ma:_="" ma:contentTypeName="Document" ma:contentTypeID="0x0101002F71A64D0A1A6140B6A122276D7E3196" ma:contentTypeVersion="2" ma:contentTypeDescription="Create a new document." ma:contentTypeScope="" ma:versionID="eb9d7e4f071135b1952b799147512b58">
   <xsd:schema xmlns:xsd="http://www.w3.org/2001/XMLSchema" xmlns:xs="http://www.w3.org/2001/XMLSchema" xmlns:p="http://schemas.microsoft.com/office/2006/metadata/properties" xmlns:ns2="14e46183-14a5-4343-a187-db51ef71da05" targetNamespace="http://schemas.microsoft.com/office/2006/metadata/properties" ma:root="true" ma:fieldsID="feccca8fb05b9d0c739dd1af05fd115a" ns2:_="">
     <xsd:import namespace="14e46183-14a5-4343-a187-db51ef71da05"/>
@@ -25721,12 +25522,6 @@
 </ct:contentTypeSchema>
 </file>
 
-<file path=customXml/item2.xml><?xml version="1.0" encoding="utf-8"?>
-<p:properties xmlns:p="http://schemas.microsoft.com/office/2006/metadata/properties" xmlns:xsi="http://www.w3.org/2001/XMLSchema-instance" xmlns:pc="http://schemas.microsoft.com/office/infopath/2007/PartnerControls">
-  <documentManagement/>
-</p:properties>
-</file>
-
 <file path=customXml/item3.xml><?xml version="1.0" encoding="utf-8"?>
 <?mso-contentType ?>
 <FormTemplates xmlns="http://schemas.microsoft.com/sharepoint/v3/contenttype/forms">
@@ -25737,6 +25532,22 @@
 </file>
 
 <file path=customXml/itemProps1.xml><?xml version="1.0" encoding="utf-8"?>
+<ds:datastoreItem xmlns:ds="http://schemas.openxmlformats.org/officeDocument/2006/customXml" ds:itemID="{D5E3C081-4081-47AD-A9A6-9F18F525DA1D}">
+  <ds:schemaRefs>
+    <ds:schemaRef ds:uri="http://schemas.microsoft.com/office/infopath/2007/PartnerControls"/>
+    <ds:schemaRef ds:uri="http://purl.org/dc/elements/1.1/"/>
+    <ds:schemaRef ds:uri="http://purl.org/dc/terms/"/>
+    <ds:schemaRef ds:uri="http://purl.org/dc/dcmitype/"/>
+    <ds:schemaRef ds:uri="http://www.w3.org/XML/1998/namespace"/>
+    <ds:schemaRef ds:uri="14e46183-14a5-4343-a187-db51ef71da05"/>
+    <ds:schemaRef ds:uri="http://schemas.microsoft.com/office/2006/documentManagement/types"/>
+    <ds:schemaRef ds:uri="http://schemas.openxmlformats.org/package/2006/metadata/core-properties"/>
+    <ds:schemaRef ds:uri="http://schemas.microsoft.com/office/2006/metadata/properties"/>
+  </ds:schemaRefs>
+</ds:datastoreItem>
+</file>
+
+<file path=customXml/itemProps2.xml><?xml version="1.0" encoding="utf-8"?>
 <ds:datastoreItem xmlns:ds="http://schemas.openxmlformats.org/officeDocument/2006/customXml" ds:itemID="{3AD0CE2C-6EFA-4374-86AB-A07794410AB4}">
   <ds:schemaRefs>
     <ds:schemaRef ds:uri="http://schemas.microsoft.com/office/2006/metadata/contentType"/>
@@ -25754,22 +25565,6 @@
 </ds:datastoreItem>
 </file>
 
-<file path=customXml/itemProps2.xml><?xml version="1.0" encoding="utf-8"?>
-<ds:datastoreItem xmlns:ds="http://schemas.openxmlformats.org/officeDocument/2006/customXml" ds:itemID="{D5E3C081-4081-47AD-A9A6-9F18F525DA1D}">
-  <ds:schemaRefs>
-    <ds:schemaRef ds:uri="http://schemas.microsoft.com/office/infopath/2007/PartnerControls"/>
-    <ds:schemaRef ds:uri="http://purl.org/dc/elements/1.1/"/>
-    <ds:schemaRef ds:uri="http://purl.org/dc/terms/"/>
-    <ds:schemaRef ds:uri="http://purl.org/dc/dcmitype/"/>
-    <ds:schemaRef ds:uri="http://www.w3.org/XML/1998/namespace"/>
-    <ds:schemaRef ds:uri="14e46183-14a5-4343-a187-db51ef71da05"/>
-    <ds:schemaRef ds:uri="http://schemas.microsoft.com/office/2006/documentManagement/types"/>
-    <ds:schemaRef ds:uri="http://schemas.openxmlformats.org/package/2006/metadata/core-properties"/>
-    <ds:schemaRef ds:uri="http://schemas.microsoft.com/office/2006/metadata/properties"/>
-  </ds:schemaRefs>
-</ds:datastoreItem>
-</file>
-
 <file path=customXml/itemProps3.xml><?xml version="1.0" encoding="utf-8"?>
 <ds:datastoreItem xmlns:ds="http://schemas.openxmlformats.org/officeDocument/2006/customXml" ds:itemID="{14883F0F-DE57-4ECA-B9BB-F22E8C5B5D82}">
   <ds:schemaRefs>
